--- a/material/08_CSharp_기본문법 (변수, 자료형, 연산자).pptx
+++ b/material/08_CSharp_기본문법 (변수, 자료형, 연산자).pptx
@@ -5,7 +5,7 @@
     <p:sldMasterId id="2147483661" r:id="rId1"/>
   </p:sldMasterIdLst>
   <p:notesMasterIdLst>
-    <p:notesMasterId r:id="rId56"/>
+    <p:notesMasterId r:id="rId55"/>
   </p:notesMasterIdLst>
   <p:sldIdLst>
     <p:sldId id="256" r:id="rId2"/>
@@ -46,52 +46,51 @@
     <p:sldId id="800" r:id="rId37"/>
     <p:sldId id="801" r:id="rId38"/>
     <p:sldId id="806" r:id="rId39"/>
-    <p:sldId id="807" r:id="rId40"/>
-    <p:sldId id="724" r:id="rId41"/>
-    <p:sldId id="726" r:id="rId42"/>
-    <p:sldId id="710" r:id="rId43"/>
-    <p:sldId id="687" r:id="rId44"/>
-    <p:sldId id="686" r:id="rId45"/>
-    <p:sldId id="728" r:id="rId46"/>
-    <p:sldId id="727" r:id="rId47"/>
-    <p:sldId id="810" r:id="rId48"/>
-    <p:sldId id="811" r:id="rId49"/>
-    <p:sldId id="812" r:id="rId50"/>
-    <p:sldId id="813" r:id="rId51"/>
-    <p:sldId id="814" r:id="rId52"/>
-    <p:sldId id="815" r:id="rId53"/>
-    <p:sldId id="816" r:id="rId54"/>
-    <p:sldId id="817" r:id="rId55"/>
+    <p:sldId id="724" r:id="rId40"/>
+    <p:sldId id="726" r:id="rId41"/>
+    <p:sldId id="710" r:id="rId42"/>
+    <p:sldId id="687" r:id="rId43"/>
+    <p:sldId id="686" r:id="rId44"/>
+    <p:sldId id="728" r:id="rId45"/>
+    <p:sldId id="727" r:id="rId46"/>
+    <p:sldId id="810" r:id="rId47"/>
+    <p:sldId id="811" r:id="rId48"/>
+    <p:sldId id="812" r:id="rId49"/>
+    <p:sldId id="813" r:id="rId50"/>
+    <p:sldId id="814" r:id="rId51"/>
+    <p:sldId id="815" r:id="rId52"/>
+    <p:sldId id="816" r:id="rId53"/>
+    <p:sldId id="817" r:id="rId54"/>
   </p:sldIdLst>
   <p:sldSz cx="12192000" cy="6858000"/>
   <p:notesSz cx="6858000" cy="9144000"/>
   <p:embeddedFontLst>
     <p:embeddedFont>
-      <p:font typeface="Pretendard" panose="020B0600000101010101" charset="-127"/>
+      <p:font typeface="Pretendard GOV SemiBold" panose="020B0600000101010101" charset="-127"/>
+      <p:bold r:id="rId56"/>
+    </p:embeddedFont>
+    <p:embeddedFont>
+      <p:font typeface="Pretendard" panose="02000503000000020004" pitchFamily="2" charset="-127"/>
       <p:regular r:id="rId57"/>
       <p:bold r:id="rId58"/>
     </p:embeddedFont>
     <p:embeddedFont>
-      <p:font typeface="Pretendard Black" panose="020B0600000101010101" charset="-127"/>
+      <p:font typeface="Pretendard Black" panose="02000A03000000020004" pitchFamily="2" charset="-127"/>
       <p:bold r:id="rId59"/>
     </p:embeddedFont>
     <p:embeddedFont>
-      <p:font typeface="Pretendard GOV Black" panose="02000A03000000020004" pitchFamily="2" charset="-127"/>
+      <p:font typeface="Pretendard GOV Black" panose="020B0600000101010101" charset="-127"/>
       <p:bold r:id="rId60"/>
     </p:embeddedFont>
     <p:embeddedFont>
-      <p:font typeface="Pretendard GOV SemiBold" panose="02000703000000020004" pitchFamily="2" charset="-127"/>
-      <p:bold r:id="rId61"/>
-    </p:embeddedFont>
-    <p:embeddedFont>
-      <p:font typeface="Pretendard GOV" panose="02000503000000020004" pitchFamily="2" charset="-127"/>
-      <p:regular r:id="rId62"/>
-      <p:bold r:id="rId63"/>
+      <p:font typeface="Pretendard GOV" panose="020B0600000101010101" charset="-127"/>
+      <p:regular r:id="rId61"/>
+      <p:bold r:id="rId62"/>
     </p:embeddedFont>
     <p:embeddedFont>
       <p:font typeface="맑은 고딕" panose="020B0503020000020004" pitchFamily="50" charset="-127"/>
-      <p:regular r:id="rId64"/>
-      <p:bold r:id="rId65"/>
+      <p:regular r:id="rId63"/>
+      <p:bold r:id="rId64"/>
     </p:embeddedFont>
   </p:embeddedFontLst>
   <p:defaultTextStyle>
@@ -282,7 +281,7 @@
           <a:p>
             <a:fld id="{2EF3F159-7250-4DD4-91C2-13B35D56E1AF}" type="datetimeFigureOut">
               <a:rPr lang="ko-KR" altLang="en-US" smtClean="0"/>
-              <a:t>2025-04-25</a:t>
+              <a:t>2025-06-08</a:t>
             </a:fld>
             <a:endParaRPr lang="ko-KR" altLang="en-US"/>
           </a:p>
@@ -593,53 +592,6 @@
           <a:bodyPr/>
           <a:lstStyle/>
           <a:p>
-            <a:r>
-              <a:rPr lang="ko-KR" altLang="en-US" dirty="0"/>
-              <a:t>새로운 언어를 배울 때는 내가 알고 있는 기존 언어와 차이점만 기억을 하면 됨</a:t>
-            </a:r>
-            <a:r>
-              <a:rPr lang="en-US" altLang="ko-KR" dirty="0"/>
-              <a:t>.</a:t>
-            </a:r>
-          </a:p>
-          <a:p>
-            <a:endParaRPr lang="en-US" altLang="ko-KR" dirty="0"/>
-          </a:p>
-          <a:p>
-            <a:r>
-              <a:rPr lang="ko-KR" altLang="en-US" dirty="0"/>
-              <a:t>자세한 문법 또는 함수의 사용법은 그때그때 검색을 통해 찾아보고 적용하면 됨</a:t>
-            </a:r>
-            <a:r>
-              <a:rPr lang="en-US" altLang="ko-KR" dirty="0"/>
-              <a:t>. </a:t>
-            </a:r>
-          </a:p>
-          <a:p>
-            <a:endParaRPr lang="en-US" altLang="ko-KR" dirty="0"/>
-          </a:p>
-          <a:p>
-            <a:r>
-              <a:rPr lang="ko-KR" altLang="en-US" dirty="0"/>
-              <a:t>이론을 충분히 공부하고 무언가 시작하기 보다는 일단 시작하고 부딪히는 곳을 적극적으로 검색하여 찾아보며 </a:t>
-            </a:r>
-            <a:r>
-              <a:rPr lang="ko-KR" altLang="en-US" dirty="0" err="1"/>
-              <a:t>해결해나가는</a:t>
-            </a:r>
-            <a:r>
-              <a:rPr lang="ko-KR" altLang="en-US" dirty="0"/>
-              <a:t> 것이 훨씬 좋음</a:t>
-            </a:r>
-            <a:r>
-              <a:rPr lang="en-US" altLang="ko-KR" dirty="0"/>
-              <a:t>.</a:t>
-            </a:r>
-          </a:p>
-          <a:p>
-            <a:endParaRPr lang="en-US" altLang="ko-KR" dirty="0"/>
-          </a:p>
-          <a:p>
             <a:endParaRPr lang="ko-KR" altLang="en-US" dirty="0"/>
           </a:p>
         </p:txBody>
@@ -724,98 +676,90 @@
           <a:bodyPr/>
           <a:lstStyle/>
           <a:p>
-            <a:r>
-              <a:rPr lang="ko-KR" altLang="en-US" dirty="0" err="1"/>
-              <a:t>파이썬은</a:t>
-            </a:r>
-            <a:r>
-              <a:rPr lang="ko-KR" altLang="en-US" dirty="0"/>
-              <a:t> 지난 강의에서 소개한 것과 같이 동적 언어이고</a:t>
-            </a:r>
-            <a:r>
-              <a:rPr lang="en-US" altLang="ko-KR" dirty="0"/>
-              <a:t>, Indent </a:t>
-            </a:r>
-            <a:r>
-              <a:rPr lang="ko-KR" altLang="en-US" dirty="0"/>
-              <a:t>종속적인</a:t>
-            </a:r>
-            <a:r>
-              <a:rPr lang="en-US" altLang="ko-KR" dirty="0"/>
-              <a:t>, </a:t>
-            </a:r>
-            <a:r>
-              <a:rPr lang="ko-KR" altLang="en-US" dirty="0"/>
-              <a:t>즉</a:t>
-            </a:r>
-            <a:r>
-              <a:rPr lang="en-US" altLang="ko-KR" dirty="0"/>
-              <a:t>, </a:t>
-            </a:r>
-            <a:r>
-              <a:rPr lang="ko-KR" altLang="en-US" dirty="0"/>
-              <a:t>들여쓰기로 소스코드의 묶음 또는 단위를 구분하기 때문에 </a:t>
-            </a:r>
             <a:endParaRPr lang="en-US" altLang="ko-KR" dirty="0"/>
           </a:p>
-          <a:p>
-            <a:endParaRPr lang="en-US" altLang="ko-KR" dirty="0"/>
-          </a:p>
-          <a:p>
-            <a:r>
-              <a:rPr lang="ko-KR" altLang="en-US" dirty="0"/>
-              <a:t>들여쓰기를 정확하게 하는 것이 매우 중요합니다</a:t>
-            </a:r>
-            <a:r>
-              <a:rPr lang="en-US" altLang="ko-KR" dirty="0"/>
-              <a:t>. </a:t>
-            </a:r>
-          </a:p>
-          <a:p>
-            <a:endParaRPr lang="en-US" altLang="ko-KR" dirty="0"/>
-          </a:p>
-          <a:p>
-            <a:r>
-              <a:rPr lang="ko-KR" altLang="en-US" dirty="0"/>
-              <a:t>하지만</a:t>
-            </a:r>
-            <a:r>
-              <a:rPr lang="en-US" altLang="ko-KR" dirty="0"/>
-              <a:t>, C# </a:t>
-            </a:r>
-            <a:r>
-              <a:rPr lang="ko-KR" altLang="en-US" dirty="0"/>
-              <a:t>및 정적 언어들에서는 </a:t>
-            </a:r>
-            <a:r>
-              <a:rPr lang="ko-KR" altLang="en-US" dirty="0" err="1"/>
-              <a:t>파이썬의</a:t>
-            </a:r>
-            <a:r>
-              <a:rPr lang="ko-KR" altLang="en-US" dirty="0"/>
-              <a:t> 들여쓰기 역할을 중괄호가 한다고 볼 수 있습니다</a:t>
-            </a:r>
-            <a:r>
-              <a:rPr lang="en-US" altLang="ko-KR" dirty="0"/>
-              <a:t>.</a:t>
-            </a:r>
-          </a:p>
-          <a:p>
-            <a:endParaRPr lang="en-US" altLang="ko-KR" dirty="0"/>
-          </a:p>
-          <a:p>
-            <a:r>
-              <a:rPr lang="en-US" altLang="ko-KR" dirty="0"/>
-              <a:t>VS_01_Base</a:t>
-            </a:r>
-            <a:r>
-              <a:rPr lang="en-US" altLang="ko-KR" baseline="0" dirty="0"/>
-              <a:t> </a:t>
-            </a:r>
-            <a:r>
-              <a:rPr lang="ko-KR" altLang="en-US" baseline="0" dirty="0" err="1"/>
-              <a:t>ㄱㄱ</a:t>
-            </a:r>
+        </p:txBody>
+      </p:sp>
+      <p:sp>
+        <p:nvSpPr>
+          <p:cNvPr id="4" name="슬라이드 번호 개체 틀 3"/>
+          <p:cNvSpPr>
+            <a:spLocks noGrp="1"/>
+          </p:cNvSpPr>
+          <p:nvPr>
+            <p:ph type="sldNum" sz="quarter" idx="5"/>
+          </p:nvPr>
+        </p:nvSpPr>
+        <p:spPr/>
+        <p:txBody>
+          <a:bodyPr/>
+          <a:lstStyle/>
+          <a:p>
+            <a:fld id="{C09E5BFC-1559-42F1-8940-AB342D56BF02}" type="slidenum">
+              <a:rPr lang="ko-KR" altLang="en-US" smtClean="0"/>
+              <a:t>10</a:t>
+            </a:fld>
+            <a:endParaRPr lang="ko-KR" altLang="en-US"/>
+          </a:p>
+        </p:txBody>
+      </p:sp>
+    </p:spTree>
+    <p:extLst>
+      <p:ext uri="{BB962C8B-B14F-4D97-AF65-F5344CB8AC3E}">
+        <p14:creationId xmlns:p14="http://schemas.microsoft.com/office/powerpoint/2010/main" val="3035541545"/>
+      </p:ext>
+    </p:extLst>
+  </p:cSld>
+  <p:clrMapOvr>
+    <a:masterClrMapping/>
+  </p:clrMapOvr>
+</p:notes>
+</file>
+
+<file path=ppt/notesSlides/notesSlide11.xml><?xml version="1.0" encoding="utf-8"?>
+<p:notes xmlns:a="http://schemas.openxmlformats.org/drawingml/2006/main" xmlns:r="http://schemas.openxmlformats.org/officeDocument/2006/relationships" xmlns:p="http://schemas.openxmlformats.org/presentationml/2006/main">
+  <p:cSld>
+    <p:spTree>
+      <p:nvGrpSpPr>
+        <p:cNvPr id="1" name=""/>
+        <p:cNvGrpSpPr/>
+        <p:nvPr/>
+      </p:nvGrpSpPr>
+      <p:grpSpPr>
+        <a:xfrm>
+          <a:off x="0" y="0"/>
+          <a:ext cx="0" cy="0"/>
+          <a:chOff x="0" y="0"/>
+          <a:chExt cx="0" cy="0"/>
+        </a:xfrm>
+      </p:grpSpPr>
+      <p:sp>
+        <p:nvSpPr>
+          <p:cNvPr id="2" name="슬라이드 이미지 개체 틀 1"/>
+          <p:cNvSpPr>
+            <a:spLocks noGrp="1" noRot="1" noChangeAspect="1"/>
+          </p:cNvSpPr>
+          <p:nvPr>
+            <p:ph type="sldImg"/>
+          </p:nvPr>
+        </p:nvSpPr>
+        <p:spPr/>
+      </p:sp>
+      <p:sp>
+        <p:nvSpPr>
+          <p:cNvPr id="3" name="슬라이드 노트 개체 틀 2"/>
+          <p:cNvSpPr>
+            <a:spLocks noGrp="1"/>
+          </p:cNvSpPr>
+          <p:nvPr>
+            <p:ph type="body" idx="1"/>
+          </p:nvPr>
+        </p:nvSpPr>
+        <p:spPr/>
+        <p:txBody>
+          <a:bodyPr/>
+          <a:lstStyle/>
+          <a:p>
             <a:endParaRPr lang="ko-KR" altLang="en-US" dirty="0"/>
           </a:p>
         </p:txBody>
@@ -856,7 +800,7 @@
 </p:notes>
 </file>
 
-<file path=ppt/notesSlides/notesSlide11.xml><?xml version="1.0" encoding="utf-8"?>
+<file path=ppt/notesSlides/notesSlide12.xml><?xml version="1.0" encoding="utf-8"?>
 <p:notes xmlns:a="http://schemas.openxmlformats.org/drawingml/2006/main" xmlns:r="http://schemas.openxmlformats.org/officeDocument/2006/relationships" xmlns:p="http://schemas.openxmlformats.org/presentationml/2006/main">
   <p:cSld>
     <p:spTree>
@@ -955,135 +899,6 @@
     <p:extLst>
       <p:ext uri="{BB962C8B-B14F-4D97-AF65-F5344CB8AC3E}">
         <p14:creationId xmlns:p14="http://schemas.microsoft.com/office/powerpoint/2010/main" val="1059242686"/>
-      </p:ext>
-    </p:extLst>
-  </p:cSld>
-  <p:clrMapOvr>
-    <a:masterClrMapping/>
-  </p:clrMapOvr>
-</p:notes>
-</file>
-
-<file path=ppt/notesSlides/notesSlide12.xml><?xml version="1.0" encoding="utf-8"?>
-<p:notes xmlns:a="http://schemas.openxmlformats.org/drawingml/2006/main" xmlns:r="http://schemas.openxmlformats.org/officeDocument/2006/relationships" xmlns:p="http://schemas.openxmlformats.org/presentationml/2006/main">
-  <p:cSld>
-    <p:spTree>
-      <p:nvGrpSpPr>
-        <p:cNvPr id="1" name=""/>
-        <p:cNvGrpSpPr/>
-        <p:nvPr/>
-      </p:nvGrpSpPr>
-      <p:grpSpPr>
-        <a:xfrm>
-          <a:off x="0" y="0"/>
-          <a:ext cx="0" cy="0"/>
-          <a:chOff x="0" y="0"/>
-          <a:chExt cx="0" cy="0"/>
-        </a:xfrm>
-      </p:grpSpPr>
-      <p:sp>
-        <p:nvSpPr>
-          <p:cNvPr id="2" name="슬라이드 이미지 개체 틀 1"/>
-          <p:cNvSpPr>
-            <a:spLocks noGrp="1" noRot="1" noChangeAspect="1"/>
-          </p:cNvSpPr>
-          <p:nvPr>
-            <p:ph type="sldImg"/>
-          </p:nvPr>
-        </p:nvSpPr>
-        <p:spPr/>
-      </p:sp>
-      <p:sp>
-        <p:nvSpPr>
-          <p:cNvPr id="3" name="슬라이드 노트 개체 틀 2"/>
-          <p:cNvSpPr>
-            <a:spLocks noGrp="1"/>
-          </p:cNvSpPr>
-          <p:nvPr>
-            <p:ph type="body" idx="1"/>
-          </p:nvPr>
-        </p:nvSpPr>
-        <p:spPr/>
-        <p:txBody>
-          <a:bodyPr/>
-          <a:lstStyle/>
-          <a:p>
-            <a:r>
-              <a:rPr lang="ko-KR" altLang="en-US" dirty="0"/>
-              <a:t>다음은 표기법에 대해 배워보겠습니다</a:t>
-            </a:r>
-            <a:r>
-              <a:rPr lang="en-US" altLang="ko-KR" dirty="0"/>
-              <a:t>.</a:t>
-            </a:r>
-          </a:p>
-          <a:p>
-            <a:endParaRPr lang="en-US" altLang="ko-KR" dirty="0"/>
-          </a:p>
-          <a:p>
-            <a:r>
-              <a:rPr lang="ko-KR" altLang="en-US" dirty="0"/>
-              <a:t>문법과 같다</a:t>
-            </a:r>
-            <a:r>
-              <a:rPr lang="en-US" altLang="ko-KR" dirty="0"/>
-              <a:t>.</a:t>
-            </a:r>
-          </a:p>
-          <a:p>
-            <a:endParaRPr lang="en-US" altLang="ko-KR" dirty="0"/>
-          </a:p>
-          <a:p>
-            <a:r>
-              <a:rPr lang="ko-KR" altLang="en-US" dirty="0"/>
-              <a:t>일반적으로 다음과 같은 </a:t>
-            </a:r>
-            <a:r>
-              <a:rPr lang="en-US" altLang="ko-KR" dirty="0"/>
-              <a:t>4</a:t>
-            </a:r>
-            <a:r>
-              <a:rPr lang="ko-KR" altLang="en-US" dirty="0"/>
-              <a:t>개의 표기법이 있습니다</a:t>
-            </a:r>
-            <a:r>
-              <a:rPr lang="en-US" altLang="ko-KR" dirty="0"/>
-              <a:t>.</a:t>
-            </a:r>
-            <a:endParaRPr lang="ko-KR" altLang="en-US" dirty="0"/>
-          </a:p>
-          <a:p>
-            <a:endParaRPr lang="ko-KR" altLang="en-US" dirty="0"/>
-          </a:p>
-        </p:txBody>
-      </p:sp>
-      <p:sp>
-        <p:nvSpPr>
-          <p:cNvPr id="4" name="슬라이드 번호 개체 틀 3"/>
-          <p:cNvSpPr>
-            <a:spLocks noGrp="1"/>
-          </p:cNvSpPr>
-          <p:nvPr>
-            <p:ph type="sldNum" sz="quarter" idx="5"/>
-          </p:nvPr>
-        </p:nvSpPr>
-        <p:spPr/>
-        <p:txBody>
-          <a:bodyPr/>
-          <a:lstStyle/>
-          <a:p>
-            <a:fld id="{C09E5BFC-1559-42F1-8940-AB342D56BF02}" type="slidenum">
-              <a:rPr lang="ko-KR" altLang="en-US" smtClean="0"/>
-              <a:t>13</a:t>
-            </a:fld>
-            <a:endParaRPr lang="ko-KR" altLang="en-US"/>
-          </a:p>
-        </p:txBody>
-      </p:sp>
-    </p:spTree>
-    <p:extLst>
-      <p:ext uri="{BB962C8B-B14F-4D97-AF65-F5344CB8AC3E}">
-        <p14:creationId xmlns:p14="http://schemas.microsoft.com/office/powerpoint/2010/main" val="2915751971"/>
       </p:ext>
     </p:extLst>
   </p:cSld>
@@ -1137,22 +952,6 @@
           <a:bodyPr/>
           <a:lstStyle/>
           <a:p>
-            <a:r>
-              <a:rPr lang="ko-KR" altLang="en-US" dirty="0"/>
-              <a:t>이러한 문장이 있습니다</a:t>
-            </a:r>
-            <a:r>
-              <a:rPr lang="en-US" altLang="ko-KR" dirty="0"/>
-              <a:t>. </a:t>
-            </a:r>
-            <a:r>
-              <a:rPr lang="ko-KR" altLang="en-US" dirty="0"/>
-              <a:t>한눈에 보기 어렵죠</a:t>
-            </a:r>
-            <a:r>
-              <a:rPr lang="en-US" altLang="ko-KR" dirty="0"/>
-              <a:t>?</a:t>
-            </a:r>
             <a:endParaRPr lang="ko-KR" altLang="en-US" dirty="0"/>
           </a:p>
         </p:txBody>
@@ -1174,7 +973,7 @@
           <a:p>
             <a:fld id="{C09E5BFC-1559-42F1-8940-AB342D56BF02}" type="slidenum">
               <a:rPr lang="ko-KR" altLang="en-US" smtClean="0"/>
-              <a:t>14</a:t>
+              <a:t>13</a:t>
             </a:fld>
             <a:endParaRPr lang="ko-KR" altLang="en-US"/>
           </a:p>
@@ -1183,7 +982,7 @@
     </p:spTree>
     <p:extLst>
       <p:ext uri="{BB962C8B-B14F-4D97-AF65-F5344CB8AC3E}">
-        <p14:creationId xmlns:p14="http://schemas.microsoft.com/office/powerpoint/2010/main" val="1336097469"/>
+        <p14:creationId xmlns:p14="http://schemas.microsoft.com/office/powerpoint/2010/main" val="2915751971"/>
       </p:ext>
     </p:extLst>
   </p:cSld>
@@ -1238,47 +1037,8 @@
           <a:lstStyle/>
           <a:p>
             <a:r>
-              <a:rPr lang="en-US" altLang="ko-KR" dirty="0"/>
-              <a:t>C#</a:t>
-            </a:r>
-            <a:r>
               <a:rPr lang="ko-KR" altLang="en-US" dirty="0"/>
-              <a:t>에선 안씀</a:t>
-            </a:r>
-            <a:endParaRPr lang="en-US" altLang="ko-KR" dirty="0"/>
-          </a:p>
-          <a:p>
-            <a:r>
-              <a:rPr lang="ko-KR" altLang="en-US" dirty="0" err="1"/>
-              <a:t>변수명이나</a:t>
-            </a:r>
-            <a:r>
-              <a:rPr lang="ko-KR" altLang="en-US" dirty="0"/>
-              <a:t> </a:t>
-            </a:r>
-            <a:r>
-              <a:rPr lang="ko-KR" altLang="en-US" dirty="0" err="1"/>
-              <a:t>식별자에</a:t>
-            </a:r>
-            <a:r>
-              <a:rPr lang="ko-KR" altLang="en-US" dirty="0"/>
-              <a:t> </a:t>
-            </a:r>
-            <a:r>
-              <a:rPr lang="en-US" altLang="ko-KR" dirty="0"/>
-              <a:t>-(</a:t>
-            </a:r>
-            <a:r>
-              <a:rPr lang="ko-KR" altLang="en-US" dirty="0"/>
-              <a:t>하이픈</a:t>
-            </a:r>
-            <a:r>
-              <a:rPr lang="en-US" altLang="ko-KR" dirty="0"/>
-              <a:t>)</a:t>
-            </a:r>
-            <a:r>
-              <a:rPr lang="ko-KR" altLang="en-US" dirty="0"/>
-              <a:t>을 사용할 수 없기 때문입니다</a:t>
+              <a:t>이러한 문장이 있습니다</a:t>
             </a:r>
             <a:r>
               <a:rPr lang="en-US" altLang="ko-KR" dirty="0"/>
@@ -1286,11 +1046,11 @@
             </a:r>
             <a:r>
               <a:rPr lang="ko-KR" altLang="en-US" dirty="0"/>
-              <a:t>하이픈은 빼기 연산자로 인식되기 때문입니다</a:t>
+              <a:t>한눈에 보기 어렵죠</a:t>
             </a:r>
             <a:r>
               <a:rPr lang="en-US" altLang="ko-KR" dirty="0"/>
-              <a:t>.</a:t>
+              <a:t>?</a:t>
             </a:r>
             <a:endParaRPr lang="ko-KR" altLang="en-US" dirty="0"/>
           </a:p>
@@ -1313,7 +1073,7 @@
           <a:p>
             <a:fld id="{C09E5BFC-1559-42F1-8940-AB342D56BF02}" type="slidenum">
               <a:rPr lang="ko-KR" altLang="en-US" smtClean="0"/>
-              <a:t>15</a:t>
+              <a:t>14</a:t>
             </a:fld>
             <a:endParaRPr lang="ko-KR" altLang="en-US"/>
           </a:p>
@@ -1322,7 +1082,7 @@
     </p:spTree>
     <p:extLst>
       <p:ext uri="{BB962C8B-B14F-4D97-AF65-F5344CB8AC3E}">
-        <p14:creationId xmlns:p14="http://schemas.microsoft.com/office/powerpoint/2010/main" val="1749901616"/>
+        <p14:creationId xmlns:p14="http://schemas.microsoft.com/office/powerpoint/2010/main" val="1336097469"/>
       </p:ext>
     </p:extLst>
   </p:cSld>
@@ -1376,14 +1136,7 @@
           <a:bodyPr/>
           <a:lstStyle/>
           <a:p>
-            <a:r>
-              <a:rPr lang="en-US" altLang="ko-KR" dirty="0"/>
-              <a:t>C#</a:t>
-            </a:r>
-            <a:r>
-              <a:rPr lang="ko-KR" altLang="en-US" dirty="0"/>
-              <a:t>잘 안 사용</a:t>
-            </a:r>
+            <a:endParaRPr lang="ko-KR" altLang="en-US" dirty="0"/>
           </a:p>
         </p:txBody>
       </p:sp>
@@ -1404,7 +1157,7 @@
           <a:p>
             <a:fld id="{C09E5BFC-1559-42F1-8940-AB342D56BF02}" type="slidenum">
               <a:rPr lang="ko-KR" altLang="en-US" smtClean="0"/>
-              <a:t>16</a:t>
+              <a:t>15</a:t>
             </a:fld>
             <a:endParaRPr lang="ko-KR" altLang="en-US"/>
           </a:p>
@@ -1413,7 +1166,7 @@
     </p:spTree>
     <p:extLst>
       <p:ext uri="{BB962C8B-B14F-4D97-AF65-F5344CB8AC3E}">
-        <p14:creationId xmlns:p14="http://schemas.microsoft.com/office/powerpoint/2010/main" val="685059927"/>
+        <p14:creationId xmlns:p14="http://schemas.microsoft.com/office/powerpoint/2010/main" val="1749901616"/>
       </p:ext>
     </p:extLst>
   </p:cSld>
@@ -1468,32 +1221,12 @@
           <a:lstStyle/>
           <a:p>
             <a:r>
+              <a:rPr lang="en-US" altLang="ko-KR" dirty="0"/>
+              <a:t>C#</a:t>
+            </a:r>
+            <a:r>
               <a:rPr lang="ko-KR" altLang="en-US" dirty="0"/>
-              <a:t>단어의 첫 글자를 제외한 나머지 단어의 첫 글자를 대문자로 쓰는 방식</a:t>
-            </a:r>
-            <a:endParaRPr lang="en-US" altLang="ko-KR" dirty="0"/>
-          </a:p>
-          <a:p>
-            <a:endParaRPr lang="en-US" altLang="ko-KR" dirty="0"/>
-          </a:p>
-          <a:p>
-            <a:r>
-              <a:rPr lang="ko-KR" altLang="en-US" dirty="0"/>
-              <a:t>주로 변수나 함수의 이름을 작성할 때 사용</a:t>
-            </a:r>
-          </a:p>
-          <a:p>
-            <a:r>
-              <a:rPr lang="ko-KR" altLang="en-US" dirty="0"/>
-              <a:t>지역 변수 </a:t>
-            </a:r>
-            <a:r>
-              <a:rPr lang="en-US" altLang="ko-KR" dirty="0"/>
-              <a:t>/ </a:t>
-            </a:r>
-            <a:r>
-              <a:rPr lang="ko-KR" altLang="en-US" dirty="0"/>
-              <a:t>매개변수</a:t>
+              <a:t>잘 안 사용</a:t>
             </a:r>
           </a:p>
         </p:txBody>
@@ -1515,7 +1248,7 @@
           <a:p>
             <a:fld id="{C09E5BFC-1559-42F1-8940-AB342D56BF02}" type="slidenum">
               <a:rPr lang="ko-KR" altLang="en-US" smtClean="0"/>
-              <a:t>17</a:t>
+              <a:t>16</a:t>
             </a:fld>
             <a:endParaRPr lang="ko-KR" altLang="en-US"/>
           </a:p>
@@ -1524,7 +1257,7 @@
     </p:spTree>
     <p:extLst>
       <p:ext uri="{BB962C8B-B14F-4D97-AF65-F5344CB8AC3E}">
-        <p14:creationId xmlns:p14="http://schemas.microsoft.com/office/powerpoint/2010/main" val="2936151297"/>
+        <p14:creationId xmlns:p14="http://schemas.microsoft.com/office/powerpoint/2010/main" val="685059927"/>
       </p:ext>
     </p:extLst>
   </p:cSld>
@@ -1578,75 +1311,91 @@
           <a:bodyPr/>
           <a:lstStyle/>
           <a:p>
-            <a:r>
-              <a:rPr lang="ko-KR" altLang="en-US" dirty="0"/>
-              <a:t>카멜 </a:t>
-            </a:r>
-            <a:r>
-              <a:rPr lang="ko-KR" altLang="en-US" dirty="0" err="1"/>
-              <a:t>케이스랑</a:t>
-            </a:r>
-            <a:r>
-              <a:rPr lang="ko-KR" altLang="en-US" dirty="0"/>
-              <a:t> 비슷하지만 맨 앞의 알파벳도 대문자로</a:t>
-            </a:r>
-            <a:r>
-              <a:rPr lang="en-US" altLang="ko-KR" dirty="0"/>
-              <a:t>.</a:t>
-            </a:r>
-          </a:p>
-          <a:p>
-            <a:endParaRPr lang="en-US" altLang="ko-KR" dirty="0"/>
-          </a:p>
-          <a:p>
-            <a:r>
-              <a:rPr lang="ko-KR" altLang="en-US" dirty="0" err="1"/>
-              <a:t>클래스명</a:t>
-            </a:r>
-            <a:r>
-              <a:rPr lang="ko-KR" altLang="en-US" dirty="0"/>
-              <a:t> </a:t>
-            </a:r>
-            <a:r>
-              <a:rPr lang="en-US" altLang="ko-KR" dirty="0"/>
-              <a:t>/ </a:t>
-            </a:r>
-            <a:r>
-              <a:rPr lang="ko-KR" altLang="en-US" dirty="0"/>
-              <a:t>인터페이스명 </a:t>
-            </a:r>
-            <a:r>
-              <a:rPr lang="en-US" altLang="ko-KR" dirty="0"/>
-              <a:t>/ </a:t>
-            </a:r>
-            <a:r>
-              <a:rPr lang="ko-KR" altLang="en-US" dirty="0" err="1"/>
-              <a:t>메서드명</a:t>
-            </a:r>
-            <a:r>
-              <a:rPr lang="ko-KR" altLang="en-US" dirty="0"/>
-              <a:t> </a:t>
-            </a:r>
-            <a:r>
-              <a:rPr lang="en-US" altLang="ko-KR" dirty="0"/>
-              <a:t>/ </a:t>
-            </a:r>
-            <a:r>
-              <a:rPr lang="ko-KR" altLang="en-US" dirty="0" err="1"/>
-              <a:t>속성명</a:t>
-            </a:r>
-            <a:r>
-              <a:rPr lang="ko-KR" altLang="en-US" dirty="0"/>
-              <a:t> </a:t>
-            </a:r>
-            <a:r>
-              <a:rPr lang="en-US" altLang="ko-KR" dirty="0"/>
-              <a:t>/ </a:t>
-            </a:r>
-            <a:r>
-              <a:rPr lang="ko-KR" altLang="en-US" dirty="0"/>
-              <a:t>상수</a:t>
-            </a:r>
+            <a:endParaRPr lang="ko-KR" altLang="en-US" dirty="0"/>
+          </a:p>
+        </p:txBody>
+      </p:sp>
+      <p:sp>
+        <p:nvSpPr>
+          <p:cNvPr id="4" name="슬라이드 번호 개체 틀 3"/>
+          <p:cNvSpPr>
+            <a:spLocks noGrp="1"/>
+          </p:cNvSpPr>
+          <p:nvPr>
+            <p:ph type="sldNum" sz="quarter" idx="5"/>
+          </p:nvPr>
+        </p:nvSpPr>
+        <p:spPr/>
+        <p:txBody>
+          <a:bodyPr/>
+          <a:lstStyle/>
+          <a:p>
+            <a:fld id="{C09E5BFC-1559-42F1-8940-AB342D56BF02}" type="slidenum">
+              <a:rPr lang="ko-KR" altLang="en-US" smtClean="0"/>
+              <a:t>17</a:t>
+            </a:fld>
+            <a:endParaRPr lang="ko-KR" altLang="en-US"/>
+          </a:p>
+        </p:txBody>
+      </p:sp>
+    </p:spTree>
+    <p:extLst>
+      <p:ext uri="{BB962C8B-B14F-4D97-AF65-F5344CB8AC3E}">
+        <p14:creationId xmlns:p14="http://schemas.microsoft.com/office/powerpoint/2010/main" val="2936151297"/>
+      </p:ext>
+    </p:extLst>
+  </p:cSld>
+  <p:clrMapOvr>
+    <a:masterClrMapping/>
+  </p:clrMapOvr>
+</p:notes>
+</file>
+
+<file path=ppt/notesSlides/notesSlide18.xml><?xml version="1.0" encoding="utf-8"?>
+<p:notes xmlns:a="http://schemas.openxmlformats.org/drawingml/2006/main" xmlns:r="http://schemas.openxmlformats.org/officeDocument/2006/relationships" xmlns:p="http://schemas.openxmlformats.org/presentationml/2006/main">
+  <p:cSld>
+    <p:spTree>
+      <p:nvGrpSpPr>
+        <p:cNvPr id="1" name=""/>
+        <p:cNvGrpSpPr/>
+        <p:nvPr/>
+      </p:nvGrpSpPr>
+      <p:grpSpPr>
+        <a:xfrm>
+          <a:off x="0" y="0"/>
+          <a:ext cx="0" cy="0"/>
+          <a:chOff x="0" y="0"/>
+          <a:chExt cx="0" cy="0"/>
+        </a:xfrm>
+      </p:grpSpPr>
+      <p:sp>
+        <p:nvSpPr>
+          <p:cNvPr id="2" name="슬라이드 이미지 개체 틀 1"/>
+          <p:cNvSpPr>
+            <a:spLocks noGrp="1" noRot="1" noChangeAspect="1"/>
+          </p:cNvSpPr>
+          <p:nvPr>
+            <p:ph type="sldImg"/>
+          </p:nvPr>
+        </p:nvSpPr>
+        <p:spPr/>
+      </p:sp>
+      <p:sp>
+        <p:nvSpPr>
+          <p:cNvPr id="3" name="슬라이드 노트 개체 틀 2"/>
+          <p:cNvSpPr>
+            <a:spLocks noGrp="1"/>
+          </p:cNvSpPr>
+          <p:nvPr>
+            <p:ph type="body" idx="1"/>
+          </p:nvPr>
+        </p:nvSpPr>
+        <p:spPr/>
+        <p:txBody>
+          <a:bodyPr/>
+          <a:lstStyle/>
+          <a:p>
+            <a:endParaRPr lang="ko-KR" altLang="en-US" dirty="0"/>
           </a:p>
         </p:txBody>
       </p:sp>
@@ -1686,7 +1435,7 @@
 </p:notes>
 </file>
 
-<file path=ppt/notesSlides/notesSlide18.xml><?xml version="1.0" encoding="utf-8"?>
+<file path=ppt/notesSlides/notesSlide19.xml><?xml version="1.0" encoding="utf-8"?>
 <p:notes xmlns:a="http://schemas.openxmlformats.org/drawingml/2006/main" xmlns:r="http://schemas.openxmlformats.org/officeDocument/2006/relationships" xmlns:p="http://schemas.openxmlformats.org/presentationml/2006/main">
   <p:cSld>
     <p:spTree>
@@ -1785,115 +1534,6 @@
     <p:extLst>
       <p:ext uri="{BB962C8B-B14F-4D97-AF65-F5344CB8AC3E}">
         <p14:creationId xmlns:p14="http://schemas.microsoft.com/office/powerpoint/2010/main" val="704550067"/>
-      </p:ext>
-    </p:extLst>
-  </p:cSld>
-  <p:clrMapOvr>
-    <a:masterClrMapping/>
-  </p:clrMapOvr>
-</p:notes>
-</file>
-
-<file path=ppt/notesSlides/notesSlide19.xml><?xml version="1.0" encoding="utf-8"?>
-<p:notes xmlns:a="http://schemas.openxmlformats.org/drawingml/2006/main" xmlns:r="http://schemas.openxmlformats.org/officeDocument/2006/relationships" xmlns:p="http://schemas.openxmlformats.org/presentationml/2006/main">
-  <p:cSld>
-    <p:spTree>
-      <p:nvGrpSpPr>
-        <p:cNvPr id="1" name=""/>
-        <p:cNvGrpSpPr/>
-        <p:nvPr/>
-      </p:nvGrpSpPr>
-      <p:grpSpPr>
-        <a:xfrm>
-          <a:off x="0" y="0"/>
-          <a:ext cx="0" cy="0"/>
-          <a:chOff x="0" y="0"/>
-          <a:chExt cx="0" cy="0"/>
-        </a:xfrm>
-      </p:grpSpPr>
-      <p:sp>
-        <p:nvSpPr>
-          <p:cNvPr id="2" name="슬라이드 이미지 개체 틀 1"/>
-          <p:cNvSpPr>
-            <a:spLocks noGrp="1" noRot="1" noChangeAspect="1"/>
-          </p:cNvSpPr>
-          <p:nvPr>
-            <p:ph type="sldImg"/>
-          </p:nvPr>
-        </p:nvSpPr>
-        <p:spPr/>
-      </p:sp>
-      <p:sp>
-        <p:nvSpPr>
-          <p:cNvPr id="3" name="슬라이드 노트 개체 틀 2"/>
-          <p:cNvSpPr>
-            <a:spLocks noGrp="1"/>
-          </p:cNvSpPr>
-          <p:nvPr>
-            <p:ph type="body" idx="1"/>
-          </p:nvPr>
-        </p:nvSpPr>
-        <p:spPr/>
-        <p:txBody>
-          <a:bodyPr/>
-          <a:lstStyle/>
-          <a:p>
-            <a:r>
-              <a:rPr lang="ko-KR" altLang="en-US" dirty="0"/>
-              <a:t>프로그래밍 언어 및 컴퓨터 과학 분야에서 매우 흔히 사용되는 관행</a:t>
-            </a:r>
-            <a:r>
-              <a:rPr lang="en-US" altLang="ko-KR" dirty="0"/>
-              <a:t>.</a:t>
-            </a:r>
-          </a:p>
-          <a:p>
-            <a:endParaRPr lang="en-US" altLang="ko-KR" dirty="0"/>
-          </a:p>
-          <a:p>
-            <a:r>
-              <a:rPr lang="en-US" altLang="ko-KR" dirty="0"/>
-              <a:t>0</a:t>
-            </a:r>
-            <a:r>
-              <a:rPr lang="ko-KR" altLang="en-US" dirty="0"/>
-              <a:t>부터 시작하는 것을 의미</a:t>
-            </a:r>
-            <a:r>
-              <a:rPr lang="en-US" altLang="ko-KR" dirty="0"/>
-              <a:t>. </a:t>
-            </a:r>
-            <a:endParaRPr lang="ko-KR" altLang="en-US" dirty="0"/>
-          </a:p>
-        </p:txBody>
-      </p:sp>
-      <p:sp>
-        <p:nvSpPr>
-          <p:cNvPr id="4" name="슬라이드 번호 개체 틀 3"/>
-          <p:cNvSpPr>
-            <a:spLocks noGrp="1"/>
-          </p:cNvSpPr>
-          <p:nvPr>
-            <p:ph type="sldNum" sz="quarter" idx="5"/>
-          </p:nvPr>
-        </p:nvSpPr>
-        <p:spPr/>
-        <p:txBody>
-          <a:bodyPr/>
-          <a:lstStyle/>
-          <a:p>
-            <a:fld id="{C09E5BFC-1559-42F1-8940-AB342D56BF02}" type="slidenum">
-              <a:rPr lang="ko-KR" altLang="en-US" smtClean="0"/>
-              <a:t>20</a:t>
-            </a:fld>
-            <a:endParaRPr lang="ko-KR" altLang="en-US"/>
-          </a:p>
-        </p:txBody>
-      </p:sp>
-    </p:spTree>
-    <p:extLst>
-      <p:ext uri="{BB962C8B-B14F-4D97-AF65-F5344CB8AC3E}">
-        <p14:creationId xmlns:p14="http://schemas.microsoft.com/office/powerpoint/2010/main" val="2445345089"/>
       </p:ext>
     </p:extLst>
   </p:cSld>
@@ -1964,93 +1604,7 @@
               <a:tabLst/>
               <a:defRPr/>
             </a:pPr>
-            <a:r>
-              <a:rPr lang="ko-KR" altLang="en-US" dirty="0"/>
-              <a:t>문법을 배우기에 앞서</a:t>
-            </a:r>
-            <a:r>
-              <a:rPr lang="en-US" altLang="ko-KR" dirty="0"/>
-              <a:t>, </a:t>
-            </a:r>
-            <a:r>
-              <a:rPr lang="ko-KR" altLang="en-US" dirty="0"/>
-              <a:t>앞으로 맞이하게 될 오류를 해결할 때</a:t>
-            </a:r>
-            <a:r>
-              <a:rPr lang="en-US" altLang="ko-KR" dirty="0"/>
-              <a:t>,</a:t>
-            </a:r>
-            <a:r>
-              <a:rPr lang="ko-KR" altLang="en-US" dirty="0"/>
-              <a:t> 항상 메시지를 자세히 읽어보는 습관이 필요합니다</a:t>
-            </a:r>
-            <a:r>
-              <a:rPr lang="en-US" altLang="ko-KR" dirty="0"/>
-              <a:t>.</a:t>
-            </a:r>
-          </a:p>
-          <a:p>
             <a:endParaRPr lang="en-US" altLang="ko-KR" dirty="0"/>
-          </a:p>
-          <a:p>
-            <a:r>
-              <a:rPr lang="ko-KR" altLang="en-US" dirty="0"/>
-              <a:t>코드에서 전역 변수를 사용하려고 하면 오류가 발생하고</a:t>
-            </a:r>
-            <a:r>
-              <a:rPr lang="en-US" altLang="ko-KR" dirty="0"/>
-              <a:t>, C#</a:t>
-            </a:r>
-            <a:r>
-              <a:rPr lang="ko-KR" altLang="en-US" dirty="0"/>
-              <a:t> </a:t>
-            </a:r>
-            <a:r>
-              <a:rPr lang="en-US" altLang="ko-KR" dirty="0"/>
-              <a:t>9.0 </a:t>
-            </a:r>
-            <a:r>
-              <a:rPr lang="ko-KR" altLang="en-US" dirty="0"/>
-              <a:t>버전 이상에서 지원한다고 메시지가 나옵니다</a:t>
-            </a:r>
-            <a:r>
-              <a:rPr lang="en-US" altLang="ko-KR" dirty="0"/>
-              <a:t>.</a:t>
-            </a:r>
-          </a:p>
-          <a:p>
-            <a:endParaRPr lang="en-US" altLang="ko-KR" dirty="0"/>
-          </a:p>
-          <a:p>
-            <a:r>
-              <a:rPr lang="en-US" altLang="ko-KR" dirty="0"/>
-              <a:t>C# </a:t>
-            </a:r>
-            <a:r>
-              <a:rPr lang="ko-KR" altLang="en-US" dirty="0"/>
-              <a:t>버전에 따라 문법도 바뀐다는 점을 기억해주면 좋습니다</a:t>
-            </a:r>
-            <a:r>
-              <a:rPr lang="en-US" altLang="ko-KR" dirty="0"/>
-              <a:t>.</a:t>
-            </a:r>
-          </a:p>
-          <a:p>
-            <a:endParaRPr lang="en-US" altLang="ko-KR" dirty="0"/>
-          </a:p>
-          <a:p>
-            <a:r>
-              <a:rPr lang="en-US" altLang="ko-KR" dirty="0"/>
-              <a:t>(</a:t>
-            </a:r>
-            <a:r>
-              <a:rPr lang="ko-KR" altLang="en-US" dirty="0" err="1"/>
-              <a:t>노션참고</a:t>
-            </a:r>
-            <a:r>
-              <a:rPr lang="en-US" altLang="ko-KR" dirty="0"/>
-              <a:t>) https://www.notion.so/C-NET-Framework-1dfd6fe891f280b4a605da18d7c51f6a</a:t>
-            </a:r>
           </a:p>
         </p:txBody>
       </p:sp>
@@ -2134,40 +1688,6 @@
           <a:bodyPr/>
           <a:lstStyle/>
           <a:p>
-            <a:r>
-              <a:rPr lang="ko-KR" altLang="en-US" dirty="0"/>
-              <a:t>사람은 </a:t>
-            </a:r>
-            <a:r>
-              <a:rPr lang="en-US" altLang="ko-KR" dirty="0"/>
-              <a:t>1</a:t>
-            </a:r>
-            <a:r>
-              <a:rPr lang="ko-KR" altLang="en-US" dirty="0"/>
-              <a:t>부터</a:t>
-            </a:r>
-            <a:r>
-              <a:rPr lang="en-US" altLang="ko-KR" dirty="0"/>
-              <a:t>~</a:t>
-            </a:r>
-          </a:p>
-          <a:p>
-            <a:r>
-              <a:rPr lang="ko-KR" altLang="en-US" dirty="0"/>
-              <a:t>컴퓨터는 </a:t>
-            </a:r>
-            <a:r>
-              <a:rPr lang="en-US" altLang="ko-KR" dirty="0"/>
-              <a:t>0</a:t>
-            </a:r>
-            <a:r>
-              <a:rPr lang="ko-KR" altLang="en-US" dirty="0"/>
-              <a:t>부터</a:t>
-            </a:r>
-            <a:r>
-              <a:rPr lang="en-US" altLang="ko-KR" dirty="0"/>
-              <a:t>~</a:t>
-            </a:r>
             <a:endParaRPr lang="ko-KR" altLang="en-US" dirty="0"/>
           </a:p>
         </p:txBody>
@@ -2179,27 +1699,26 @@
             <a:spLocks noGrp="1"/>
           </p:cNvSpPr>
           <p:nvPr>
-            <p:ph type="sldNum" sz="quarter" idx="10"/>
-          </p:nvPr>
-        </p:nvSpPr>
-        <p:spPr/>
-        <p:txBody>
-          <a:bodyPr/>
-          <a:lstStyle/>
-          <a:p>
-            <a:fld id="{1AE14B90-41C0-444C-B2BC-50B3345F5FF4}" type="slidenum">
+            <p:ph type="sldNum" sz="quarter" idx="5"/>
+          </p:nvPr>
+        </p:nvSpPr>
+        <p:spPr/>
+        <p:txBody>
+          <a:bodyPr/>
+          <a:lstStyle/>
+          <a:p>
+            <a:fld id="{C09E5BFC-1559-42F1-8940-AB342D56BF02}" type="slidenum">
               <a:rPr lang="ko-KR" altLang="en-US" smtClean="0"/>
-              <a:pPr/>
-              <a:t>21</a:t>
+              <a:t>20</a:t>
             </a:fld>
-            <a:endParaRPr lang="ko-KR" altLang="en-US" dirty="0"/>
+            <a:endParaRPr lang="ko-KR" altLang="en-US"/>
           </a:p>
         </p:txBody>
       </p:sp>
     </p:spTree>
     <p:extLst>
       <p:ext uri="{BB962C8B-B14F-4D97-AF65-F5344CB8AC3E}">
-        <p14:creationId xmlns:p14="http://schemas.microsoft.com/office/powerpoint/2010/main" val="3134272755"/>
+        <p14:creationId xmlns:p14="http://schemas.microsoft.com/office/powerpoint/2010/main" val="2445345089"/>
       </p:ext>
     </p:extLst>
   </p:cSld>
@@ -2214,13 +1733,7 @@
   <p:cSld>
     <p:spTree>
       <p:nvGrpSpPr>
-        <p:cNvPr id="1" name="">
-          <a:extLst>
-            <a:ext uri="{FF2B5EF4-FFF2-40B4-BE49-F238E27FC236}">
-              <a16:creationId xmlns:a16="http://schemas.microsoft.com/office/drawing/2014/main" id="{324CA3F7-4DFB-7E73-5D91-4A363C96E19C}"/>
-            </a:ext>
-          </a:extLst>
-        </p:cNvPr>
+        <p:cNvPr id="1" name=""/>
         <p:cNvGrpSpPr/>
         <p:nvPr/>
       </p:nvGrpSpPr>
@@ -2234,13 +1747,7 @@
       </p:grpSpPr>
       <p:sp>
         <p:nvSpPr>
-          <p:cNvPr id="2" name="슬라이드 이미지 개체 틀 1">
-            <a:extLst>
-              <a:ext uri="{FF2B5EF4-FFF2-40B4-BE49-F238E27FC236}">
-                <a16:creationId xmlns:a16="http://schemas.microsoft.com/office/drawing/2014/main" id="{E998C5AB-DEA9-350C-0F10-BF1564F2367E}"/>
-              </a:ext>
-            </a:extLst>
-          </p:cNvPr>
+          <p:cNvPr id="2" name="슬라이드 이미지 개체 틀 1"/>
           <p:cNvSpPr>
             <a:spLocks noGrp="1" noRot="1" noChangeAspect="1"/>
           </p:cNvSpPr>
@@ -2252,13 +1759,7 @@
       </p:sp>
       <p:sp>
         <p:nvSpPr>
-          <p:cNvPr id="3" name="슬라이드 노트 개체 틀 2">
-            <a:extLst>
-              <a:ext uri="{FF2B5EF4-FFF2-40B4-BE49-F238E27FC236}">
-                <a16:creationId xmlns:a16="http://schemas.microsoft.com/office/drawing/2014/main" id="{C6F59BB9-DC2E-32C4-B1B8-B8A527F60F93}"/>
-              </a:ext>
-            </a:extLst>
-          </p:cNvPr>
+          <p:cNvPr id="3" name="슬라이드 노트 개체 틀 2"/>
           <p:cNvSpPr>
             <a:spLocks noGrp="1"/>
           </p:cNvSpPr>
@@ -2271,43 +1772,72 @@
           <a:bodyPr/>
           <a:lstStyle/>
           <a:p>
+            <a:r>
+              <a:rPr lang="ko-KR" altLang="en-US" dirty="0"/>
+              <a:t>사람은 </a:t>
+            </a:r>
+            <a:r>
+              <a:rPr lang="en-US" altLang="ko-KR" dirty="0"/>
+              <a:t>1</a:t>
+            </a:r>
+            <a:r>
+              <a:rPr lang="ko-KR" altLang="en-US" dirty="0"/>
+              <a:t>부터</a:t>
+            </a:r>
+            <a:r>
+              <a:rPr lang="en-US" altLang="ko-KR" dirty="0"/>
+              <a:t>~</a:t>
+            </a:r>
+          </a:p>
+          <a:p>
+            <a:r>
+              <a:rPr lang="ko-KR" altLang="en-US" dirty="0"/>
+              <a:t>컴퓨터는 </a:t>
+            </a:r>
+            <a:r>
+              <a:rPr lang="en-US" altLang="ko-KR" dirty="0"/>
+              <a:t>0</a:t>
+            </a:r>
+            <a:r>
+              <a:rPr lang="ko-KR" altLang="en-US" dirty="0"/>
+              <a:t>부터</a:t>
+            </a:r>
+            <a:r>
+              <a:rPr lang="en-US" altLang="ko-KR" dirty="0"/>
+              <a:t>~</a:t>
+            </a:r>
             <a:endParaRPr lang="ko-KR" altLang="en-US" dirty="0"/>
           </a:p>
         </p:txBody>
       </p:sp>
       <p:sp>
         <p:nvSpPr>
-          <p:cNvPr id="4" name="슬라이드 번호 개체 틀 3">
-            <a:extLst>
-              <a:ext uri="{FF2B5EF4-FFF2-40B4-BE49-F238E27FC236}">
-                <a16:creationId xmlns:a16="http://schemas.microsoft.com/office/drawing/2014/main" id="{4FAFB027-9294-7BAD-6FE1-E6DBBA47BFA2}"/>
-              </a:ext>
-            </a:extLst>
-          </p:cNvPr>
-          <p:cNvSpPr>
-            <a:spLocks noGrp="1"/>
-          </p:cNvSpPr>
-          <p:nvPr>
-            <p:ph type="sldNum" sz="quarter" idx="5"/>
-          </p:nvPr>
-        </p:nvSpPr>
-        <p:spPr/>
-        <p:txBody>
-          <a:bodyPr/>
-          <a:lstStyle/>
-          <a:p>
-            <a:fld id="{C09E5BFC-1559-42F1-8940-AB342D56BF02}" type="slidenum">
+          <p:cNvPr id="4" name="슬라이드 번호 개체 틀 3"/>
+          <p:cNvSpPr>
+            <a:spLocks noGrp="1"/>
+          </p:cNvSpPr>
+          <p:nvPr>
+            <p:ph type="sldNum" sz="quarter" idx="10"/>
+          </p:nvPr>
+        </p:nvSpPr>
+        <p:spPr/>
+        <p:txBody>
+          <a:bodyPr/>
+          <a:lstStyle/>
+          <a:p>
+            <a:fld id="{1AE14B90-41C0-444C-B2BC-50B3345F5FF4}" type="slidenum">
               <a:rPr lang="ko-KR" altLang="en-US" smtClean="0"/>
-              <a:t>23</a:t>
+              <a:pPr/>
+              <a:t>21</a:t>
             </a:fld>
-            <a:endParaRPr lang="ko-KR" altLang="en-US"/>
+            <a:endParaRPr lang="ko-KR" altLang="en-US" dirty="0"/>
           </a:p>
         </p:txBody>
       </p:sp>
     </p:spTree>
     <p:extLst>
       <p:ext uri="{BB962C8B-B14F-4D97-AF65-F5344CB8AC3E}">
-        <p14:creationId xmlns:p14="http://schemas.microsoft.com/office/powerpoint/2010/main" val="2206271275"/>
+        <p14:creationId xmlns:p14="http://schemas.microsoft.com/office/powerpoint/2010/main" val="3134272755"/>
       </p:ext>
     </p:extLst>
   </p:cSld>
@@ -2406,7 +1936,7 @@
           <a:p>
             <a:fld id="{C09E5BFC-1559-42F1-8940-AB342D56BF02}" type="slidenum">
               <a:rPr lang="ko-KR" altLang="en-US" smtClean="0"/>
-              <a:t>25</a:t>
+              <a:t>23</a:t>
             </a:fld>
             <a:endParaRPr lang="ko-KR" altLang="en-US"/>
           </a:p>
@@ -2415,7 +1945,7 @@
     </p:spTree>
     <p:extLst>
       <p:ext uri="{BB962C8B-B14F-4D97-AF65-F5344CB8AC3E}">
-        <p14:creationId xmlns:p14="http://schemas.microsoft.com/office/powerpoint/2010/main" val="1035772466"/>
+        <p14:creationId xmlns:p14="http://schemas.microsoft.com/office/powerpoint/2010/main" val="2206271275"/>
       </p:ext>
     </p:extLst>
   </p:cSld>
@@ -2430,7 +1960,13 @@
   <p:cSld>
     <p:spTree>
       <p:nvGrpSpPr>
-        <p:cNvPr id="1" name=""/>
+        <p:cNvPr id="1" name="">
+          <a:extLst>
+            <a:ext uri="{FF2B5EF4-FFF2-40B4-BE49-F238E27FC236}">
+              <a16:creationId xmlns:a16="http://schemas.microsoft.com/office/drawing/2014/main" id="{324CA3F7-4DFB-7E73-5D91-4A363C96E19C}"/>
+            </a:ext>
+          </a:extLst>
+        </p:cNvPr>
         <p:cNvGrpSpPr/>
         <p:nvPr/>
       </p:nvGrpSpPr>
@@ -2444,7 +1980,13 @@
       </p:grpSpPr>
       <p:sp>
         <p:nvSpPr>
-          <p:cNvPr id="2" name="슬라이드 이미지 개체 틀 1"/>
+          <p:cNvPr id="2" name="슬라이드 이미지 개체 틀 1">
+            <a:extLst>
+              <a:ext uri="{FF2B5EF4-FFF2-40B4-BE49-F238E27FC236}">
+                <a16:creationId xmlns:a16="http://schemas.microsoft.com/office/drawing/2014/main" id="{E998C5AB-DEA9-350C-0F10-BF1564F2367E}"/>
+              </a:ext>
+            </a:extLst>
+          </p:cNvPr>
           <p:cNvSpPr>
             <a:spLocks noGrp="1" noRot="1" noChangeAspect="1"/>
           </p:cNvSpPr>
@@ -2456,7 +1998,13 @@
       </p:sp>
       <p:sp>
         <p:nvSpPr>
-          <p:cNvPr id="3" name="슬라이드 노트 개체 틀 2"/>
+          <p:cNvPr id="3" name="슬라이드 노트 개체 틀 2">
+            <a:extLst>
+              <a:ext uri="{FF2B5EF4-FFF2-40B4-BE49-F238E27FC236}">
+                <a16:creationId xmlns:a16="http://schemas.microsoft.com/office/drawing/2014/main" id="{C6F59BB9-DC2E-32C4-B1B8-B8A527F60F93}"/>
+              </a:ext>
+            </a:extLst>
+          </p:cNvPr>
           <p:cNvSpPr>
             <a:spLocks noGrp="1"/>
           </p:cNvSpPr>
@@ -2469,327 +2017,19 @@
           <a:bodyPr/>
           <a:lstStyle/>
           <a:p>
-            <a:r>
-              <a:rPr lang="ko-KR" altLang="en-US" dirty="0"/>
-              <a:t>변수에는 자료형과 일치하는 형태의 데이터만 복사가 가능합니다</a:t>
-            </a:r>
-            <a:r>
-              <a:rPr lang="en-US" altLang="ko-KR" dirty="0"/>
-              <a:t>.</a:t>
-            </a:r>
-          </a:p>
-          <a:p>
-            <a:r>
-              <a:rPr lang="ko-KR" altLang="en-US" dirty="0"/>
-              <a:t>중요한 점은 </a:t>
-            </a:r>
-            <a:r>
-              <a:rPr lang="en-US" altLang="ko-KR" dirty="0"/>
-              <a:t>=</a:t>
-            </a:r>
-            <a:r>
-              <a:rPr lang="ko-KR" altLang="en-US" dirty="0"/>
-              <a:t>을 기준으로 우 항에 있는 값을 복사하여 좌 항에 붙여넣기를 한다는 것입니다</a:t>
-            </a:r>
-            <a:r>
-              <a:rPr lang="en-US" altLang="ko-KR" dirty="0"/>
-              <a:t>.</a:t>
-            </a:r>
-          </a:p>
-          <a:p>
-            <a:r>
-              <a:rPr lang="ko-KR" altLang="en-US" dirty="0"/>
-              <a:t>수학과 같아 좌 항</a:t>
-            </a:r>
-            <a:r>
-              <a:rPr lang="en-US" altLang="ko-KR" dirty="0"/>
-              <a:t>,</a:t>
-            </a:r>
-            <a:r>
-              <a:rPr lang="ko-KR" altLang="en-US" dirty="0"/>
-              <a:t> 우 항이 같다는 의미가 아니어서 변수는 꼭 좌 항에 위치해야 합니다</a:t>
-            </a:r>
-            <a:r>
-              <a:rPr lang="en-US" altLang="ko-KR" dirty="0"/>
-              <a:t>.</a:t>
-            </a:r>
-          </a:p>
-          <a:p>
-            <a:r>
-              <a:rPr lang="en-US" altLang="ko-KR" dirty="0"/>
-              <a:t> </a:t>
-            </a:r>
-          </a:p>
-          <a:p>
-            <a:r>
-              <a:rPr lang="ko-KR" altLang="en-US" dirty="0"/>
-              <a:t>자료형 앞에 </a:t>
-            </a:r>
-            <a:r>
-              <a:rPr lang="en-US" altLang="ko-KR" dirty="0"/>
-              <a:t>u </a:t>
-            </a:r>
-            <a:r>
-              <a:rPr lang="ko-KR" altLang="en-US" dirty="0"/>
-              <a:t>가 붙어있는 경우 </a:t>
-            </a:r>
-            <a:r>
-              <a:rPr lang="en-US" altLang="ko-KR" dirty="0"/>
-              <a:t>unsigned</a:t>
-            </a:r>
-            <a:r>
-              <a:rPr lang="ko-KR" altLang="en-US" dirty="0"/>
-              <a:t>를 의미하는데</a:t>
-            </a:r>
-            <a:r>
-              <a:rPr lang="en-US" altLang="ko-KR" dirty="0"/>
-              <a:t>,</a:t>
-            </a:r>
-            <a:r>
-              <a:rPr lang="ko-KR" altLang="en-US" dirty="0"/>
-              <a:t> 이는 마이너스 기호를 사용하지 못하는 대신</a:t>
-            </a:r>
-            <a:r>
-              <a:rPr lang="en-US" altLang="ko-KR" dirty="0"/>
-              <a:t> </a:t>
-            </a:r>
-            <a:r>
-              <a:rPr lang="ko-KR" altLang="en-US" dirty="0"/>
-              <a:t>양수 값을 두 배 더 표현할 수 있습니다</a:t>
-            </a:r>
-            <a:r>
-              <a:rPr lang="en-US" altLang="ko-KR" dirty="0"/>
-              <a:t>. </a:t>
-            </a:r>
-          </a:p>
-          <a:p>
-            <a:r>
-              <a:rPr lang="ko-KR" altLang="en-US" dirty="0"/>
-              <a:t>이는 </a:t>
-            </a:r>
-            <a:r>
-              <a:rPr lang="en-US" altLang="ko-KR" dirty="0"/>
-              <a:t>8bit </a:t>
-            </a:r>
-            <a:r>
-              <a:rPr lang="ko-KR" altLang="en-US" dirty="0"/>
-              <a:t>데이터를 기준으로 했을 때 </a:t>
-            </a:r>
-            <a:r>
-              <a:rPr lang="en-US" altLang="ko-KR" dirty="0"/>
-              <a:t>2^8</a:t>
-            </a:r>
-            <a:r>
-              <a:rPr lang="ko-KR" altLang="en-US" dirty="0"/>
-              <a:t>로 총 </a:t>
-            </a:r>
-            <a:r>
-              <a:rPr lang="en-US" altLang="ko-KR" dirty="0"/>
-              <a:t>256</a:t>
-            </a:r>
-            <a:r>
-              <a:rPr lang="ko-KR" altLang="en-US" dirty="0"/>
-              <a:t>가지의 데이터를 표현할 수 있는데</a:t>
-            </a:r>
-            <a:r>
-              <a:rPr lang="en-US" altLang="ko-KR" dirty="0"/>
-              <a:t>, 0</a:t>
-            </a:r>
-            <a:r>
-              <a:rPr lang="ko-KR" altLang="en-US" dirty="0"/>
-              <a:t>을 기준으로 음수 </a:t>
-            </a:r>
-            <a:r>
-              <a:rPr lang="en-US" altLang="ko-KR" dirty="0"/>
-              <a:t>127</a:t>
-            </a:r>
-            <a:r>
-              <a:rPr lang="ko-KR" altLang="en-US" dirty="0"/>
-              <a:t>개</a:t>
-            </a:r>
-            <a:r>
-              <a:rPr lang="en-US" altLang="ko-KR" dirty="0"/>
-              <a:t>, </a:t>
-            </a:r>
-            <a:r>
-              <a:rPr lang="ko-KR" altLang="en-US" dirty="0"/>
-              <a:t>양수 </a:t>
-            </a:r>
-            <a:r>
-              <a:rPr lang="en-US" altLang="ko-KR" dirty="0"/>
-              <a:t>127</a:t>
-            </a:r>
-            <a:r>
-              <a:rPr lang="ko-KR" altLang="en-US" dirty="0"/>
-              <a:t>개를 표현하거나</a:t>
-            </a:r>
-            <a:r>
-              <a:rPr lang="en-US" altLang="ko-KR" dirty="0"/>
-              <a:t>, </a:t>
-            </a:r>
-            <a:r>
-              <a:rPr lang="ko-KR" altLang="en-US" dirty="0"/>
-              <a:t>양수만 </a:t>
-            </a:r>
-            <a:r>
-              <a:rPr lang="en-US" altLang="ko-KR" dirty="0"/>
-              <a:t>255</a:t>
-            </a:r>
-            <a:r>
-              <a:rPr lang="ko-KR" altLang="en-US" dirty="0"/>
-              <a:t>개를 표현하거나 할 수 있습니다</a:t>
-            </a:r>
-            <a:r>
-              <a:rPr lang="en-US" altLang="ko-KR" dirty="0"/>
-              <a:t>. </a:t>
-            </a:r>
-          </a:p>
-          <a:p>
-            <a:r>
-              <a:rPr lang="en-US" altLang="ko-KR" dirty="0"/>
-              <a:t>	</a:t>
-            </a:r>
-          </a:p>
-          <a:p>
-            <a:r>
-              <a:rPr lang="ko-KR" altLang="en-US" dirty="0"/>
-              <a:t>소수 같은 경우 </a:t>
-            </a:r>
-            <a:r>
-              <a:rPr lang="en-US" altLang="ko-KR" dirty="0"/>
-              <a:t>float, double, decimal </a:t>
-            </a:r>
-            <a:r>
-              <a:rPr lang="ko-KR" altLang="en-US" dirty="0"/>
-              <a:t>세 가지 타입이 있는데</a:t>
-            </a:r>
-            <a:r>
-              <a:rPr lang="en-US" altLang="ko-KR" dirty="0"/>
-              <a:t>, </a:t>
-            </a:r>
-            <a:r>
-              <a:rPr lang="ko-KR" altLang="en-US" dirty="0"/>
-              <a:t>숫자로 된 데이터만 놓고 봤을 때</a:t>
-            </a:r>
-            <a:r>
-              <a:rPr lang="en-US" altLang="ko-KR" dirty="0"/>
-              <a:t>, </a:t>
-            </a:r>
-            <a:r>
-              <a:rPr lang="ko-KR" altLang="en-US" dirty="0"/>
-              <a:t>본 숫자가 어떤 데이터를 의미하는지 확실하게 표현하기 위해 </a:t>
-            </a:r>
-            <a:endParaRPr lang="en-US" altLang="ko-KR" dirty="0"/>
-          </a:p>
-          <a:p>
-            <a:r>
-              <a:rPr lang="ko-KR" altLang="en-US" dirty="0"/>
-              <a:t>숫자 뒤에 </a:t>
-            </a:r>
-            <a:r>
-              <a:rPr lang="en-US" altLang="ko-KR" dirty="0"/>
-              <a:t>f </a:t>
-            </a:r>
-            <a:r>
-              <a:rPr lang="ko-KR" altLang="en-US" dirty="0"/>
-              <a:t>또는</a:t>
-            </a:r>
-            <a:r>
-              <a:rPr lang="en-US" altLang="ko-KR" dirty="0"/>
-              <a:t> m</a:t>
-            </a:r>
-            <a:r>
-              <a:rPr lang="ko-KR" altLang="en-US" dirty="0"/>
-              <a:t>을 붙여서 이 소수가 </a:t>
-            </a:r>
-            <a:r>
-              <a:rPr lang="en-US" altLang="ko-KR" dirty="0"/>
-              <a:t>float </a:t>
-            </a:r>
-            <a:r>
-              <a:rPr lang="ko-KR" altLang="en-US" dirty="0"/>
-              <a:t>인지</a:t>
-            </a:r>
-            <a:r>
-              <a:rPr lang="en-US" altLang="ko-KR" dirty="0"/>
-              <a:t>, decimal </a:t>
-            </a:r>
-            <a:r>
-              <a:rPr lang="ko-KR" altLang="en-US" dirty="0"/>
-              <a:t>인지 아니면 </a:t>
-            </a:r>
-            <a:r>
-              <a:rPr lang="en-US" altLang="ko-KR" dirty="0"/>
-              <a:t>double</a:t>
-            </a:r>
-            <a:r>
-              <a:rPr lang="ko-KR" altLang="en-US" dirty="0"/>
-              <a:t>인지 식별할 수 있도록 합니다</a:t>
-            </a:r>
-            <a:r>
-              <a:rPr lang="en-US" altLang="ko-KR" dirty="0"/>
-              <a:t>. </a:t>
-            </a:r>
-          </a:p>
-          <a:p>
-            <a:endParaRPr lang="en-US" altLang="ko-KR" dirty="0"/>
-          </a:p>
-          <a:p>
-            <a:r>
-              <a:rPr lang="ko-KR" altLang="en-US" dirty="0"/>
-              <a:t>문자 같은 경우 단일 문자</a:t>
-            </a:r>
-            <a:r>
-              <a:rPr lang="en-US" altLang="ko-KR" dirty="0"/>
-              <a:t>(</a:t>
-            </a:r>
-            <a:r>
-              <a:rPr lang="ko-KR" altLang="en-US" dirty="0"/>
-              <a:t>한 글자</a:t>
-            </a:r>
-            <a:r>
-              <a:rPr lang="en-US" altLang="ko-KR" dirty="0"/>
-              <a:t>)</a:t>
-            </a:r>
-            <a:r>
-              <a:rPr lang="ko-KR" altLang="en-US" dirty="0"/>
-              <a:t>는 작은 따옴표</a:t>
-            </a:r>
-            <a:r>
-              <a:rPr lang="en-US" altLang="ko-KR" dirty="0"/>
-              <a:t>, </a:t>
-            </a:r>
-            <a:r>
-              <a:rPr lang="ko-KR" altLang="en-US" dirty="0"/>
-              <a:t>문자열</a:t>
-            </a:r>
-            <a:r>
-              <a:rPr lang="en-US" altLang="ko-KR" dirty="0"/>
-              <a:t>(</a:t>
-            </a:r>
-            <a:r>
-              <a:rPr lang="ko-KR" altLang="en-US" dirty="0"/>
-              <a:t>여러 글자</a:t>
-            </a:r>
-            <a:r>
-              <a:rPr lang="en-US" altLang="ko-KR" dirty="0"/>
-              <a:t>) </a:t>
-            </a:r>
-            <a:r>
-              <a:rPr lang="ko-KR" altLang="en-US" dirty="0"/>
-              <a:t>같은 경우는 큰 따옴표를 사용하여 데이터를 표현합니다</a:t>
-            </a:r>
-            <a:r>
-              <a:rPr lang="en-US" altLang="ko-KR" dirty="0"/>
-              <a:t>.</a:t>
-            </a:r>
             <a:endParaRPr lang="ko-KR" altLang="en-US" dirty="0"/>
           </a:p>
         </p:txBody>
       </p:sp>
       <p:sp>
         <p:nvSpPr>
-          <p:cNvPr id="4" name="슬라이드 번호 개체 틀 3"/>
+          <p:cNvPr id="4" name="슬라이드 번호 개체 틀 3">
+            <a:extLst>
+              <a:ext uri="{FF2B5EF4-FFF2-40B4-BE49-F238E27FC236}">
+                <a16:creationId xmlns:a16="http://schemas.microsoft.com/office/drawing/2014/main" id="{4FAFB027-9294-7BAD-6FE1-E6DBBA47BFA2}"/>
+              </a:ext>
+            </a:extLst>
+          </p:cNvPr>
           <p:cNvSpPr>
             <a:spLocks noGrp="1"/>
           </p:cNvSpPr>
@@ -2804,7 +2044,7 @@
           <a:p>
             <a:fld id="{C09E5BFC-1559-42F1-8940-AB342D56BF02}" type="slidenum">
               <a:rPr lang="ko-KR" altLang="en-US" smtClean="0"/>
-              <a:t>26</a:t>
+              <a:t>25</a:t>
             </a:fld>
             <a:endParaRPr lang="ko-KR" altLang="en-US"/>
           </a:p>
@@ -2813,7 +2053,7 @@
     </p:spTree>
     <p:extLst>
       <p:ext uri="{BB962C8B-B14F-4D97-AF65-F5344CB8AC3E}">
-        <p14:creationId xmlns:p14="http://schemas.microsoft.com/office/powerpoint/2010/main" val="2579086505"/>
+        <p14:creationId xmlns:p14="http://schemas.microsoft.com/office/powerpoint/2010/main" val="1035772466"/>
       </p:ext>
     </p:extLst>
   </p:cSld>
@@ -2867,135 +2107,7 @@
           <a:bodyPr/>
           <a:lstStyle/>
           <a:p>
-            <a:r>
-              <a:rPr lang="ko-KR" altLang="en-US" dirty="0"/>
-              <a:t>비트</a:t>
-            </a:r>
-            <a:r>
-              <a:rPr lang="en-US" altLang="ko-KR" dirty="0"/>
-              <a:t>(bit)</a:t>
-            </a:r>
-            <a:r>
-              <a:rPr lang="ko-KR" altLang="en-US" dirty="0"/>
-              <a:t>란</a:t>
-            </a:r>
-            <a:r>
-              <a:rPr lang="en-US" altLang="ko-KR" dirty="0"/>
-              <a:t>?</a:t>
-            </a:r>
-          </a:p>
-          <a:p>
-            <a:pPr marL="171450" indent="-171450">
-              <a:buFontTx/>
-              <a:buChar char="-"/>
-            </a:pPr>
-            <a:r>
-              <a:rPr lang="ko-KR" altLang="en-US" dirty="0"/>
-              <a:t>컴퓨터가 </a:t>
-            </a:r>
-            <a:r>
-              <a:rPr lang="ko-KR" altLang="en-US" b="1" dirty="0"/>
-              <a:t>정보를 표현하는 가장 작은 단위</a:t>
-            </a:r>
-            <a:endParaRPr lang="en-US" altLang="ko-KR" b="1" dirty="0"/>
-          </a:p>
-          <a:p>
-            <a:pPr marL="171450" indent="-171450">
-              <a:buFontTx/>
-              <a:buChar char="-"/>
-            </a:pPr>
-            <a:r>
-              <a:rPr lang="en-US" altLang="ko-KR" b="1" dirty="0"/>
-              <a:t>0 </a:t>
-            </a:r>
-            <a:r>
-              <a:rPr lang="ko-KR" altLang="en-US" b="1" dirty="0"/>
-              <a:t>또는 </a:t>
-            </a:r>
-            <a:r>
-              <a:rPr lang="en-US" altLang="ko-KR" b="1" dirty="0"/>
-              <a:t>1</a:t>
-            </a:r>
-            <a:r>
-              <a:rPr lang="en-US" altLang="ko-KR" dirty="0"/>
-              <a:t>, </a:t>
-            </a:r>
-            <a:r>
-              <a:rPr lang="ko-KR" altLang="en-US" dirty="0"/>
-              <a:t>단 두 가지 값만 가질 수 있다</a:t>
-            </a:r>
-            <a:r>
-              <a:rPr lang="en-US" altLang="ko-KR" dirty="0"/>
-              <a:t>.</a:t>
-            </a:r>
-          </a:p>
-          <a:p>
-            <a:pPr marL="171450" indent="-171450">
-              <a:buFontTx/>
-              <a:buChar char="-"/>
-            </a:pPr>
-            <a:endParaRPr lang="en-US" altLang="ko-KR" dirty="0"/>
-          </a:p>
-          <a:p>
-            <a:pPr marL="0" indent="0">
-              <a:buFontTx/>
-              <a:buNone/>
-            </a:pPr>
-            <a:r>
-              <a:rPr lang="ko-KR" altLang="en-US" dirty="0"/>
-              <a:t>바이트</a:t>
-            </a:r>
-            <a:r>
-              <a:rPr lang="en-US" altLang="ko-KR" dirty="0"/>
-              <a:t>(byte)</a:t>
-            </a:r>
-            <a:r>
-              <a:rPr lang="ko-KR" altLang="en-US" dirty="0"/>
-              <a:t>란</a:t>
-            </a:r>
-            <a:r>
-              <a:rPr lang="en-US" altLang="ko-KR" dirty="0"/>
-              <a:t>?</a:t>
-            </a:r>
-          </a:p>
-          <a:p>
-            <a:pPr marL="0" indent="0">
-              <a:buFontTx/>
-              <a:buNone/>
-            </a:pPr>
-            <a:r>
-              <a:rPr lang="en-US" altLang="ko-KR" dirty="0"/>
-              <a:t>1 byte = 8 bit</a:t>
-            </a:r>
-          </a:p>
-          <a:p>
-            <a:pPr marL="0" indent="0">
-              <a:buFontTx/>
-              <a:buNone/>
-            </a:pPr>
-            <a:endParaRPr lang="en-US" altLang="ko-KR" dirty="0"/>
-          </a:p>
-          <a:p>
-            <a:pPr marL="0" indent="0">
-              <a:buFontTx/>
-              <a:buNone/>
-            </a:pPr>
-            <a:r>
-              <a:rPr lang="en-US" altLang="ko-KR" dirty="0"/>
-              <a:t>n</a:t>
-            </a:r>
-            <a:r>
-              <a:rPr lang="ko-KR" altLang="en-US" dirty="0"/>
-              <a:t>비트로는 </a:t>
-            </a:r>
-            <a:r>
-              <a:rPr lang="en-US" altLang="ko-KR" dirty="0"/>
-              <a:t>2ⁿ</a:t>
-            </a:r>
-            <a:r>
-              <a:rPr lang="ko-KR" altLang="en-US" dirty="0"/>
-              <a:t>개의 값을 표현</a:t>
-            </a:r>
+            <a:endParaRPr lang="ko-KR" altLang="en-US" dirty="0"/>
           </a:p>
         </p:txBody>
       </p:sp>
@@ -3016,7 +2128,7 @@
           <a:p>
             <a:fld id="{C09E5BFC-1559-42F1-8940-AB342D56BF02}" type="slidenum">
               <a:rPr lang="ko-KR" altLang="en-US" smtClean="0"/>
-              <a:t>27</a:t>
+              <a:t>26</a:t>
             </a:fld>
             <a:endParaRPr lang="ko-KR" altLang="en-US"/>
           </a:p>
@@ -3025,7 +2137,7 @@
     </p:spTree>
     <p:extLst>
       <p:ext uri="{BB962C8B-B14F-4D97-AF65-F5344CB8AC3E}">
-        <p14:creationId xmlns:p14="http://schemas.microsoft.com/office/powerpoint/2010/main" val="4116624178"/>
+        <p14:creationId xmlns:p14="http://schemas.microsoft.com/office/powerpoint/2010/main" val="2579086505"/>
       </p:ext>
     </p:extLst>
   </p:cSld>
@@ -3079,18 +2191,7 @@
           <a:bodyPr/>
           <a:lstStyle/>
           <a:p>
-            <a:r>
-              <a:rPr lang="ko-KR" altLang="en-US" dirty="0"/>
-              <a:t>수학에서 말하는 변수 </a:t>
-            </a:r>
-            <a:r>
-              <a:rPr lang="en-US" altLang="ko-KR" dirty="0"/>
-              <a:t>x</a:t>
-            </a:r>
-            <a:r>
-              <a:rPr lang="ko-KR" altLang="en-US" dirty="0"/>
-              <a:t>와 같은 개념</a:t>
-            </a:r>
+            <a:endParaRPr lang="ko-KR" altLang="en-US" dirty="0"/>
           </a:p>
         </p:txBody>
       </p:sp>
@@ -3111,7 +2212,7 @@
           <a:p>
             <a:fld id="{C09E5BFC-1559-42F1-8940-AB342D56BF02}" type="slidenum">
               <a:rPr lang="ko-KR" altLang="en-US" smtClean="0"/>
-              <a:t>29</a:t>
+              <a:t>27</a:t>
             </a:fld>
             <a:endParaRPr lang="ko-KR" altLang="en-US"/>
           </a:p>
@@ -3120,7 +2221,7 @@
     </p:spTree>
     <p:extLst>
       <p:ext uri="{BB962C8B-B14F-4D97-AF65-F5344CB8AC3E}">
-        <p14:creationId xmlns:p14="http://schemas.microsoft.com/office/powerpoint/2010/main" val="2183796453"/>
+        <p14:creationId xmlns:p14="http://schemas.microsoft.com/office/powerpoint/2010/main" val="4116624178"/>
       </p:ext>
     </p:extLst>
   </p:cSld>
@@ -3175,189 +2276,17 @@
           <a:lstStyle/>
           <a:p>
             <a:r>
-              <a:rPr lang="en-US" altLang="ko-KR" dirty="0" err="1"/>
-              <a:t>myNumber</a:t>
-            </a:r>
-            <a:r>
-              <a:rPr lang="en-US" altLang="ko-KR" baseline="0" dirty="0"/>
-              <a:t> : </a:t>
-            </a:r>
-            <a:r>
-              <a:rPr lang="ko-KR" altLang="en-US" baseline="0" dirty="0"/>
-              <a:t>변수 이름</a:t>
-            </a:r>
-            <a:endParaRPr lang="en-US" altLang="ko-KR" baseline="0" dirty="0"/>
-          </a:p>
-          <a:p>
-            <a:r>
-              <a:rPr lang="en-US" altLang="ko-KR" baseline="0" dirty="0"/>
-              <a:t>Memory </a:t>
-            </a:r>
-            <a:r>
-              <a:rPr lang="ko-KR" altLang="en-US" baseline="0" dirty="0"/>
-              <a:t>테이블 </a:t>
-            </a:r>
-            <a:r>
-              <a:rPr lang="en-US" altLang="ko-KR" baseline="0" dirty="0"/>
-              <a:t>: </a:t>
-            </a:r>
-            <a:r>
-              <a:rPr lang="ko-KR" altLang="en-US" baseline="0" dirty="0"/>
-              <a:t>컴퓨터의 메모리 공간 </a:t>
-            </a:r>
-            <a:r>
-              <a:rPr lang="en-US" altLang="ko-KR" baseline="0" dirty="0"/>
-              <a:t>(RAM)</a:t>
-            </a:r>
-            <a:r>
-              <a:rPr lang="ko-KR" altLang="en-US" baseline="0" dirty="0"/>
-              <a:t>을 추상적 표현</a:t>
-            </a:r>
-            <a:endParaRPr lang="en-US" altLang="ko-KR" baseline="0" dirty="0"/>
-          </a:p>
-          <a:p>
-            <a:r>
-              <a:rPr lang="en-US" altLang="ko-KR" baseline="0" dirty="0"/>
-              <a:t>Address: </a:t>
-            </a:r>
-            <a:r>
-              <a:rPr lang="ko-KR" altLang="en-US" baseline="0" dirty="0"/>
-              <a:t>메모리의 주소</a:t>
-            </a:r>
-            <a:r>
-              <a:rPr lang="en-US" altLang="ko-KR" baseline="0" dirty="0"/>
-              <a:t>, </a:t>
-            </a:r>
-            <a:r>
-              <a:rPr lang="ko-KR" altLang="en-US" baseline="0" dirty="0"/>
-              <a:t>즉 데이터가 저장된 위치</a:t>
-            </a:r>
-            <a:endParaRPr lang="en-US" altLang="ko-KR" baseline="0" dirty="0"/>
-          </a:p>
-          <a:p>
-            <a:r>
-              <a:rPr lang="en-US" altLang="ko-KR" baseline="0" dirty="0"/>
-              <a:t>Value : </a:t>
-            </a:r>
-            <a:r>
-              <a:rPr lang="ko-KR" altLang="en-US" baseline="0" dirty="0"/>
-              <a:t>실제 저장된 값</a:t>
-            </a:r>
-            <a:endParaRPr lang="en-US" altLang="ko-KR" baseline="0" dirty="0"/>
-          </a:p>
-          <a:p>
-            <a:r>
-              <a:rPr lang="ko-KR" altLang="en-US" baseline="0" dirty="0"/>
-              <a:t>화살표 </a:t>
-            </a:r>
-            <a:r>
-              <a:rPr lang="en-US" altLang="ko-KR" baseline="0" dirty="0"/>
-              <a:t>: </a:t>
-            </a:r>
-            <a:r>
-              <a:rPr lang="ko-KR" altLang="en-US" baseline="0" dirty="0" err="1"/>
-              <a:t>변수명이</a:t>
-            </a:r>
-            <a:r>
-              <a:rPr lang="ko-KR" altLang="en-US" baseline="0" dirty="0"/>
-              <a:t> 실제 메모리 주소를 가리키고 있다는 것을 의미</a:t>
-            </a:r>
-            <a:r>
-              <a:rPr lang="en-US" altLang="ko-KR" baseline="0" dirty="0"/>
-              <a:t>.</a:t>
-            </a:r>
-          </a:p>
-          <a:p>
-            <a:endParaRPr lang="en-US" altLang="ko-KR" baseline="0" dirty="0"/>
-          </a:p>
-          <a:p>
-            <a:r>
-              <a:rPr lang="en-US" altLang="ko-KR" dirty="0" err="1"/>
-              <a:t>myNumber</a:t>
-            </a:r>
-            <a:r>
               <a:rPr lang="ko-KR" altLang="en-US" dirty="0"/>
-              <a:t>는 우리가 코드를 작성할 때 쓰는 </a:t>
-            </a:r>
-            <a:r>
-              <a:rPr lang="ko-KR" altLang="en-US" b="1" dirty="0"/>
-              <a:t>변수 이름</a:t>
+              <a:t>수학에서 말하는 변수 </a:t>
+            </a:r>
+            <a:r>
+              <a:rPr lang="en-US" altLang="ko-KR" dirty="0"/>
+              <a:t>x</a:t>
             </a:r>
             <a:r>
               <a:rPr lang="ko-KR" altLang="en-US" dirty="0"/>
-              <a:t>입니다</a:t>
-            </a:r>
-            <a:r>
-              <a:rPr lang="en-US" altLang="ko-KR" dirty="0"/>
-              <a:t>.</a:t>
-            </a:r>
-          </a:p>
-          <a:p>
-            <a:r>
-              <a:rPr lang="ko-KR" altLang="en-US" dirty="0"/>
-              <a:t>이 변수는 실제로 </a:t>
-            </a:r>
-            <a:r>
-              <a:rPr lang="ko-KR" altLang="en-US" b="1" dirty="0"/>
-              <a:t>메모리 어딘가의 주소</a:t>
-            </a:r>
-            <a:r>
-              <a:rPr lang="en-US" altLang="ko-KR" b="1" dirty="0"/>
-              <a:t>(</a:t>
-            </a:r>
-            <a:r>
-              <a:rPr lang="ko-KR" altLang="en-US" b="1" dirty="0"/>
-              <a:t>예</a:t>
-            </a:r>
-            <a:r>
-              <a:rPr lang="en-US" altLang="ko-KR" b="1" dirty="0"/>
-              <a:t>: 0012CCGWH80)</a:t>
-            </a:r>
-            <a:r>
-              <a:rPr lang="ko-KR" altLang="en-US" b="1" dirty="0"/>
-              <a:t>에 있는 데이터를 참조</a:t>
-            </a:r>
-            <a:r>
-              <a:rPr lang="ko-KR" altLang="en-US" dirty="0"/>
-              <a:t>하고 있습니다</a:t>
-            </a:r>
-            <a:r>
-              <a:rPr lang="en-US" altLang="ko-KR" dirty="0"/>
-              <a:t>.</a:t>
-            </a:r>
-          </a:p>
-          <a:p>
-            <a:r>
-              <a:rPr lang="ko-KR" altLang="en-US" dirty="0"/>
-              <a:t>그 주소에는 값 </a:t>
-            </a:r>
-            <a:r>
-              <a:rPr lang="en-US" altLang="ko-KR" dirty="0"/>
-              <a:t>23</a:t>
-            </a:r>
-            <a:r>
-              <a:rPr lang="ko-KR" altLang="en-US" dirty="0"/>
-              <a:t>이 저장되어 있고</a:t>
-            </a:r>
-            <a:r>
-              <a:rPr lang="en-US" altLang="ko-KR" dirty="0"/>
-              <a:t>, </a:t>
-            </a:r>
-            <a:r>
-              <a:rPr lang="ko-KR" altLang="en-US" dirty="0"/>
-              <a:t>우리는 </a:t>
-            </a:r>
-            <a:r>
-              <a:rPr lang="en-US" altLang="ko-KR" dirty="0" err="1"/>
-              <a:t>myNumber</a:t>
-            </a:r>
-            <a:r>
-              <a:rPr lang="ko-KR" altLang="en-US" dirty="0"/>
-              <a:t>라는 이름을 통해 그 값을 사용할 수 있습니다</a:t>
-            </a:r>
-          </a:p>
-          <a:p>
-            <a:endParaRPr lang="ko-KR" altLang="en-US" dirty="0"/>
+              <a:t>와 같은 개념</a:t>
+            </a:r>
           </a:p>
         </p:txBody>
       </p:sp>
@@ -3368,7 +2297,7 @@
             <a:spLocks noGrp="1"/>
           </p:cNvSpPr>
           <p:nvPr>
-            <p:ph type="sldNum" sz="quarter" idx="10"/>
+            <p:ph type="sldNum" sz="quarter" idx="5"/>
           </p:nvPr>
         </p:nvSpPr>
         <p:spPr/>
@@ -3378,7 +2307,7 @@
           <a:p>
             <a:fld id="{C09E5BFC-1559-42F1-8940-AB342D56BF02}" type="slidenum">
               <a:rPr lang="ko-KR" altLang="en-US" smtClean="0"/>
-              <a:t>30</a:t>
+              <a:t>29</a:t>
             </a:fld>
             <a:endParaRPr lang="ko-KR" altLang="en-US"/>
           </a:p>
@@ -3387,7 +2316,7 @@
     </p:spTree>
     <p:extLst>
       <p:ext uri="{BB962C8B-B14F-4D97-AF65-F5344CB8AC3E}">
-        <p14:creationId xmlns:p14="http://schemas.microsoft.com/office/powerpoint/2010/main" val="3717590151"/>
+        <p14:creationId xmlns:p14="http://schemas.microsoft.com/office/powerpoint/2010/main" val="2183796453"/>
       </p:ext>
     </p:extLst>
   </p:cSld>
@@ -3441,33 +2370,7 @@
           <a:bodyPr/>
           <a:lstStyle/>
           <a:p>
-            <a:r>
-              <a:rPr lang="ko-KR" altLang="en-US" dirty="0" err="1"/>
-              <a:t>식별자</a:t>
-            </a:r>
-            <a:r>
-              <a:rPr lang="ko-KR" altLang="en-US" dirty="0"/>
-              <a:t> </a:t>
-            </a:r>
-            <a:r>
-              <a:rPr lang="en-US" altLang="ko-KR" dirty="0"/>
-              <a:t>= </a:t>
-            </a:r>
-            <a:r>
-              <a:rPr lang="ko-KR" altLang="en-US" dirty="0"/>
-              <a:t>프로그래머와 컴퓨터 사이의 약속된 이름</a:t>
-            </a:r>
-            <a:endParaRPr lang="en-US" altLang="ko-KR" dirty="0"/>
-          </a:p>
-          <a:p>
-            <a:endParaRPr lang="en-US" altLang="ko-KR" dirty="0"/>
-          </a:p>
-          <a:p>
-            <a:r>
-              <a:rPr lang="ko-KR" altLang="en-US" dirty="0"/>
-              <a:t>규칙을 지키지 않으면 오류로 인식한다</a:t>
-            </a:r>
-            <a:endParaRPr lang="en-US" altLang="ko-KR" dirty="0"/>
+            <a:endParaRPr lang="ko-KR" altLang="en-US" dirty="0"/>
           </a:p>
         </p:txBody>
       </p:sp>
@@ -3478,7 +2381,7 @@
             <a:spLocks noGrp="1"/>
           </p:cNvSpPr>
           <p:nvPr>
-            <p:ph type="sldNum" sz="quarter" idx="5"/>
+            <p:ph type="sldNum" sz="quarter" idx="10"/>
           </p:nvPr>
         </p:nvSpPr>
         <p:spPr/>
@@ -3488,7 +2391,7 @@
           <a:p>
             <a:fld id="{C09E5BFC-1559-42F1-8940-AB342D56BF02}" type="slidenum">
               <a:rPr lang="ko-KR" altLang="en-US" smtClean="0"/>
-              <a:t>31</a:t>
+              <a:t>30</a:t>
             </a:fld>
             <a:endParaRPr lang="ko-KR" altLang="en-US"/>
           </a:p>
@@ -3497,7 +2400,7 @@
     </p:spTree>
     <p:extLst>
       <p:ext uri="{BB962C8B-B14F-4D97-AF65-F5344CB8AC3E}">
-        <p14:creationId xmlns:p14="http://schemas.microsoft.com/office/powerpoint/2010/main" val="2940147169"/>
+        <p14:creationId xmlns:p14="http://schemas.microsoft.com/office/powerpoint/2010/main" val="3717590151"/>
       </p:ext>
     </p:extLst>
   </p:cSld>
@@ -3551,7 +2454,7 @@
           <a:bodyPr/>
           <a:lstStyle/>
           <a:p>
-            <a:endParaRPr lang="ko-KR" altLang="en-US" dirty="0"/>
+            <a:endParaRPr lang="en-US" altLang="ko-KR" dirty="0"/>
           </a:p>
         </p:txBody>
       </p:sp>
@@ -3562,7 +2465,7 @@
             <a:spLocks noGrp="1"/>
           </p:cNvSpPr>
           <p:nvPr>
-            <p:ph type="sldNum" sz="quarter" idx="10"/>
+            <p:ph type="sldNum" sz="quarter" idx="5"/>
           </p:nvPr>
         </p:nvSpPr>
         <p:spPr/>
@@ -3572,7 +2475,7 @@
           <a:p>
             <a:fld id="{C09E5BFC-1559-42F1-8940-AB342D56BF02}" type="slidenum">
               <a:rPr lang="ko-KR" altLang="en-US" smtClean="0"/>
-              <a:t>32</a:t>
+              <a:t>31</a:t>
             </a:fld>
             <a:endParaRPr lang="ko-KR" altLang="en-US"/>
           </a:p>
@@ -3581,7 +2484,7 @@
     </p:spTree>
     <p:extLst>
       <p:ext uri="{BB962C8B-B14F-4D97-AF65-F5344CB8AC3E}">
-        <p14:creationId xmlns:p14="http://schemas.microsoft.com/office/powerpoint/2010/main" val="199399497"/>
+        <p14:creationId xmlns:p14="http://schemas.microsoft.com/office/powerpoint/2010/main" val="2940147169"/>
       </p:ext>
     </p:extLst>
   </p:cSld>
@@ -3596,13 +2499,7 @@
   <p:cSld>
     <p:spTree>
       <p:nvGrpSpPr>
-        <p:cNvPr id="1" name="">
-          <a:extLst>
-            <a:ext uri="{FF2B5EF4-FFF2-40B4-BE49-F238E27FC236}">
-              <a16:creationId xmlns:a16="http://schemas.microsoft.com/office/drawing/2014/main" id="{CC7854B1-E321-21CB-CCEA-769261ACB8EA}"/>
-            </a:ext>
-          </a:extLst>
-        </p:cNvPr>
+        <p:cNvPr id="1" name=""/>
         <p:cNvGrpSpPr/>
         <p:nvPr/>
       </p:nvGrpSpPr>
@@ -3616,13 +2513,7 @@
       </p:grpSpPr>
       <p:sp>
         <p:nvSpPr>
-          <p:cNvPr id="2" name="슬라이드 이미지 개체 틀 1">
-            <a:extLst>
-              <a:ext uri="{FF2B5EF4-FFF2-40B4-BE49-F238E27FC236}">
-                <a16:creationId xmlns:a16="http://schemas.microsoft.com/office/drawing/2014/main" id="{D466C4B9-302D-6E8A-29AB-5F15DB9758D4}"/>
-              </a:ext>
-            </a:extLst>
-          </p:cNvPr>
+          <p:cNvPr id="2" name="슬라이드 이미지 개체 틀 1"/>
           <p:cNvSpPr>
             <a:spLocks noGrp="1" noRot="1" noChangeAspect="1"/>
           </p:cNvSpPr>
@@ -3634,13 +2525,7 @@
       </p:sp>
       <p:sp>
         <p:nvSpPr>
-          <p:cNvPr id="3" name="슬라이드 노트 개체 틀 2">
-            <a:extLst>
-              <a:ext uri="{FF2B5EF4-FFF2-40B4-BE49-F238E27FC236}">
-                <a16:creationId xmlns:a16="http://schemas.microsoft.com/office/drawing/2014/main" id="{80846829-FC0D-87B6-3FB6-0FE8F34AD778}"/>
-              </a:ext>
-            </a:extLst>
-          </p:cNvPr>
+          <p:cNvPr id="3" name="슬라이드 노트 개체 틀 2"/>
           <p:cNvSpPr>
             <a:spLocks noGrp="1"/>
           </p:cNvSpPr>
@@ -3653,46 +2538,37 @@
           <a:bodyPr/>
           <a:lstStyle/>
           <a:p>
-            <a:endParaRPr lang="ko-KR" dirty="0"/>
-          </a:p>
-          <a:p>
             <a:endParaRPr lang="ko-KR" altLang="en-US" dirty="0"/>
           </a:p>
         </p:txBody>
       </p:sp>
       <p:sp>
         <p:nvSpPr>
-          <p:cNvPr id="4" name="슬라이드 번호 개체 틀 3">
-            <a:extLst>
-              <a:ext uri="{FF2B5EF4-FFF2-40B4-BE49-F238E27FC236}">
-                <a16:creationId xmlns:a16="http://schemas.microsoft.com/office/drawing/2014/main" id="{3948475E-02A6-F87C-B4E7-261B209CBEB8}"/>
-              </a:ext>
-            </a:extLst>
-          </p:cNvPr>
-          <p:cNvSpPr>
-            <a:spLocks noGrp="1"/>
-          </p:cNvSpPr>
-          <p:nvPr>
-            <p:ph type="sldNum" sz="quarter" idx="5"/>
-          </p:nvPr>
-        </p:nvSpPr>
-        <p:spPr/>
-        <p:txBody>
-          <a:bodyPr/>
-          <a:lstStyle/>
-          <a:p>
-            <a:fld id="{E731A1BA-5463-484A-B77A-5C292E222CA2}" type="slidenum">
+          <p:cNvPr id="4" name="슬라이드 번호 개체 틀 3"/>
+          <p:cNvSpPr>
+            <a:spLocks noGrp="1"/>
+          </p:cNvSpPr>
+          <p:nvPr>
+            <p:ph type="sldNum" sz="quarter" idx="10"/>
+          </p:nvPr>
+        </p:nvSpPr>
+        <p:spPr/>
+        <p:txBody>
+          <a:bodyPr/>
+          <a:lstStyle/>
+          <a:p>
+            <a:fld id="{C09E5BFC-1559-42F1-8940-AB342D56BF02}" type="slidenum">
               <a:rPr lang="ko-KR" altLang="en-US" smtClean="0"/>
-              <a:t>33</a:t>
+              <a:t>32</a:t>
             </a:fld>
-            <a:endParaRPr lang="ko-KR" altLang="en-US" dirty="0"/>
+            <a:endParaRPr lang="ko-KR" altLang="en-US"/>
           </a:p>
         </p:txBody>
       </p:sp>
     </p:spTree>
     <p:extLst>
       <p:ext uri="{BB962C8B-B14F-4D97-AF65-F5344CB8AC3E}">
-        <p14:creationId xmlns:p14="http://schemas.microsoft.com/office/powerpoint/2010/main" val="2090797355"/>
+        <p14:creationId xmlns:p14="http://schemas.microsoft.com/office/powerpoint/2010/main" val="199399497"/>
       </p:ext>
     </p:extLst>
   </p:cSld>
@@ -3746,54 +2622,6 @@
           <a:bodyPr/>
           <a:lstStyle/>
           <a:p>
-            <a:r>
-              <a:rPr lang="ko-KR" altLang="en-US" dirty="0"/>
-              <a:t>앞으로 우리가 사용할 </a:t>
-            </a:r>
-            <a:r>
-              <a:rPr lang="en-US" altLang="ko-KR" dirty="0"/>
-              <a:t>.NET Framework 4.7.2</a:t>
-            </a:r>
-            <a:r>
-              <a:rPr lang="ko-KR" altLang="en-US" dirty="0"/>
-              <a:t>는 </a:t>
-            </a:r>
-            <a:r>
-              <a:rPr lang="en-US" altLang="ko-KR" dirty="0"/>
-              <a:t>.NET</a:t>
-            </a:r>
-            <a:r>
-              <a:rPr lang="ko-KR" altLang="en-US" dirty="0"/>
-              <a:t> </a:t>
-            </a:r>
-            <a:r>
-              <a:rPr lang="en-US" altLang="ko-KR" dirty="0"/>
-              <a:t>7.3</a:t>
-            </a:r>
-            <a:r>
-              <a:rPr lang="ko-KR" altLang="en-US" dirty="0"/>
-              <a:t>을 이용하기 때문에 전역</a:t>
-            </a:r>
-            <a:r>
-              <a:rPr lang="en-US" altLang="ko-KR" dirty="0"/>
-              <a:t>(</a:t>
-            </a:r>
-            <a:r>
-              <a:rPr lang="ko-KR" altLang="en-US" dirty="0"/>
-              <a:t>아직은 배우지 않았지만</a:t>
-            </a:r>
-            <a:r>
-              <a:rPr lang="en-US" altLang="ko-KR" dirty="0"/>
-              <a:t>) </a:t>
-            </a:r>
-            <a:r>
-              <a:rPr lang="ko-KR" altLang="en-US" dirty="0"/>
-              <a:t>변수 선언이 불가능합니다</a:t>
-            </a:r>
-            <a:r>
-              <a:rPr lang="en-US" altLang="ko-KR" dirty="0"/>
-              <a:t>.</a:t>
-            </a:r>
             <a:endParaRPr lang="ko-KR" altLang="en-US" dirty="0"/>
           </a:p>
         </p:txBody>
@@ -3839,7 +2667,13 @@
   <p:cSld>
     <p:spTree>
       <p:nvGrpSpPr>
-        <p:cNvPr id="1" name=""/>
+        <p:cNvPr id="1" name="">
+          <a:extLst>
+            <a:ext uri="{FF2B5EF4-FFF2-40B4-BE49-F238E27FC236}">
+              <a16:creationId xmlns:a16="http://schemas.microsoft.com/office/drawing/2014/main" id="{CC7854B1-E321-21CB-CCEA-769261ACB8EA}"/>
+            </a:ext>
+          </a:extLst>
+        </p:cNvPr>
         <p:cNvGrpSpPr/>
         <p:nvPr/>
       </p:nvGrpSpPr>
@@ -3853,7 +2687,13 @@
       </p:grpSpPr>
       <p:sp>
         <p:nvSpPr>
-          <p:cNvPr id="2" name="슬라이드 이미지 개체 틀 1"/>
+          <p:cNvPr id="2" name="슬라이드 이미지 개체 틀 1">
+            <a:extLst>
+              <a:ext uri="{FF2B5EF4-FFF2-40B4-BE49-F238E27FC236}">
+                <a16:creationId xmlns:a16="http://schemas.microsoft.com/office/drawing/2014/main" id="{D466C4B9-302D-6E8A-29AB-5F15DB9758D4}"/>
+              </a:ext>
+            </a:extLst>
+          </p:cNvPr>
           <p:cNvSpPr>
             <a:spLocks noGrp="1" noRot="1" noChangeAspect="1"/>
           </p:cNvSpPr>
@@ -3865,7 +2705,13 @@
       </p:sp>
       <p:sp>
         <p:nvSpPr>
-          <p:cNvPr id="3" name="슬라이드 노트 개체 틀 2"/>
+          <p:cNvPr id="3" name="슬라이드 노트 개체 틀 2">
+            <a:extLst>
+              <a:ext uri="{FF2B5EF4-FFF2-40B4-BE49-F238E27FC236}">
+                <a16:creationId xmlns:a16="http://schemas.microsoft.com/office/drawing/2014/main" id="{80846829-FC0D-87B6-3FB6-0FE8F34AD778}"/>
+              </a:ext>
+            </a:extLst>
+          </p:cNvPr>
           <p:cNvSpPr>
             <a:spLocks noGrp="1"/>
           </p:cNvSpPr>
@@ -3878,66 +2724,46 @@
           <a:bodyPr/>
           <a:lstStyle/>
           <a:p>
-            <a:r>
-              <a:rPr lang="ko-KR" altLang="en-US" dirty="0"/>
-              <a:t>정답</a:t>
-            </a:r>
-            <a:r>
-              <a:rPr lang="en-US" altLang="ko-KR" dirty="0"/>
-              <a:t>: </a:t>
-            </a:r>
-            <a:r>
-              <a:rPr lang="ko-KR" altLang="en-US" b="1" dirty="0"/>
-              <a:t>③ </a:t>
-            </a:r>
-            <a:r>
-              <a:rPr lang="en-US" altLang="ko-KR" b="1" dirty="0"/>
-              <a:t>3rdPlayer</a:t>
-            </a:r>
+            <a:endParaRPr lang="ko-KR" dirty="0"/>
+          </a:p>
+          <a:p>
             <a:endParaRPr lang="ko-KR" altLang="en-US" dirty="0"/>
           </a:p>
-          <a:p>
-            <a:r>
-              <a:rPr lang="ko-KR" altLang="en-US" dirty="0"/>
-              <a:t>숫자로 시작하면 안 됨</a:t>
-            </a:r>
-            <a:r>
-              <a:rPr lang="en-US" altLang="ko-KR" dirty="0"/>
-              <a:t>!</a:t>
-            </a:r>
-          </a:p>
-          <a:p>
+        </p:txBody>
+      </p:sp>
+      <p:sp>
+        <p:nvSpPr>
+          <p:cNvPr id="4" name="슬라이드 번호 개체 틀 3">
+            <a:extLst>
+              <a:ext uri="{FF2B5EF4-FFF2-40B4-BE49-F238E27FC236}">
+                <a16:creationId xmlns:a16="http://schemas.microsoft.com/office/drawing/2014/main" id="{3948475E-02A6-F87C-B4E7-261B209CBEB8}"/>
+              </a:ext>
+            </a:extLst>
+          </p:cNvPr>
+          <p:cNvSpPr>
+            <a:spLocks noGrp="1"/>
+          </p:cNvSpPr>
+          <p:nvPr>
+            <p:ph type="sldNum" sz="quarter" idx="5"/>
+          </p:nvPr>
+        </p:nvSpPr>
+        <p:spPr/>
+        <p:txBody>
+          <a:bodyPr/>
+          <a:lstStyle/>
+          <a:p>
+            <a:fld id="{E731A1BA-5463-484A-B77A-5C292E222CA2}" type="slidenum">
+              <a:rPr lang="ko-KR" altLang="en-US" smtClean="0"/>
+              <a:t>33</a:t>
+            </a:fld>
             <a:endParaRPr lang="ko-KR" altLang="en-US" dirty="0"/>
-          </a:p>
-        </p:txBody>
-      </p:sp>
-      <p:sp>
-        <p:nvSpPr>
-          <p:cNvPr id="4" name="슬라이드 번호 개체 틀 3"/>
-          <p:cNvSpPr>
-            <a:spLocks noGrp="1"/>
-          </p:cNvSpPr>
-          <p:nvPr>
-            <p:ph type="sldNum" sz="quarter" idx="10"/>
-          </p:nvPr>
-        </p:nvSpPr>
-        <p:spPr/>
-        <p:txBody>
-          <a:bodyPr/>
-          <a:lstStyle/>
-          <a:p>
-            <a:fld id="{C09E5BFC-1559-42F1-8940-AB342D56BF02}" type="slidenum">
-              <a:rPr lang="ko-KR" altLang="en-US" smtClean="0"/>
-              <a:t>34</a:t>
-            </a:fld>
-            <a:endParaRPr lang="ko-KR" altLang="en-US"/>
           </a:p>
         </p:txBody>
       </p:sp>
     </p:spTree>
     <p:extLst>
       <p:ext uri="{BB962C8B-B14F-4D97-AF65-F5344CB8AC3E}">
-        <p14:creationId xmlns:p14="http://schemas.microsoft.com/office/powerpoint/2010/main" val="2141135336"/>
+        <p14:creationId xmlns:p14="http://schemas.microsoft.com/office/powerpoint/2010/main" val="2090797355"/>
       </p:ext>
     </p:extLst>
   </p:cSld>
@@ -4001,34 +2827,18 @@
             </a:r>
             <a:r>
               <a:rPr lang="ko-KR" altLang="en-US" b="1" dirty="0"/>
-              <a:t>② </a:t>
-            </a:r>
-            <a:r>
-              <a:rPr lang="en-US" altLang="ko-KR" b="1" dirty="0" err="1"/>
-              <a:t>StudentInfo</a:t>
+              <a:t>③ </a:t>
+            </a:r>
+            <a:r>
+              <a:rPr lang="en-US" altLang="ko-KR" b="1" dirty="0"/>
+              <a:t>3rdPlayer</a:t>
             </a:r>
             <a:endParaRPr lang="ko-KR" altLang="en-US" dirty="0"/>
           </a:p>
           <a:p>
             <a:r>
-              <a:rPr lang="ko-KR" altLang="en-US" dirty="0" err="1"/>
-              <a:t>클래스명은</a:t>
-            </a:r>
-            <a:r>
               <a:rPr lang="ko-KR" altLang="en-US" dirty="0"/>
-              <a:t> </a:t>
-            </a:r>
-            <a:r>
-              <a:rPr lang="en-US" altLang="ko-KR" dirty="0" err="1"/>
-              <a:t>PascalCase</a:t>
-            </a:r>
-            <a:r>
-              <a:rPr lang="en-US" altLang="ko-KR" dirty="0"/>
-              <a:t> </a:t>
-            </a:r>
-            <a:r>
-              <a:rPr lang="ko-KR" altLang="en-US" dirty="0"/>
-              <a:t>사용이 관례</a:t>
+              <a:t>숫자로 시작하면 안 됨</a:t>
             </a:r>
             <a:r>
               <a:rPr lang="en-US" altLang="ko-KR" dirty="0"/>
@@ -4057,7 +2867,7 @@
           <a:p>
             <a:fld id="{C09E5BFC-1559-42F1-8940-AB342D56BF02}" type="slidenum">
               <a:rPr lang="ko-KR" altLang="en-US" smtClean="0"/>
-              <a:t>35</a:t>
+              <a:t>34</a:t>
             </a:fld>
             <a:endParaRPr lang="ko-KR" altLang="en-US"/>
           </a:p>
@@ -4066,7 +2876,7 @@
     </p:spTree>
     <p:extLst>
       <p:ext uri="{BB962C8B-B14F-4D97-AF65-F5344CB8AC3E}">
-        <p14:creationId xmlns:p14="http://schemas.microsoft.com/office/powerpoint/2010/main" val="42996996"/>
+        <p14:creationId xmlns:p14="http://schemas.microsoft.com/office/powerpoint/2010/main" val="2141135336"/>
       </p:ext>
     </p:extLst>
   </p:cSld>
@@ -4133,89 +2943,39 @@
               <a:t>② </a:t>
             </a:r>
             <a:r>
-              <a:rPr lang="en-US" altLang="ko-KR" b="1" dirty="0"/>
-              <a:t>total$ = 100;</a:t>
+              <a:rPr lang="en-US" altLang="ko-KR" b="1" dirty="0" err="1"/>
+              <a:t>StudentInfo</a:t>
             </a:r>
             <a:endParaRPr lang="ko-KR" altLang="en-US" dirty="0"/>
           </a:p>
           <a:p>
             <a:r>
+              <a:rPr lang="ko-KR" altLang="en-US" dirty="0" err="1"/>
+              <a:t>클래스명은</a:t>
+            </a:r>
+            <a:r>
+              <a:rPr lang="ko-KR" altLang="en-US" dirty="0"/>
+              <a:t> </a:t>
+            </a:r>
+            <a:r>
+              <a:rPr lang="en-US" altLang="ko-KR" dirty="0" err="1"/>
+              <a:t>PascalCase</a:t>
+            </a:r>
+            <a:r>
               <a:rPr lang="en-US" altLang="ko-KR" dirty="0"/>
-              <a:t>$</a:t>
+              <a:t> </a:t>
             </a:r>
             <a:r>
               <a:rPr lang="ko-KR" altLang="en-US" dirty="0"/>
-              <a:t>는 식별자에 사용할 수 없는 </a:t>
-            </a:r>
-            <a:r>
-              <a:rPr lang="ko-KR" altLang="en-US" dirty="0" err="1"/>
-              <a:t>특수문</a:t>
-            </a:r>
-            <a:endParaRPr lang="en-US" altLang="ko-KR" dirty="0"/>
-          </a:p>
-          <a:p>
-            <a:endParaRPr lang="en-US" altLang="ko-KR" dirty="0"/>
-          </a:p>
-          <a:p>
+              <a:t>사용이 관례</a:t>
+            </a:r>
             <a:r>
               <a:rPr lang="en-US" altLang="ko-KR" dirty="0"/>
-              <a:t>C#</a:t>
-            </a:r>
-            <a:r>
-              <a:rPr lang="ko-KR" altLang="en-US" dirty="0"/>
-              <a:t>에서는 **</a:t>
-            </a:r>
-            <a:r>
-              <a:rPr lang="ko-KR" altLang="en-US" dirty="0" err="1"/>
-              <a:t>예약어</a:t>
-            </a:r>
-            <a:r>
-              <a:rPr lang="en-US" altLang="ko-KR" dirty="0"/>
-              <a:t>(keywords)**</a:t>
-            </a:r>
-            <a:r>
-              <a:rPr lang="ko-KR" altLang="en-US" dirty="0"/>
-              <a:t>를 변수명으로 사용하고 싶을 때 앞에 </a:t>
-            </a:r>
-            <a:r>
-              <a:rPr lang="en-US" altLang="ko-KR" dirty="0"/>
-              <a:t>@</a:t>
-            </a:r>
-            <a:r>
-              <a:rPr lang="ko-KR" altLang="en-US" dirty="0"/>
-              <a:t>를 붙이면 사용할 수 있습니다</a:t>
-            </a:r>
-            <a:r>
-              <a:rPr lang="en-US" altLang="ko-KR" dirty="0"/>
-              <a:t>.</a:t>
-            </a:r>
-          </a:p>
-          <a:p>
-            <a:r>
-              <a:rPr lang="en-US" altLang="ko-KR" dirty="0"/>
-              <a:t>@</a:t>
-            </a:r>
-            <a:r>
-              <a:rPr lang="ko-KR" altLang="en-US" dirty="0"/>
-              <a:t>를 붙이면 **</a:t>
-            </a:r>
-            <a:r>
-              <a:rPr lang="en-US" altLang="ko-KR" dirty="0"/>
-              <a:t>"</a:t>
-            </a:r>
-            <a:r>
-              <a:rPr lang="ko-KR" altLang="en-US" dirty="0"/>
-              <a:t>나는 이걸 예약어가 아니라 식별자로 쓸게요</a:t>
-            </a:r>
-            <a:r>
-              <a:rPr lang="en-US" altLang="ko-KR" dirty="0"/>
-              <a:t>"**</a:t>
-            </a:r>
-            <a:r>
-              <a:rPr lang="ko-KR" altLang="en-US" dirty="0"/>
-              <a:t>라는 뜻이 되어 사용이 가능</a:t>
-            </a:r>
-            <a:endParaRPr lang="en-US" altLang="ko-KR" dirty="0"/>
+              <a:t>!</a:t>
+            </a:r>
+          </a:p>
+          <a:p>
+            <a:endParaRPr lang="ko-KR" altLang="en-US" dirty="0"/>
           </a:p>
         </p:txBody>
       </p:sp>
@@ -4236,7 +2996,7 @@
           <a:p>
             <a:fld id="{C09E5BFC-1559-42F1-8940-AB342D56BF02}" type="slidenum">
               <a:rPr lang="ko-KR" altLang="en-US" smtClean="0"/>
-              <a:t>36</a:t>
+              <a:t>35</a:t>
             </a:fld>
             <a:endParaRPr lang="ko-KR" altLang="en-US"/>
           </a:p>
@@ -4245,7 +3005,7 @@
     </p:spTree>
     <p:extLst>
       <p:ext uri="{BB962C8B-B14F-4D97-AF65-F5344CB8AC3E}">
-        <p14:creationId xmlns:p14="http://schemas.microsoft.com/office/powerpoint/2010/main" val="2026699950"/>
+        <p14:creationId xmlns:p14="http://schemas.microsoft.com/office/powerpoint/2010/main" val="42996996"/>
       </p:ext>
     </p:extLst>
   </p:cSld>
@@ -4309,52 +3069,92 @@
             </a:r>
             <a:r>
               <a:rPr lang="ko-KR" altLang="en-US" b="1" dirty="0"/>
-              <a:t>③</a:t>
+              <a:t>② </a:t>
+            </a:r>
+            <a:r>
+              <a:rPr lang="en-US" altLang="ko-KR" b="1" dirty="0"/>
+              <a:t>total$ = 100;</a:t>
+            </a:r>
+            <a:endParaRPr lang="ko-KR" altLang="en-US" dirty="0"/>
+          </a:p>
+          <a:p>
+            <a:r>
+              <a:rPr lang="en-US" altLang="ko-KR" dirty="0"/>
+              <a:t>$</a:t>
             </a:r>
             <a:r>
               <a:rPr lang="ko-KR" altLang="en-US" dirty="0"/>
-              <a:t> </a:t>
-            </a:r>
+              <a:t>는 식별자에 사용할 수 없는 </a:t>
+            </a:r>
+            <a:r>
+              <a:rPr lang="ko-KR" altLang="en-US" dirty="0" err="1"/>
+              <a:t>특수문</a:t>
+            </a:r>
+            <a:endParaRPr lang="en-US" altLang="ko-KR" dirty="0"/>
+          </a:p>
+          <a:p>
+            <a:endParaRPr lang="en-US" altLang="ko-KR" dirty="0"/>
+          </a:p>
+          <a:p>
             <a:r>
               <a:rPr lang="en-US" altLang="ko-KR" dirty="0"/>
-              <a:t>(</a:t>
-            </a:r>
-            <a:r>
-              <a:rPr lang="en-US" altLang="ko-KR" dirty="0" err="1"/>
-              <a:t>camelCase</a:t>
+              <a:t>C#</a:t>
             </a:r>
             <a:r>
               <a:rPr lang="ko-KR" altLang="en-US" dirty="0"/>
-              <a:t>는 </a:t>
+              <a:t>에서는 **</a:t>
             </a:r>
             <a:r>
               <a:rPr lang="ko-KR" altLang="en-US" dirty="0" err="1"/>
-              <a:t>변수명으로</a:t>
+              <a:t>예약어</a:t>
+            </a:r>
+            <a:r>
+              <a:rPr lang="en-US" altLang="ko-KR" dirty="0"/>
+              <a:t>(keywords)**</a:t>
             </a:r>
             <a:r>
               <a:rPr lang="ko-KR" altLang="en-US" dirty="0"/>
-              <a:t> 권장</a:t>
+              <a:t>를 변수명으로 사용하고 싶을 때 앞에 </a:t>
             </a:r>
             <a:r>
               <a:rPr lang="en-US" altLang="ko-KR" dirty="0"/>
-              <a:t>, </a:t>
+              <a:t>@</a:t>
             </a:r>
             <a:r>
               <a:rPr lang="ko-KR" altLang="en-US" dirty="0"/>
-              <a:t>나머지는 </a:t>
-            </a:r>
-            <a:r>
-              <a:rPr lang="ko-KR" altLang="en-US" dirty="0" err="1"/>
-              <a:t>클래스형이거나</a:t>
+              <a:t>를 붙이면 사용할 수 있습니다</a:t>
+            </a:r>
+            <a:r>
+              <a:rPr lang="en-US" altLang="ko-KR" dirty="0"/>
+              <a:t>.</a:t>
+            </a:r>
+          </a:p>
+          <a:p>
+            <a:r>
+              <a:rPr lang="en-US" altLang="ko-KR" dirty="0"/>
+              <a:t>@</a:t>
             </a:r>
             <a:r>
               <a:rPr lang="ko-KR" altLang="en-US" dirty="0"/>
-              <a:t> 잘못된 형식</a:t>
+              <a:t>를 붙이면 **</a:t>
             </a:r>
             <a:r>
               <a:rPr lang="en-US" altLang="ko-KR" dirty="0"/>
-              <a:t>)</a:t>
-            </a:r>
+              <a:t>"</a:t>
+            </a:r>
+            <a:r>
+              <a:rPr lang="ko-KR" altLang="en-US" dirty="0"/>
+              <a:t>나는 이걸 예약어가 아니라 식별자로 쓸게요</a:t>
+            </a:r>
+            <a:r>
+              <a:rPr lang="en-US" altLang="ko-KR" dirty="0"/>
+              <a:t>"**</a:t>
+            </a:r>
+            <a:r>
+              <a:rPr lang="ko-KR" altLang="en-US" dirty="0"/>
+              <a:t>라는 뜻이 되어 사용이 가능</a:t>
+            </a:r>
+            <a:endParaRPr lang="en-US" altLang="ko-KR" dirty="0"/>
           </a:p>
         </p:txBody>
       </p:sp>
@@ -4375,7 +3175,7 @@
           <a:p>
             <a:fld id="{C09E5BFC-1559-42F1-8940-AB342D56BF02}" type="slidenum">
               <a:rPr lang="ko-KR" altLang="en-US" smtClean="0"/>
-              <a:t>37</a:t>
+              <a:t>36</a:t>
             </a:fld>
             <a:endParaRPr lang="ko-KR" altLang="en-US"/>
           </a:p>
@@ -4384,7 +3184,7 @@
     </p:spTree>
     <p:extLst>
       <p:ext uri="{BB962C8B-B14F-4D97-AF65-F5344CB8AC3E}">
-        <p14:creationId xmlns:p14="http://schemas.microsoft.com/office/powerpoint/2010/main" val="1809233750"/>
+        <p14:creationId xmlns:p14="http://schemas.microsoft.com/office/powerpoint/2010/main" val="2026699950"/>
       </p:ext>
     </p:extLst>
   </p:cSld>
@@ -4439,33 +3239,61 @@
           <a:lstStyle/>
           <a:p>
             <a:r>
+              <a:rPr lang="ko-KR" altLang="en-US" dirty="0"/>
+              <a:t>정답</a:t>
+            </a:r>
+            <a:r>
               <a:rPr lang="en-US" altLang="ko-KR" dirty="0"/>
-              <a:t>https://www.inflearn.com/pages/infmation-69-20240509</a:t>
-            </a:r>
-          </a:p>
-          <a:p>
-            <a:endParaRPr lang="en-US" altLang="ko-KR" dirty="0"/>
-          </a:p>
-          <a:p>
+              <a:t>: </a:t>
+            </a:r>
+            <a:r>
+              <a:rPr lang="ko-KR" altLang="en-US" b="1" dirty="0"/>
+              <a:t>③</a:t>
+            </a:r>
             <a:r>
               <a:rPr lang="ko-KR" altLang="en-US" dirty="0"/>
-              <a:t>글 한번 읽어보세요</a:t>
+              <a:t> </a:t>
             </a:r>
             <a:r>
               <a:rPr lang="en-US" altLang="ko-KR" dirty="0"/>
-              <a:t>~ </a:t>
+              <a:t>(</a:t>
+            </a:r>
+            <a:r>
+              <a:rPr lang="en-US" altLang="ko-KR" dirty="0" err="1"/>
+              <a:t>camelCase</a:t>
             </a:r>
             <a:r>
               <a:rPr lang="ko-KR" altLang="en-US" dirty="0"/>
-              <a:t>나중에 </a:t>
-            </a:r>
-            <a:r>
-              <a:rPr lang="en-US" altLang="ko-KR" dirty="0">
-                <a:sym typeface="Wingdings" panose="05000000000000000000" pitchFamily="2" charset="2"/>
-              </a:rPr>
-              <a:t></a:t>
-            </a:r>
-            <a:endParaRPr lang="ko-KR" altLang="en-US" dirty="0"/>
+              <a:t>는 </a:t>
+            </a:r>
+            <a:r>
+              <a:rPr lang="ko-KR" altLang="en-US" dirty="0" err="1"/>
+              <a:t>변수명으로</a:t>
+            </a:r>
+            <a:r>
+              <a:rPr lang="ko-KR" altLang="en-US" dirty="0"/>
+              <a:t> 권장</a:t>
+            </a:r>
+            <a:r>
+              <a:rPr lang="en-US" altLang="ko-KR" dirty="0"/>
+              <a:t>, </a:t>
+            </a:r>
+            <a:r>
+              <a:rPr lang="ko-KR" altLang="en-US" dirty="0"/>
+              <a:t>나머지는 </a:t>
+            </a:r>
+            <a:r>
+              <a:rPr lang="ko-KR" altLang="en-US" dirty="0" err="1"/>
+              <a:t>클래스형이거나</a:t>
+            </a:r>
+            <a:r>
+              <a:rPr lang="ko-KR" altLang="en-US" dirty="0"/>
+              <a:t> 잘못된 형식</a:t>
+            </a:r>
+            <a:r>
+              <a:rPr lang="en-US" altLang="ko-KR" dirty="0"/>
+              <a:t>)</a:t>
+            </a:r>
           </a:p>
         </p:txBody>
       </p:sp>
@@ -4476,7 +3304,7 @@
             <a:spLocks noGrp="1"/>
           </p:cNvSpPr>
           <p:nvPr>
-            <p:ph type="sldNum" sz="quarter" idx="5"/>
+            <p:ph type="sldNum" sz="quarter" idx="10"/>
           </p:nvPr>
         </p:nvSpPr>
         <p:spPr/>
@@ -4486,7 +3314,7 @@
           <a:p>
             <a:fld id="{C09E5BFC-1559-42F1-8940-AB342D56BF02}" type="slidenum">
               <a:rPr lang="ko-KR" altLang="en-US" smtClean="0"/>
-              <a:t>39</a:t>
+              <a:t>37</a:t>
             </a:fld>
             <a:endParaRPr lang="ko-KR" altLang="en-US"/>
           </a:p>
@@ -4495,7 +3323,7 @@
     </p:spTree>
     <p:extLst>
       <p:ext uri="{BB962C8B-B14F-4D97-AF65-F5344CB8AC3E}">
-        <p14:creationId xmlns:p14="http://schemas.microsoft.com/office/powerpoint/2010/main" val="3130557879"/>
+        <p14:creationId xmlns:p14="http://schemas.microsoft.com/office/powerpoint/2010/main" val="1809233750"/>
       </p:ext>
     </p:extLst>
   </p:cSld>
@@ -4570,7 +3398,7 @@
           <a:p>
             <a:fld id="{C09E5BFC-1559-42F1-8940-AB342D56BF02}" type="slidenum">
               <a:rPr lang="ko-KR" altLang="en-US" smtClean="0"/>
-              <a:t>40</a:t>
+              <a:t>39</a:t>
             </a:fld>
             <a:endParaRPr lang="ko-KR" altLang="en-US"/>
           </a:p>
@@ -4700,7 +3528,7 @@
           <a:p>
             <a:fld id="{C09E5BFC-1559-42F1-8940-AB342D56BF02}" type="slidenum">
               <a:rPr lang="ko-KR" altLang="en-US" smtClean="0"/>
-              <a:t>42</a:t>
+              <a:t>41</a:t>
             </a:fld>
             <a:endParaRPr lang="ko-KR" altLang="en-US"/>
           </a:p>
@@ -4763,85 +3591,7 @@
           <a:bodyPr/>
           <a:lstStyle/>
           <a:p>
-            <a:r>
-              <a:rPr lang="en-US" altLang="ko-KR" dirty="0"/>
-              <a:t>string -&gt; int </a:t>
-            </a:r>
-            <a:r>
-              <a:rPr lang="ko-KR" altLang="en-US" dirty="0"/>
-              <a:t>로 변환하려고 할 때</a:t>
-            </a:r>
-            <a:r>
-              <a:rPr lang="en-US" altLang="ko-KR" dirty="0"/>
-              <a:t>,</a:t>
-            </a:r>
-          </a:p>
-          <a:p>
-            <a:endParaRPr lang="en-US" altLang="ko-KR" dirty="0"/>
-          </a:p>
-          <a:p>
-            <a:r>
-              <a:rPr lang="en-US" altLang="ko-KR" dirty="0"/>
-              <a:t>. (</a:t>
-            </a:r>
-            <a:r>
-              <a:rPr lang="ko-KR" altLang="en-US" dirty="0"/>
-              <a:t>점</a:t>
-            </a:r>
-            <a:r>
-              <a:rPr lang="en-US" altLang="ko-KR" dirty="0"/>
-              <a:t>)</a:t>
-            </a:r>
-            <a:r>
-              <a:rPr lang="ko-KR" altLang="en-US" dirty="0"/>
-              <a:t>을 뒤에 붙이면 앞에 있는 요소의 안에서 기능을 꺼내 온다고 보시면 됩니다</a:t>
-            </a:r>
-            <a:r>
-              <a:rPr lang="en-US" altLang="ko-KR" dirty="0"/>
-              <a:t>.</a:t>
-            </a:r>
-          </a:p>
-          <a:p>
-            <a:endParaRPr lang="en-US" altLang="ko-KR" dirty="0"/>
-          </a:p>
-          <a:p>
-            <a:r>
-              <a:rPr lang="ko-KR" altLang="en-US" dirty="0"/>
-              <a:t>물론 </a:t>
-            </a:r>
-            <a:r>
-              <a:rPr lang="en-US" altLang="ko-KR" dirty="0"/>
-              <a:t>Parse</a:t>
-            </a:r>
-            <a:r>
-              <a:rPr lang="ko-KR" altLang="en-US" dirty="0"/>
-              <a:t>로 전달되는 값이 숫자로 변환이 불가능한 값이라면 오류가 발생합니다</a:t>
-            </a:r>
-            <a:r>
-              <a:rPr lang="en-US" altLang="ko-KR" dirty="0"/>
-              <a:t>.</a:t>
-            </a:r>
-          </a:p>
-          <a:p>
-            <a:endParaRPr lang="en-US" altLang="ko-KR" dirty="0"/>
-          </a:p>
-          <a:p>
-            <a:r>
-              <a:rPr lang="en-US" altLang="ko-KR" dirty="0"/>
-              <a:t>Parse</a:t>
-            </a:r>
-            <a:r>
-              <a:rPr lang="ko-KR" altLang="en-US" dirty="0"/>
-              <a:t>는 대부분의 숫자형 자료형에 포함되어 있습니다</a:t>
-            </a:r>
-            <a:r>
-              <a:rPr lang="en-US" altLang="ko-KR" dirty="0"/>
-              <a:t>.</a:t>
-            </a:r>
-            <a:r>
-              <a:rPr lang="ko-KR" altLang="en-US" dirty="0"/>
-              <a:t> </a:t>
-            </a:r>
+            <a:endParaRPr lang="ko-KR" altLang="en-US" dirty="0"/>
           </a:p>
         </p:txBody>
       </p:sp>
@@ -4862,7 +3612,7 @@
           <a:p>
             <a:fld id="{C09E5BFC-1559-42F1-8940-AB342D56BF02}" type="slidenum">
               <a:rPr lang="ko-KR" altLang="en-US" smtClean="0"/>
-              <a:t>43</a:t>
+              <a:t>42</a:t>
             </a:fld>
             <a:endParaRPr lang="ko-KR" altLang="en-US"/>
           </a:p>
@@ -4925,88 +3675,6 @@
           <a:bodyPr/>
           <a:lstStyle/>
           <a:p>
-            <a:r>
-              <a:rPr lang="en-US" altLang="ko-KR" dirty="0"/>
-              <a:t>int -&gt; string </a:t>
-            </a:r>
-            <a:r>
-              <a:rPr lang="ko-KR" altLang="en-US" dirty="0"/>
-              <a:t>으로 변환하려고 할 때</a:t>
-            </a:r>
-            <a:r>
-              <a:rPr lang="en-US" altLang="ko-KR" dirty="0"/>
-              <a:t>,</a:t>
-            </a:r>
-          </a:p>
-          <a:p>
-            <a:endParaRPr lang="en-US" altLang="ko-KR" dirty="0"/>
-          </a:p>
-          <a:p>
-            <a:r>
-              <a:rPr lang="ko-KR" altLang="en-US" dirty="0"/>
-              <a:t>거의 모든 자료형 및 각종 데이터 형식에서 </a:t>
-            </a:r>
-            <a:r>
-              <a:rPr lang="en-US" altLang="ko-KR" dirty="0"/>
-              <a:t>. (</a:t>
-            </a:r>
-            <a:r>
-              <a:rPr lang="ko-KR" altLang="en-US" dirty="0"/>
-              <a:t>점</a:t>
-            </a:r>
-            <a:r>
-              <a:rPr lang="en-US" altLang="ko-KR" dirty="0"/>
-              <a:t>)</a:t>
-            </a:r>
-            <a:r>
-              <a:rPr lang="ko-KR" altLang="en-US" dirty="0"/>
-              <a:t>을 찍어보면 </a:t>
-            </a:r>
-            <a:r>
-              <a:rPr lang="en-US" altLang="ko-KR" dirty="0" err="1"/>
-              <a:t>ToString</a:t>
-            </a:r>
-            <a:r>
-              <a:rPr lang="en-US" altLang="ko-KR" dirty="0"/>
-              <a:t>() </a:t>
-            </a:r>
-            <a:r>
-              <a:rPr lang="ko-KR" altLang="en-US" dirty="0"/>
-              <a:t>함수를 확인할 수 있습니다</a:t>
-            </a:r>
-            <a:r>
-              <a:rPr lang="en-US" altLang="ko-KR" dirty="0"/>
-              <a:t>. </a:t>
-            </a:r>
-          </a:p>
-          <a:p>
-            <a:endParaRPr lang="en-US" altLang="ko-KR" dirty="0"/>
-          </a:p>
-          <a:p>
-            <a:r>
-              <a:rPr lang="ko-KR" altLang="en-US" dirty="0"/>
-              <a:t>이는 해당 자료형을 </a:t>
-            </a:r>
-            <a:r>
-              <a:rPr lang="en-US" altLang="ko-KR" dirty="0"/>
-              <a:t>string (</a:t>
-            </a:r>
-            <a:r>
-              <a:rPr lang="ko-KR" altLang="en-US" dirty="0"/>
-              <a:t>문자열</a:t>
-            </a:r>
-            <a:r>
-              <a:rPr lang="en-US" altLang="ko-KR" dirty="0"/>
-              <a:t>)</a:t>
-            </a:r>
-            <a:r>
-              <a:rPr lang="ko-KR" altLang="en-US" dirty="0"/>
-              <a:t>로 변환시켜 주는 역할을 합니다</a:t>
-            </a:r>
-            <a:r>
-              <a:rPr lang="en-US" altLang="ko-KR" dirty="0"/>
-              <a:t>.</a:t>
-            </a:r>
             <a:endParaRPr lang="ko-KR" altLang="en-US" dirty="0"/>
           </a:p>
         </p:txBody>
@@ -5028,7 +3696,7 @@
           <a:p>
             <a:fld id="{C09E5BFC-1559-42F1-8940-AB342D56BF02}" type="slidenum">
               <a:rPr lang="ko-KR" altLang="en-US" smtClean="0"/>
-              <a:t>44</a:t>
+              <a:t>43</a:t>
             </a:fld>
             <a:endParaRPr lang="ko-KR" altLang="en-US"/>
           </a:p>
@@ -5091,231 +3759,6 @@
           <a:bodyPr/>
           <a:lstStyle/>
           <a:p>
-            <a:r>
-              <a:rPr lang="en-US" altLang="ko-KR" dirty="0"/>
-              <a:t>“</a:t>
-            </a:r>
-            <a:r>
-              <a:rPr lang="en-US" altLang="ko-KR" dirty="0" err="1"/>
-              <a:t>Var</a:t>
-            </a:r>
-            <a:r>
-              <a:rPr lang="en-US" altLang="ko-KR" dirty="0"/>
-              <a:t>” </a:t>
-            </a:r>
-            <a:r>
-              <a:rPr lang="ko-KR" altLang="en-US" dirty="0"/>
-              <a:t>키워드 </a:t>
-            </a:r>
-            <a:r>
-              <a:rPr lang="en-US" altLang="ko-KR" dirty="0">
-                <a:sym typeface="Wingdings" panose="05000000000000000000" pitchFamily="2" charset="2"/>
-              </a:rPr>
-              <a:t> </a:t>
-            </a:r>
-            <a:r>
-              <a:rPr lang="ko-KR" altLang="en-US" dirty="0">
-                <a:sym typeface="Wingdings" panose="05000000000000000000" pitchFamily="2" charset="2"/>
-              </a:rPr>
-              <a:t>컴파일러가 자동으로 </a:t>
-            </a:r>
-            <a:r>
-              <a:rPr lang="ko-KR" altLang="en-US" dirty="0" err="1">
-                <a:sym typeface="Wingdings" panose="05000000000000000000" pitchFamily="2" charset="2"/>
-              </a:rPr>
-              <a:t>자료형을</a:t>
-            </a:r>
-            <a:r>
-              <a:rPr lang="ko-KR" altLang="en-US" dirty="0">
-                <a:sym typeface="Wingdings" panose="05000000000000000000" pitchFamily="2" charset="2"/>
-              </a:rPr>
-              <a:t> 추론하게 해주는 키워드</a:t>
-            </a:r>
-            <a:r>
-              <a:rPr lang="en-US" altLang="ko-KR" dirty="0">
-                <a:sym typeface="Wingdings" panose="05000000000000000000" pitchFamily="2" charset="2"/>
-              </a:rPr>
-              <a:t>.</a:t>
-            </a:r>
-          </a:p>
-          <a:p>
-            <a:r>
-              <a:rPr lang="en-US" altLang="ko-KR" dirty="0">
-                <a:sym typeface="Wingdings" panose="05000000000000000000" pitchFamily="2" charset="2"/>
-              </a:rPr>
-              <a:t>Why?</a:t>
-            </a:r>
-          </a:p>
-          <a:p>
-            <a:pPr marL="171450" indent="-171450">
-              <a:buFont typeface="Wingdings" panose="05000000000000000000" pitchFamily="2" charset="2"/>
-              <a:buChar char="à"/>
-            </a:pPr>
-            <a:r>
-              <a:rPr lang="ko-KR" altLang="en-US" dirty="0">
-                <a:sym typeface="Wingdings" panose="05000000000000000000" pitchFamily="2" charset="2"/>
-              </a:rPr>
-              <a:t>코드</a:t>
-            </a:r>
-            <a:r>
-              <a:rPr lang="en-US" altLang="ko-KR" dirty="0">
-                <a:sym typeface="Wingdings" panose="05000000000000000000" pitchFamily="2" charset="2"/>
-              </a:rPr>
-              <a:t> </a:t>
-            </a:r>
-            <a:r>
-              <a:rPr lang="ko-KR" altLang="en-US" dirty="0">
-                <a:sym typeface="Wingdings" panose="05000000000000000000" pitchFamily="2" charset="2"/>
-              </a:rPr>
-              <a:t>간결 </a:t>
-            </a:r>
-            <a:r>
-              <a:rPr lang="en-US" altLang="ko-KR" dirty="0">
-                <a:sym typeface="Wingdings" panose="05000000000000000000" pitchFamily="2" charset="2"/>
-              </a:rPr>
-              <a:t>/ </a:t>
-            </a:r>
-            <a:r>
-              <a:rPr lang="ko-KR" altLang="en-US" dirty="0">
-                <a:sym typeface="Wingdings" panose="05000000000000000000" pitchFamily="2" charset="2"/>
-              </a:rPr>
-              <a:t>반복적 쓰는 번거로움 </a:t>
-            </a:r>
-            <a:r>
-              <a:rPr lang="ko-KR" altLang="en-US" dirty="0" err="1">
-                <a:sym typeface="Wingdings" panose="05000000000000000000" pitchFamily="2" charset="2"/>
-              </a:rPr>
-              <a:t>줄여줌</a:t>
-            </a:r>
-            <a:endParaRPr lang="en-US" altLang="ko-KR" dirty="0">
-              <a:sym typeface="Wingdings" panose="05000000000000000000" pitchFamily="2" charset="2"/>
-            </a:endParaRPr>
-          </a:p>
-          <a:p>
-            <a:pPr marL="0" indent="0">
-              <a:buFont typeface="Arial" panose="020B0604020202020204" pitchFamily="34" charset="0"/>
-              <a:buNone/>
-            </a:pPr>
-            <a:r>
-              <a:rPr lang="en-US" altLang="ko-KR" dirty="0"/>
-              <a:t>**</a:t>
-            </a:r>
-            <a:r>
-              <a:rPr lang="ko-KR" altLang="en-US" dirty="0"/>
-              <a:t>주의</a:t>
-            </a:r>
-            <a:r>
-              <a:rPr lang="en-US" altLang="ko-KR" dirty="0"/>
-              <a:t>**</a:t>
-            </a:r>
-          </a:p>
-          <a:p>
-            <a:pPr marL="0" indent="0">
-              <a:buFont typeface="Arial" panose="020B0604020202020204" pitchFamily="34" charset="0"/>
-              <a:buNone/>
-            </a:pPr>
-            <a:r>
-              <a:rPr lang="en-US" altLang="ko-KR" dirty="0"/>
-              <a:t>-</a:t>
-            </a:r>
-            <a:r>
-              <a:rPr lang="en-US" altLang="ko-KR" baseline="0" dirty="0"/>
-              <a:t> </a:t>
-            </a:r>
-            <a:r>
-              <a:rPr lang="en-US" altLang="ko-KR" baseline="0" dirty="0" err="1"/>
-              <a:t>Var</a:t>
-            </a:r>
-            <a:r>
-              <a:rPr lang="ko-KR" altLang="en-US" baseline="0" dirty="0"/>
-              <a:t>는 반드시 초기화와 함께 사용해야 하며</a:t>
-            </a:r>
-            <a:r>
-              <a:rPr lang="en-US" altLang="ko-KR" baseline="0" dirty="0"/>
-              <a:t>, </a:t>
-            </a:r>
-            <a:r>
-              <a:rPr lang="ko-KR" altLang="en-US" baseline="0" dirty="0"/>
-              <a:t>초기화된 값으로 </a:t>
-            </a:r>
-            <a:r>
-              <a:rPr lang="ko-KR" altLang="en-US" baseline="0" dirty="0" err="1"/>
-              <a:t>자료형이</a:t>
-            </a:r>
-            <a:r>
-              <a:rPr lang="ko-KR" altLang="en-US" baseline="0" dirty="0"/>
-              <a:t> 결정되므로 명확하지 않으면 오히려 </a:t>
-            </a:r>
-            <a:r>
-              <a:rPr lang="ko-KR" altLang="en-US" baseline="0" dirty="0" err="1"/>
-              <a:t>가독성이</a:t>
-            </a:r>
-            <a:r>
-              <a:rPr lang="ko-KR" altLang="en-US" baseline="0" dirty="0"/>
-              <a:t> 떨어짐</a:t>
-            </a:r>
-            <a:r>
-              <a:rPr lang="en-US" altLang="ko-KR" baseline="0" dirty="0"/>
-              <a:t>.</a:t>
-            </a:r>
-            <a:endParaRPr lang="en-US" altLang="ko-KR" dirty="0"/>
-          </a:p>
-          <a:p>
-            <a:endParaRPr lang="en-US" altLang="ko-KR" dirty="0"/>
-          </a:p>
-          <a:p>
-            <a:endParaRPr lang="en-US" altLang="ko-KR" dirty="0"/>
-          </a:p>
-          <a:p>
-            <a:r>
-              <a:rPr lang="en-US" altLang="ko-KR" dirty="0"/>
-              <a:t>+= </a:t>
-            </a:r>
-            <a:r>
-              <a:rPr lang="ko-KR" altLang="en-US" dirty="0"/>
-              <a:t>기호와 관련해서는 소스코드를 작성해서 보여줄 것 </a:t>
-            </a:r>
-            <a:endParaRPr lang="en-US" altLang="ko-KR" dirty="0"/>
-          </a:p>
-          <a:p>
-            <a:endParaRPr lang="en-US" altLang="ko-KR" dirty="0"/>
-          </a:p>
-          <a:p>
-            <a:r>
-              <a:rPr lang="en-US" altLang="ko-KR" dirty="0"/>
-              <a:t>int a = 10;</a:t>
-            </a:r>
-          </a:p>
-          <a:p>
-            <a:endParaRPr lang="en-US" altLang="ko-KR" dirty="0"/>
-          </a:p>
-          <a:p>
-            <a:r>
-              <a:rPr lang="en-US" altLang="ko-KR" dirty="0"/>
-              <a:t>// </a:t>
-            </a:r>
-            <a:r>
-              <a:rPr lang="ko-KR" altLang="en-US" dirty="0"/>
-              <a:t>아래 두 줄은 완전히 같은 기능을 함</a:t>
-            </a:r>
-            <a:endParaRPr lang="en-US" altLang="ko-KR" dirty="0"/>
-          </a:p>
-          <a:p>
-            <a:r>
-              <a:rPr lang="en-US" altLang="ko-KR" dirty="0"/>
-              <a:t>a += 5; </a:t>
-            </a:r>
-          </a:p>
-          <a:p>
-            <a:r>
-              <a:rPr lang="en-US" altLang="ko-KR" dirty="0"/>
-              <a:t>a = a + 5; </a:t>
-            </a:r>
-          </a:p>
-          <a:p>
-            <a:endParaRPr lang="en-US" altLang="ko-KR" dirty="0"/>
-          </a:p>
-          <a:p>
             <a:endParaRPr lang="ko-KR" altLang="en-US" dirty="0"/>
           </a:p>
         </p:txBody>
@@ -5337,7 +3780,7 @@
           <a:p>
             <a:fld id="{C09E5BFC-1559-42F1-8940-AB342D56BF02}" type="slidenum">
               <a:rPr lang="ko-KR" altLang="en-US" smtClean="0"/>
-              <a:t>45</a:t>
+              <a:t>44</a:t>
             </a:fld>
             <a:endParaRPr lang="ko-KR" altLang="en-US"/>
           </a:p>
@@ -5400,35 +3843,6 @@
           <a:bodyPr/>
           <a:lstStyle/>
           <a:p>
-            <a:r>
-              <a:rPr lang="ko-KR" altLang="en-US" dirty="0"/>
-              <a:t>지금은 위 내용을 전혀 모르셔도 괜찮습니다</a:t>
-            </a:r>
-            <a:r>
-              <a:rPr lang="en-US" altLang="ko-KR" dirty="0"/>
-              <a:t>. </a:t>
-            </a:r>
-          </a:p>
-          <a:p>
-            <a:endParaRPr lang="en-US" altLang="ko-KR" dirty="0"/>
-          </a:p>
-          <a:p>
-            <a:r>
-              <a:rPr lang="ko-KR" altLang="en-US" dirty="0"/>
-              <a:t>이런 용어가 있다는 사실을 기억하고</a:t>
-            </a:r>
-            <a:r>
-              <a:rPr lang="en-US" altLang="ko-KR" dirty="0"/>
-              <a:t>, </a:t>
-            </a:r>
-            <a:r>
-              <a:rPr lang="ko-KR" altLang="en-US" dirty="0"/>
-              <a:t>위 내용을 모두 이해할 수 있도록 앞으로 교육을 할 예정입니다</a:t>
-            </a:r>
-            <a:r>
-              <a:rPr lang="en-US" altLang="ko-KR" dirty="0"/>
-              <a:t>.</a:t>
-            </a:r>
             <a:endParaRPr lang="ko-KR" altLang="en-US" dirty="0"/>
           </a:p>
         </p:txBody>
@@ -5440,7 +3854,7 @@
             <a:spLocks noGrp="1"/>
           </p:cNvSpPr>
           <p:nvPr>
-            <p:ph type="sldNum" sz="quarter" idx="5"/>
+            <p:ph type="sldNum" sz="quarter" idx="10"/>
           </p:nvPr>
         </p:nvSpPr>
         <p:spPr/>
@@ -5450,7 +3864,7 @@
           <a:p>
             <a:fld id="{C09E5BFC-1559-42F1-8940-AB342D56BF02}" type="slidenum">
               <a:rPr lang="ko-KR" altLang="en-US" smtClean="0"/>
-              <a:t>5</a:t>
+              <a:t>4</a:t>
             </a:fld>
             <a:endParaRPr lang="ko-KR" altLang="en-US"/>
           </a:p>
@@ -5459,7 +3873,7 @@
     </p:spTree>
     <p:extLst>
       <p:ext uri="{BB962C8B-B14F-4D97-AF65-F5344CB8AC3E}">
-        <p14:creationId xmlns:p14="http://schemas.microsoft.com/office/powerpoint/2010/main" val="1880189942"/>
+        <p14:creationId xmlns:p14="http://schemas.microsoft.com/office/powerpoint/2010/main" val="3570651193"/>
       </p:ext>
     </p:extLst>
   </p:cSld>
@@ -5513,135 +3927,6 @@
           <a:bodyPr/>
           <a:lstStyle/>
           <a:p>
-            <a:r>
-              <a:rPr lang="ko-KR" altLang="en-US" dirty="0"/>
-              <a:t>변수의 이름은 최소 단어 세 글자를 조합하여</a:t>
-            </a:r>
-            <a:r>
-              <a:rPr lang="en-US" altLang="ko-KR" dirty="0"/>
-              <a:t>, </a:t>
-            </a:r>
-          </a:p>
-          <a:p>
-            <a:endParaRPr lang="en-US" altLang="ko-KR" dirty="0"/>
-          </a:p>
-          <a:p>
-            <a:r>
-              <a:rPr lang="ko-KR" altLang="en-US" dirty="0"/>
-              <a:t>예를 들어 로켓이 목적지에 도착하기 까지의 거리를 표현하는 </a:t>
-            </a:r>
-            <a:r>
-              <a:rPr lang="en-US" altLang="ko-KR" dirty="0"/>
-              <a:t>long </a:t>
-            </a:r>
-            <a:r>
-              <a:rPr lang="ko-KR" altLang="en-US" dirty="0"/>
-              <a:t>타입 변수가 있다면</a:t>
-            </a:r>
-            <a:r>
-              <a:rPr lang="en-US" altLang="ko-KR" dirty="0"/>
-              <a:t>, </a:t>
-            </a:r>
-          </a:p>
-          <a:p>
-            <a:endParaRPr lang="en-US" altLang="ko-KR" dirty="0"/>
-          </a:p>
-          <a:p>
-            <a:r>
-              <a:rPr lang="en-US" altLang="ko-KR" dirty="0"/>
-              <a:t>distance: </a:t>
-            </a:r>
-            <a:r>
-              <a:rPr lang="ko-KR" altLang="en-US" dirty="0"/>
-              <a:t>나쁨</a:t>
-            </a:r>
-            <a:endParaRPr lang="en-US" altLang="ko-KR" dirty="0"/>
-          </a:p>
-          <a:p>
-            <a:r>
-              <a:rPr lang="en-US" altLang="ko-KR" dirty="0" err="1"/>
-              <a:t>remainDistance</a:t>
-            </a:r>
-            <a:r>
-              <a:rPr lang="en-US" altLang="ko-KR" dirty="0"/>
-              <a:t>: </a:t>
-            </a:r>
-            <a:r>
-              <a:rPr lang="ko-KR" altLang="en-US" dirty="0"/>
-              <a:t>나쁘지 않음</a:t>
-            </a:r>
-            <a:endParaRPr lang="en-US" altLang="ko-KR" dirty="0"/>
-          </a:p>
-          <a:p>
-            <a:r>
-              <a:rPr lang="en-US" altLang="ko-KR" dirty="0" err="1"/>
-              <a:t>remainDistnace_cm</a:t>
-            </a:r>
-            <a:r>
-              <a:rPr lang="en-US" altLang="ko-KR" dirty="0"/>
-              <a:t>: </a:t>
-            </a:r>
-            <a:r>
-              <a:rPr lang="ko-KR" altLang="en-US" dirty="0"/>
-              <a:t>좋음 </a:t>
-            </a:r>
-            <a:r>
-              <a:rPr lang="en-US" altLang="ko-KR" dirty="0"/>
-              <a:t>(</a:t>
-            </a:r>
-            <a:r>
-              <a:rPr lang="ko-KR" altLang="en-US" dirty="0"/>
-              <a:t>단위가 </a:t>
-            </a:r>
-            <a:r>
-              <a:rPr lang="en-US" altLang="ko-KR" dirty="0"/>
-              <a:t>cm </a:t>
-            </a:r>
-            <a:r>
-              <a:rPr lang="ko-KR" altLang="en-US" dirty="0"/>
-              <a:t>임을 기입</a:t>
-            </a:r>
-            <a:r>
-              <a:rPr lang="en-US" altLang="ko-KR" dirty="0"/>
-              <a:t>) </a:t>
-            </a:r>
-          </a:p>
-          <a:p>
-            <a:endParaRPr lang="en-US" altLang="ko-KR" dirty="0"/>
-          </a:p>
-          <a:p>
-            <a:r>
-              <a:rPr lang="ko-KR" altLang="en-US" dirty="0"/>
-              <a:t>물론</a:t>
-            </a:r>
-            <a:r>
-              <a:rPr lang="en-US" altLang="ko-KR" dirty="0"/>
-              <a:t>, </a:t>
-            </a:r>
-            <a:r>
-              <a:rPr lang="ko-KR" altLang="en-US" dirty="0"/>
-              <a:t>변수명을 복잡하게 짓는 경우는 많지 않지만</a:t>
-            </a:r>
-            <a:r>
-              <a:rPr lang="en-US" altLang="ko-KR" dirty="0"/>
-              <a:t>, </a:t>
-            </a:r>
-            <a:r>
-              <a:rPr lang="ko-KR" altLang="en-US" dirty="0"/>
-              <a:t>이후 클래스</a:t>
-            </a:r>
-            <a:r>
-              <a:rPr lang="en-US" altLang="ko-KR" dirty="0"/>
-              <a:t>, </a:t>
-            </a:r>
-            <a:r>
-              <a:rPr lang="ko-KR" altLang="en-US" dirty="0"/>
-              <a:t>함수 명은 용도에 맞게 고민하여 이름을 지어야 하기 때문에 지금 미리 연습하는 것</a:t>
-            </a:r>
-            <a:r>
-              <a:rPr lang="en-US" altLang="ko-KR" dirty="0"/>
-              <a:t>.</a:t>
-            </a:r>
             <a:endParaRPr lang="ko-KR" altLang="en-US" dirty="0"/>
           </a:p>
         </p:txBody>
@@ -5663,7 +3948,7 @@
           <a:p>
             <a:fld id="{C09E5BFC-1559-42F1-8940-AB342D56BF02}" type="slidenum">
               <a:rPr lang="ko-KR" altLang="en-US" smtClean="0"/>
-              <a:t>46</a:t>
+              <a:t>45</a:t>
             </a:fld>
             <a:endParaRPr lang="ko-KR" altLang="en-US"/>
           </a:p>
@@ -5771,7 +4056,7 @@
           <a:p>
             <a:fld id="{C09E5BFC-1559-42F1-8940-AB342D56BF02}" type="slidenum">
               <a:rPr lang="ko-KR" altLang="en-US" smtClean="0"/>
-              <a:t>47</a:t>
+              <a:t>46</a:t>
             </a:fld>
             <a:endParaRPr lang="ko-KR" altLang="en-US"/>
           </a:p>
@@ -5879,7 +4164,7 @@
           <a:p>
             <a:fld id="{E731A1BA-5463-484A-B77A-5C292E222CA2}" type="slidenum">
               <a:rPr lang="ko-KR" altLang="en-US" smtClean="0"/>
-              <a:t>48</a:t>
+              <a:t>47</a:t>
             </a:fld>
             <a:endParaRPr lang="ko-KR" altLang="en-US" dirty="0"/>
           </a:p>
@@ -6015,7 +4300,7 @@
           <a:p>
             <a:fld id="{E731A1BA-5463-484A-B77A-5C292E222CA2}" type="slidenum">
               <a:rPr lang="ko-KR" altLang="en-US" smtClean="0"/>
-              <a:t>49</a:t>
+              <a:t>48</a:t>
             </a:fld>
             <a:endParaRPr lang="ko-KR" altLang="en-US" dirty="0"/>
           </a:p>
@@ -6123,7 +4408,7 @@
           <a:p>
             <a:fld id="{E731A1BA-5463-484A-B77A-5C292E222CA2}" type="slidenum">
               <a:rPr lang="ko-KR" altLang="en-US" smtClean="0"/>
-              <a:t>50</a:t>
+              <a:t>49</a:t>
             </a:fld>
             <a:endParaRPr lang="ko-KR" altLang="en-US" dirty="0"/>
           </a:p>
@@ -6231,7 +4516,7 @@
           <a:p>
             <a:fld id="{E731A1BA-5463-484A-B77A-5C292E222CA2}" type="slidenum">
               <a:rPr lang="ko-KR" altLang="en-US" smtClean="0"/>
-              <a:t>51</a:t>
+              <a:t>50</a:t>
             </a:fld>
             <a:endParaRPr lang="ko-KR" altLang="en-US" dirty="0"/>
           </a:p>
@@ -6339,7 +4624,7 @@
           <a:p>
             <a:fld id="{E731A1BA-5463-484A-B77A-5C292E222CA2}" type="slidenum">
               <a:rPr lang="ko-KR" altLang="en-US" smtClean="0"/>
-              <a:t>52</a:t>
+              <a:t>51</a:t>
             </a:fld>
             <a:endParaRPr lang="ko-KR" altLang="en-US" dirty="0"/>
           </a:p>
@@ -6437,110 +4722,6 @@
               <a:tabLst/>
               <a:defRPr/>
             </a:pPr>
-            <a:r>
-              <a:rPr lang="en-US" altLang="ko-KR" dirty="0"/>
-              <a:t>|| </a:t>
-            </a:r>
-            <a:r>
-              <a:rPr lang="ko-KR" altLang="en-US" dirty="0"/>
-              <a:t>연산자 모든 값이 </a:t>
-            </a:r>
-            <a:r>
-              <a:rPr lang="en-US" altLang="ko-KR" dirty="0"/>
-              <a:t>false</a:t>
-            </a:r>
-            <a:r>
-              <a:rPr lang="ko-KR" altLang="en-US" dirty="0"/>
-              <a:t>일 때만 </a:t>
-            </a:r>
-            <a:r>
-              <a:rPr lang="en-US" altLang="ko-KR" dirty="0"/>
-              <a:t>false </a:t>
-            </a:r>
-            <a:r>
-              <a:rPr lang="ko-KR" altLang="en-US" dirty="0"/>
-              <a:t>반환</a:t>
-            </a:r>
-          </a:p>
-          <a:p>
-            <a:endParaRPr lang="en-US" altLang="ko-KR" dirty="0"/>
-          </a:p>
-          <a:p>
-            <a:pPr marL="0" marR="0" lvl="0" indent="0" algn="l" defTabSz="914400" rtl="0" eaLnBrk="1" fontAlgn="auto" latinLnBrk="1" hangingPunct="1">
-              <a:lnSpc>
-                <a:spcPct val="100000"/>
-              </a:lnSpc>
-              <a:spcBef>
-                <a:spcPts val="0"/>
-              </a:spcBef>
-              <a:spcAft>
-                <a:spcPts val="0"/>
-              </a:spcAft>
-              <a:buClrTx/>
-              <a:buSzTx/>
-              <a:buFontTx/>
-              <a:buNone/>
-              <a:tabLst/>
-              <a:defRPr/>
-            </a:pPr>
-            <a:r>
-              <a:rPr lang="en-US" altLang="ko-KR" dirty="0"/>
-              <a:t>&amp;&amp; </a:t>
-            </a:r>
-            <a:r>
-              <a:rPr lang="ko-KR" altLang="en-US" dirty="0"/>
-              <a:t>연산자 하나라도 </a:t>
-            </a:r>
-            <a:r>
-              <a:rPr lang="en-US" altLang="ko-KR" dirty="0"/>
-              <a:t>false</a:t>
-            </a:r>
-            <a:r>
-              <a:rPr lang="ko-KR" altLang="en-US" dirty="0"/>
-              <a:t>면 </a:t>
-            </a:r>
-            <a:r>
-              <a:rPr lang="en-US" altLang="ko-KR" dirty="0"/>
-              <a:t>false </a:t>
-            </a:r>
-            <a:r>
-              <a:rPr lang="ko-KR" altLang="en-US" dirty="0"/>
-              <a:t>반환</a:t>
-            </a:r>
-          </a:p>
-          <a:p>
-            <a:endParaRPr lang="en-US" altLang="ko-KR" dirty="0"/>
-          </a:p>
-          <a:p>
-            <a:r>
-              <a:rPr lang="en-US" altLang="ko-KR" dirty="0"/>
-              <a:t>!(</a:t>
-            </a:r>
-            <a:r>
-              <a:rPr lang="ko-KR" altLang="en-US" dirty="0"/>
-              <a:t>부정</a:t>
-            </a:r>
-            <a:r>
-              <a:rPr lang="en-US" altLang="ko-KR" dirty="0"/>
-              <a:t>)</a:t>
-            </a:r>
-            <a:r>
-              <a:rPr lang="ko-KR" altLang="en-US" dirty="0"/>
-              <a:t>연산자</a:t>
-            </a:r>
-            <a:endParaRPr lang="en-US" altLang="ko-KR" dirty="0"/>
-          </a:p>
-          <a:p>
-            <a:endParaRPr lang="en-US" altLang="ko-KR" dirty="0"/>
-          </a:p>
-          <a:p>
-            <a:endParaRPr lang="en-US" altLang="ko-KR" dirty="0"/>
-          </a:p>
-          <a:p>
-            <a:r>
-              <a:rPr lang="ko-KR" altLang="en-US" dirty="0"/>
-              <a:t>여러 조건이 있는 경우 앞에서부터 확인</a:t>
-            </a:r>
             <a:endParaRPr lang="ko-KR" dirty="0"/>
           </a:p>
         </p:txBody>
@@ -6568,7 +4749,7 @@
           <a:p>
             <a:fld id="{E731A1BA-5463-484A-B77A-5C292E222CA2}" type="slidenum">
               <a:rPr lang="ko-KR" altLang="en-US" smtClean="0"/>
-              <a:t>53</a:t>
+              <a:t>52</a:t>
             </a:fld>
             <a:endParaRPr lang="ko-KR" altLang="en-US" dirty="0"/>
           </a:p>
@@ -6693,7 +4874,7 @@
           <a:p>
             <a:fld id="{E731A1BA-5463-484A-B77A-5C292E222CA2}" type="slidenum">
               <a:rPr lang="ko-KR" altLang="en-US" smtClean="0"/>
-              <a:t>54</a:t>
+              <a:t>53</a:t>
             </a:fld>
             <a:endParaRPr lang="ko-KR" altLang="en-US" dirty="0"/>
           </a:p>
@@ -6777,6 +4958,90 @@
           <a:p>
             <a:fld id="{C09E5BFC-1559-42F1-8940-AB342D56BF02}" type="slidenum">
               <a:rPr lang="ko-KR" altLang="en-US" smtClean="0"/>
+              <a:t>5</a:t>
+            </a:fld>
+            <a:endParaRPr lang="ko-KR" altLang="en-US"/>
+          </a:p>
+        </p:txBody>
+      </p:sp>
+    </p:spTree>
+    <p:extLst>
+      <p:ext uri="{BB962C8B-B14F-4D97-AF65-F5344CB8AC3E}">
+        <p14:creationId xmlns:p14="http://schemas.microsoft.com/office/powerpoint/2010/main" val="1880189942"/>
+      </p:ext>
+    </p:extLst>
+  </p:cSld>
+  <p:clrMapOvr>
+    <a:masterClrMapping/>
+  </p:clrMapOvr>
+</p:notes>
+</file>
+
+<file path=ppt/notesSlides/notesSlide6.xml><?xml version="1.0" encoding="utf-8"?>
+<p:notes xmlns:a="http://schemas.openxmlformats.org/drawingml/2006/main" xmlns:r="http://schemas.openxmlformats.org/officeDocument/2006/relationships" xmlns:p="http://schemas.openxmlformats.org/presentationml/2006/main">
+  <p:cSld>
+    <p:spTree>
+      <p:nvGrpSpPr>
+        <p:cNvPr id="1" name=""/>
+        <p:cNvGrpSpPr/>
+        <p:nvPr/>
+      </p:nvGrpSpPr>
+      <p:grpSpPr>
+        <a:xfrm>
+          <a:off x="0" y="0"/>
+          <a:ext cx="0" cy="0"/>
+          <a:chOff x="0" y="0"/>
+          <a:chExt cx="0" cy="0"/>
+        </a:xfrm>
+      </p:grpSpPr>
+      <p:sp>
+        <p:nvSpPr>
+          <p:cNvPr id="2" name="슬라이드 이미지 개체 틀 1"/>
+          <p:cNvSpPr>
+            <a:spLocks noGrp="1" noRot="1" noChangeAspect="1"/>
+          </p:cNvSpPr>
+          <p:nvPr>
+            <p:ph type="sldImg"/>
+          </p:nvPr>
+        </p:nvSpPr>
+        <p:spPr/>
+      </p:sp>
+      <p:sp>
+        <p:nvSpPr>
+          <p:cNvPr id="3" name="슬라이드 노트 개체 틀 2"/>
+          <p:cNvSpPr>
+            <a:spLocks noGrp="1"/>
+          </p:cNvSpPr>
+          <p:nvPr>
+            <p:ph type="body" idx="1"/>
+          </p:nvPr>
+        </p:nvSpPr>
+        <p:spPr/>
+        <p:txBody>
+          <a:bodyPr/>
+          <a:lstStyle/>
+          <a:p>
+            <a:endParaRPr lang="ko-KR" altLang="en-US" dirty="0"/>
+          </a:p>
+        </p:txBody>
+      </p:sp>
+      <p:sp>
+        <p:nvSpPr>
+          <p:cNvPr id="4" name="슬라이드 번호 개체 틀 3"/>
+          <p:cNvSpPr>
+            <a:spLocks noGrp="1"/>
+          </p:cNvSpPr>
+          <p:nvPr>
+            <p:ph type="sldNum" sz="quarter" idx="5"/>
+          </p:nvPr>
+        </p:nvSpPr>
+        <p:spPr/>
+        <p:txBody>
+          <a:bodyPr/>
+          <a:lstStyle/>
+          <a:p>
+            <a:fld id="{C09E5BFC-1559-42F1-8940-AB342D56BF02}" type="slidenum">
+              <a:rPr lang="ko-KR" altLang="en-US" smtClean="0"/>
               <a:t>6</a:t>
             </a:fld>
             <a:endParaRPr lang="ko-KR" altLang="en-US"/>
@@ -6796,7 +5061,7 @@
 </p:notes>
 </file>
 
-<file path=ppt/notesSlides/notesSlide6.xml><?xml version="1.0" encoding="utf-8"?>
+<file path=ppt/notesSlides/notesSlide7.xml><?xml version="1.0" encoding="utf-8"?>
 <p:notes xmlns:a="http://schemas.openxmlformats.org/drawingml/2006/main" xmlns:r="http://schemas.openxmlformats.org/officeDocument/2006/relationships" xmlns:p="http://schemas.openxmlformats.org/presentationml/2006/main">
   <p:cSld>
     <p:spTree>
@@ -6904,7 +5169,7 @@
 </p:notes>
 </file>
 
-<file path=ppt/notesSlides/notesSlide7.xml><?xml version="1.0" encoding="utf-8"?>
+<file path=ppt/notesSlides/notesSlide8.xml><?xml version="1.0" encoding="utf-8"?>
 <p:notes xmlns:a="http://schemas.openxmlformats.org/drawingml/2006/main" xmlns:r="http://schemas.openxmlformats.org/officeDocument/2006/relationships" xmlns:p="http://schemas.openxmlformats.org/presentationml/2006/main">
   <p:cSld>
     <p:spTree>
@@ -7012,7 +5277,7 @@
 </p:notes>
 </file>
 
-<file path=ppt/notesSlides/notesSlide8.xml><?xml version="1.0" encoding="utf-8"?>
+<file path=ppt/notesSlides/notesSlide9.xml><?xml version="1.0" encoding="utf-8"?>
 <p:notes xmlns:a="http://schemas.openxmlformats.org/drawingml/2006/main" xmlns:r="http://schemas.openxmlformats.org/officeDocument/2006/relationships" xmlns:p="http://schemas.openxmlformats.org/presentationml/2006/main">
   <p:cSld>
     <p:spTree>
@@ -7074,139 +5339,6 @@
           <a:bodyPr/>
           <a:lstStyle/>
           <a:p>
-            <a:r>
-              <a:rPr lang="en-US" altLang="ko-KR" dirty="0"/>
-              <a:t>“B80OlI1” </a:t>
-            </a:r>
-            <a:r>
-              <a:rPr lang="ko-KR" altLang="en-US" dirty="0"/>
-              <a:t>이런 문자들을 쉽게 구분할 수 있어야 한다</a:t>
-            </a:r>
-            <a:r>
-              <a:rPr lang="en-US" altLang="ko-KR" dirty="0"/>
-              <a:t>.</a:t>
-            </a:r>
-          </a:p>
-          <a:p>
-            <a:r>
-              <a:rPr lang="ko-KR" altLang="en-US" dirty="0"/>
-              <a:t>이런 문자들이 확실히 구분되도록 만들어진 폰트를 사용해야 코딩 오류를 줄일 수 있다</a:t>
-            </a:r>
-            <a:r>
-              <a:rPr lang="en-US" altLang="ko-KR" dirty="0"/>
-              <a:t>.</a:t>
-            </a:r>
-          </a:p>
-          <a:p>
-            <a:endParaRPr lang="en-US" altLang="ko-KR" dirty="0"/>
-          </a:p>
-          <a:p>
-            <a:r>
-              <a:rPr lang="ko-KR" altLang="en-US" dirty="0"/>
-              <a:t>모두 </a:t>
-            </a:r>
-            <a:r>
-              <a:rPr lang="ko-KR" altLang="en-US" b="1" dirty="0"/>
-              <a:t>문자 폭이 일정한 </a:t>
-            </a:r>
-            <a:r>
-              <a:rPr lang="en-US" altLang="ko-KR" b="1" dirty="0"/>
-              <a:t>Mono </a:t>
-            </a:r>
-            <a:r>
-              <a:rPr lang="ko-KR" altLang="en-US" b="1" dirty="0"/>
-              <a:t>타입 폰트</a:t>
-            </a:r>
-            <a:endParaRPr lang="en-US" altLang="ko-KR" b="1" dirty="0"/>
-          </a:p>
-          <a:p>
-            <a:pPr>
-              <a:buNone/>
-            </a:pPr>
-            <a:r>
-              <a:rPr lang="ko-KR" altLang="en-US" dirty="0"/>
-              <a:t>📌 </a:t>
-            </a:r>
-            <a:r>
-              <a:rPr lang="ko-KR" altLang="en-US" b="1" dirty="0" err="1"/>
-              <a:t>모노스페이스</a:t>
-            </a:r>
-            <a:r>
-              <a:rPr lang="en-US" altLang="ko-KR" b="1" dirty="0"/>
-              <a:t>(Monospace)</a:t>
-            </a:r>
-            <a:r>
-              <a:rPr lang="ko-KR" altLang="en-US" dirty="0"/>
-              <a:t> </a:t>
-            </a:r>
-            <a:r>
-              <a:rPr lang="ko-KR" altLang="en-US" dirty="0" err="1"/>
-              <a:t>폰트란</a:t>
-            </a:r>
-            <a:r>
-              <a:rPr lang="en-US" altLang="ko-KR" dirty="0"/>
-              <a:t>?</a:t>
-            </a:r>
-          </a:p>
-          <a:p>
-            <a:r>
-              <a:rPr lang="ko-KR" altLang="en-US" dirty="0"/>
-              <a:t>각 문자가 같은 너비를 가지는 글꼴입니다</a:t>
-            </a:r>
-            <a:r>
-              <a:rPr lang="en-US" altLang="ko-KR" dirty="0"/>
-              <a:t>.</a:t>
-            </a:r>
-            <a:br>
-              <a:rPr lang="en-US" altLang="ko-KR" dirty="0"/>
-            </a:br>
-            <a:r>
-              <a:rPr lang="en-US" altLang="ko-KR" dirty="0"/>
-              <a:t>→ </a:t>
-            </a:r>
-            <a:r>
-              <a:rPr lang="ko-KR" altLang="en-US" dirty="0"/>
-              <a:t>코드의 줄 정렬</a:t>
-            </a:r>
-            <a:r>
-              <a:rPr lang="en-US" altLang="ko-KR" dirty="0"/>
-              <a:t>, </a:t>
-            </a:r>
-            <a:r>
-              <a:rPr lang="ko-KR" altLang="en-US" dirty="0"/>
-              <a:t>변수 명 구분 등이 더 정확하고 예쁩니다</a:t>
-            </a:r>
-            <a:r>
-              <a:rPr lang="en-US" altLang="ko-KR" dirty="0"/>
-              <a:t>.</a:t>
-            </a:r>
-          </a:p>
-          <a:p>
-            <a:endParaRPr lang="en-US" altLang="ko-KR" dirty="0"/>
-          </a:p>
-          <a:p>
-            <a:r>
-              <a:rPr lang="ko-KR" altLang="en-US" dirty="0"/>
-              <a:t>샘플코드를 보면</a:t>
-            </a:r>
-            <a:r>
-              <a:rPr lang="en-US" altLang="ko-KR" dirty="0"/>
-              <a:t>, </a:t>
-            </a:r>
-            <a:r>
-              <a:rPr lang="ko-KR" altLang="en-US" dirty="0"/>
-              <a:t>어떤 폰트를 썼을 때 글자들이 구분되는지 확인할 수 있음</a:t>
-            </a:r>
-            <a:r>
-              <a:rPr lang="en-US" altLang="ko-KR" dirty="0"/>
-              <a:t>!</a:t>
-            </a:r>
-            <a:br>
-              <a:rPr lang="en-US" altLang="ko-KR" dirty="0"/>
-            </a:br>
-            <a:br>
-              <a:rPr lang="en-US" altLang="ko-KR" dirty="0"/>
-            </a:br>
             <a:endParaRPr lang="ko-KR" altLang="en-US" dirty="0"/>
           </a:p>
         </p:txBody>
@@ -7244,341 +5376,6 @@
     <p:extLst>
       <p:ext uri="{BB962C8B-B14F-4D97-AF65-F5344CB8AC3E}">
         <p14:creationId xmlns:p14="http://schemas.microsoft.com/office/powerpoint/2010/main" val="358217157"/>
-      </p:ext>
-    </p:extLst>
-  </p:cSld>
-  <p:clrMapOvr>
-    <a:masterClrMapping/>
-  </p:clrMapOvr>
-</p:notes>
-</file>
-
-<file path=ppt/notesSlides/notesSlide9.xml><?xml version="1.0" encoding="utf-8"?>
-<p:notes xmlns:a="http://schemas.openxmlformats.org/drawingml/2006/main" xmlns:r="http://schemas.openxmlformats.org/officeDocument/2006/relationships" xmlns:p="http://schemas.openxmlformats.org/presentationml/2006/main">
-  <p:cSld>
-    <p:spTree>
-      <p:nvGrpSpPr>
-        <p:cNvPr id="1" name=""/>
-        <p:cNvGrpSpPr/>
-        <p:nvPr/>
-      </p:nvGrpSpPr>
-      <p:grpSpPr>
-        <a:xfrm>
-          <a:off x="0" y="0"/>
-          <a:ext cx="0" cy="0"/>
-          <a:chOff x="0" y="0"/>
-          <a:chExt cx="0" cy="0"/>
-        </a:xfrm>
-      </p:grpSpPr>
-      <p:sp>
-        <p:nvSpPr>
-          <p:cNvPr id="2" name="슬라이드 이미지 개체 틀 1"/>
-          <p:cNvSpPr>
-            <a:spLocks noGrp="1" noRot="1" noChangeAspect="1"/>
-          </p:cNvSpPr>
-          <p:nvPr>
-            <p:ph type="sldImg"/>
-          </p:nvPr>
-        </p:nvSpPr>
-        <p:spPr/>
-      </p:sp>
-      <p:sp>
-        <p:nvSpPr>
-          <p:cNvPr id="3" name="슬라이드 노트 개체 틀 2"/>
-          <p:cNvSpPr>
-            <a:spLocks noGrp="1"/>
-          </p:cNvSpPr>
-          <p:nvPr>
-            <p:ph type="body" idx="1"/>
-          </p:nvPr>
-        </p:nvSpPr>
-        <p:spPr/>
-        <p:txBody>
-          <a:bodyPr/>
-          <a:lstStyle/>
-          <a:p>
-            <a:r>
-              <a:rPr lang="en-US" altLang="ko-KR" b="1" dirty="0"/>
-              <a:t>Scope</a:t>
-            </a:r>
-            <a:r>
-              <a:rPr lang="ko-KR" altLang="en-US" dirty="0"/>
-              <a:t>란</a:t>
-            </a:r>
-            <a:r>
-              <a:rPr lang="en-US" altLang="ko-KR" dirty="0"/>
-              <a:t>, </a:t>
-            </a:r>
-            <a:r>
-              <a:rPr lang="ko-KR" altLang="en-US" dirty="0"/>
-              <a:t>코드가 </a:t>
-            </a:r>
-            <a:r>
-              <a:rPr lang="ko-KR" altLang="en-US" b="1" dirty="0"/>
-              <a:t>어느 범위 안에서 유효하게 동작하는지</a:t>
-            </a:r>
-            <a:r>
-              <a:rPr lang="ko-KR" altLang="en-US" dirty="0"/>
-              <a:t>를 의미</a:t>
-            </a:r>
-            <a:r>
-              <a:rPr lang="en-US" altLang="ko-KR" dirty="0"/>
-              <a:t>.</a:t>
-            </a:r>
-            <a:br>
-              <a:rPr lang="en-US" altLang="ko-KR" dirty="0"/>
-            </a:br>
-            <a:br>
-              <a:rPr lang="en-US" altLang="ko-KR" dirty="0"/>
-            </a:br>
-            <a:r>
-              <a:rPr lang="ko-KR" altLang="en-US" dirty="0"/>
-              <a:t>지금은 클래스와 함수를 배우지 않았기 때문에 앞에 파란색으로 </a:t>
-            </a:r>
-            <a:r>
-              <a:rPr lang="en-US" altLang="ko-KR" dirty="0"/>
-              <a:t>class</a:t>
-            </a:r>
-            <a:r>
-              <a:rPr lang="ko-KR" altLang="en-US" dirty="0"/>
-              <a:t>가 </a:t>
-            </a:r>
-            <a:r>
-              <a:rPr lang="ko-KR" altLang="en-US" dirty="0" err="1"/>
-              <a:t>적혀있으면</a:t>
-            </a:r>
-            <a:r>
-              <a:rPr lang="ko-KR" altLang="en-US" dirty="0"/>
-              <a:t> </a:t>
-            </a:r>
-            <a:r>
-              <a:rPr lang="en-US" altLang="ko-KR" dirty="0"/>
-              <a:t>class, </a:t>
-            </a:r>
-            <a:r>
-              <a:rPr lang="ko-KR" altLang="en-US" dirty="0"/>
-              <a:t>없으면 함수 정도로 이해해도 무방합니다</a:t>
-            </a:r>
-            <a:r>
-              <a:rPr lang="en-US" altLang="ko-KR" dirty="0"/>
-              <a:t>.</a:t>
-            </a:r>
-          </a:p>
-          <a:p>
-            <a:endParaRPr lang="en-US" altLang="ko-KR" dirty="0"/>
-          </a:p>
-          <a:p>
-            <a:r>
-              <a:rPr lang="ko-KR" altLang="en-US" dirty="0"/>
-              <a:t>그래도</a:t>
-            </a:r>
-            <a:r>
-              <a:rPr lang="en-US" altLang="ko-KR" dirty="0"/>
-              <a:t> </a:t>
-            </a:r>
-            <a:r>
-              <a:rPr lang="ko-KR" altLang="en-US" dirty="0"/>
-              <a:t>살짝 설명을 하고 넘어가자면</a:t>
-            </a:r>
-            <a:r>
-              <a:rPr lang="en-US" altLang="ko-KR" dirty="0"/>
-              <a:t>, </a:t>
-            </a:r>
-          </a:p>
-          <a:p>
-            <a:endParaRPr lang="en-US" altLang="ko-KR" dirty="0"/>
-          </a:p>
-          <a:p>
-            <a:r>
-              <a:rPr lang="en-US" altLang="ko-KR" dirty="0"/>
-              <a:t>C#</a:t>
-            </a:r>
-            <a:r>
-              <a:rPr lang="ko-KR" altLang="en-US" dirty="0"/>
-              <a:t>을 포함한 대부분의 프로그래밍 언어들은 만들고자 하는 기능을 아주 작은 단위로 쪼개서 개발을 합니다</a:t>
-            </a:r>
-            <a:r>
-              <a:rPr lang="en-US" altLang="ko-KR" dirty="0"/>
-              <a:t>.</a:t>
-            </a:r>
-          </a:p>
-          <a:p>
-            <a:endParaRPr lang="en-US" altLang="ko-KR" dirty="0"/>
-          </a:p>
-          <a:p>
-            <a:r>
-              <a:rPr lang="ko-KR" altLang="en-US" dirty="0"/>
-              <a:t>예를 들면 계산기를 만들 때</a:t>
-            </a:r>
-            <a:r>
-              <a:rPr lang="en-US" altLang="ko-KR" dirty="0"/>
-              <a:t>, </a:t>
-            </a:r>
-            <a:r>
-              <a:rPr lang="ko-KR" altLang="en-US" dirty="0"/>
-              <a:t>계산기에 들어있는 모든 기능을 각각 쪼개서 덧셈</a:t>
-            </a:r>
-            <a:r>
-              <a:rPr lang="en-US" altLang="ko-KR" dirty="0"/>
-              <a:t>, </a:t>
-            </a:r>
-            <a:r>
-              <a:rPr lang="ko-KR" altLang="en-US" dirty="0"/>
-              <a:t>뺄셈</a:t>
-            </a:r>
-            <a:r>
-              <a:rPr lang="en-US" altLang="ko-KR" dirty="0"/>
-              <a:t>, </a:t>
-            </a:r>
-            <a:r>
-              <a:rPr lang="ko-KR" altLang="en-US" dirty="0"/>
-              <a:t>곱셈 등 가능한 작은 기능으로 나눠서 각각 개발을 하는데</a:t>
-            </a:r>
-            <a:r>
-              <a:rPr lang="en-US" altLang="ko-KR" dirty="0"/>
-              <a:t>, </a:t>
-            </a:r>
-          </a:p>
-          <a:p>
-            <a:endParaRPr lang="en-US" altLang="ko-KR" dirty="0"/>
-          </a:p>
-          <a:p>
-            <a:r>
-              <a:rPr lang="ko-KR" altLang="en-US" dirty="0"/>
-              <a:t>이런 작은 하나의 기능을 </a:t>
-            </a:r>
-            <a:r>
-              <a:rPr lang="en-US" altLang="ko-KR" dirty="0"/>
-              <a:t>"</a:t>
-            </a:r>
-            <a:r>
-              <a:rPr lang="ko-KR" altLang="en-US" dirty="0"/>
-              <a:t>함수</a:t>
-            </a:r>
-            <a:r>
-              <a:rPr lang="en-US" altLang="ko-KR" dirty="0"/>
-              <a:t>" </a:t>
-            </a:r>
-            <a:r>
-              <a:rPr lang="ko-KR" altLang="en-US" dirty="0"/>
-              <a:t>라는 것으로 만들고</a:t>
-            </a:r>
-            <a:r>
-              <a:rPr lang="en-US" altLang="ko-KR" dirty="0"/>
-              <a:t>, </a:t>
-            </a:r>
-            <a:r>
-              <a:rPr lang="ko-KR" altLang="en-US" dirty="0"/>
-              <a:t>비슷한 성격의 함수들을 모아서 클래스라는 상위 개념을 만듭니다</a:t>
-            </a:r>
-            <a:r>
-              <a:rPr lang="en-US" altLang="ko-KR" dirty="0"/>
-              <a:t>. </a:t>
-            </a:r>
-          </a:p>
-          <a:p>
-            <a:endParaRPr lang="en-US" altLang="ko-KR" dirty="0"/>
-          </a:p>
-          <a:p>
-            <a:r>
-              <a:rPr lang="ko-KR" altLang="en-US" dirty="0"/>
-              <a:t>즉</a:t>
-            </a:r>
-            <a:r>
-              <a:rPr lang="en-US" altLang="ko-KR" dirty="0"/>
-              <a:t>, </a:t>
-            </a:r>
-            <a:r>
-              <a:rPr lang="ko-KR" altLang="en-US" dirty="0"/>
-              <a:t>위 소스코드에서는 </a:t>
-            </a:r>
-            <a:r>
-              <a:rPr lang="en-US" altLang="ko-KR" dirty="0"/>
-              <a:t>Form1 (</a:t>
-            </a:r>
-            <a:r>
-              <a:rPr lang="ko-KR" altLang="en-US" dirty="0"/>
-              <a:t>윈도우 화면 </a:t>
-            </a:r>
-            <a:r>
-              <a:rPr lang="en-US" altLang="ko-KR" dirty="0"/>
-              <a:t>1) </a:t>
-            </a:r>
-            <a:r>
-              <a:rPr lang="ko-KR" altLang="en-US" dirty="0"/>
-              <a:t>이라는 클래스 안에 같은 이름으로 된 함수가 하나 있다고 볼 수 있죠</a:t>
-            </a:r>
-            <a:r>
-              <a:rPr lang="en-US" altLang="ko-KR" dirty="0"/>
-              <a:t>.</a:t>
-            </a:r>
-          </a:p>
-          <a:p>
-            <a:endParaRPr lang="en-US" altLang="ko-KR" dirty="0"/>
-          </a:p>
-          <a:p>
-            <a:r>
-              <a:rPr lang="ko-KR" altLang="en-US" dirty="0"/>
-              <a:t>이런 작은 단위의 묶음 또는 기능을 표현할 때 중괄호</a:t>
-            </a:r>
-            <a:r>
-              <a:rPr lang="en-US" altLang="ko-KR" dirty="0"/>
-              <a:t> {, } </a:t>
-            </a:r>
-            <a:r>
-              <a:rPr lang="ko-KR" altLang="en-US" dirty="0"/>
-              <a:t>를 사용하며</a:t>
-            </a:r>
-            <a:r>
-              <a:rPr lang="en-US" altLang="ko-KR" dirty="0"/>
-              <a:t>, </a:t>
-            </a:r>
-            <a:r>
-              <a:rPr lang="ko-KR" altLang="en-US" dirty="0"/>
-              <a:t>수학의 소괄호 </a:t>
-            </a:r>
-            <a:r>
-              <a:rPr lang="en-US" altLang="ko-KR" dirty="0"/>
-              <a:t>(, ) </a:t>
-            </a:r>
-            <a:r>
-              <a:rPr lang="ko-KR" altLang="en-US" dirty="0"/>
-              <a:t>와 어느정도 비슷한 역할을 한다고 할 수 있습니다</a:t>
-            </a:r>
-            <a:r>
-              <a:rPr lang="en-US" altLang="ko-KR" dirty="0"/>
-              <a:t>. </a:t>
-            </a:r>
-          </a:p>
-        </p:txBody>
-      </p:sp>
-      <p:sp>
-        <p:nvSpPr>
-          <p:cNvPr id="4" name="슬라이드 번호 개체 틀 3"/>
-          <p:cNvSpPr>
-            <a:spLocks noGrp="1"/>
-          </p:cNvSpPr>
-          <p:nvPr>
-            <p:ph type="sldNum" sz="quarter" idx="5"/>
-          </p:nvPr>
-        </p:nvSpPr>
-        <p:spPr/>
-        <p:txBody>
-          <a:bodyPr/>
-          <a:lstStyle/>
-          <a:p>
-            <a:fld id="{C09E5BFC-1559-42F1-8940-AB342D56BF02}" type="slidenum">
-              <a:rPr lang="ko-KR" altLang="en-US" smtClean="0"/>
-              <a:t>10</a:t>
-            </a:fld>
-            <a:endParaRPr lang="ko-KR" altLang="en-US"/>
-          </a:p>
-        </p:txBody>
-      </p:sp>
-    </p:spTree>
-    <p:extLst>
-      <p:ext uri="{BB962C8B-B14F-4D97-AF65-F5344CB8AC3E}">
-        <p14:creationId xmlns:p14="http://schemas.microsoft.com/office/powerpoint/2010/main" val="3035541545"/>
       </p:ext>
     </p:extLst>
   </p:cSld>
@@ -7729,7 +5526,7 @@
           <a:p>
             <a:fld id="{442BEE3F-2E9A-4FD8-8B8A-8619F3E161C0}" type="datetime1">
               <a:rPr lang="ko-KR" altLang="en-US" smtClean="0"/>
-              <a:t>2025-04-25</a:t>
+              <a:t>2025-06-08</a:t>
             </a:fld>
             <a:endParaRPr lang="ko-KR" altLang="en-US"/>
           </a:p>
@@ -7915,7 +5712,7 @@
           <a:p>
             <a:fld id="{2EAE422B-0E68-47B5-84BB-CA2BDA8EE46C}" type="datetime1">
               <a:rPr lang="ko-KR" altLang="en-US" smtClean="0"/>
-              <a:t>2025-04-25</a:t>
+              <a:t>2025-06-08</a:t>
             </a:fld>
             <a:endParaRPr lang="ko-KR" altLang="en-US"/>
           </a:p>
@@ -8123,7 +5920,7 @@
           <a:p>
             <a:fld id="{AF7C623F-179B-417F-99B6-50F6DF228D4B}" type="datetime1">
               <a:rPr lang="ko-KR" altLang="en-US" smtClean="0"/>
-              <a:t>2025-04-25</a:t>
+              <a:t>2025-06-08</a:t>
             </a:fld>
             <a:endParaRPr lang="ko-KR" altLang="en-US"/>
           </a:p>
@@ -8236,7 +6033,7 @@
           <a:p>
             <a:fld id="{0E19CB95-6D28-40F1-9DA3-1BAC5D4B5B4F}" type="datetime6">
               <a:rPr lang="ko-KR" altLang="en-US" smtClean="0"/>
-              <a:t>2025년 4월</a:t>
+              <a:t>2025년 6월</a:t>
             </a:fld>
             <a:endParaRPr lang="ko-KR" altLang="en-US"/>
           </a:p>
@@ -8562,7 +6359,7 @@
           <a:p>
             <a:fld id="{0F78D9C4-20C1-4B15-A116-16DC77AD9A1E}" type="datetime1">
               <a:rPr lang="ko-KR" altLang="en-US" smtClean="0"/>
-              <a:t>2025-04-25</a:t>
+              <a:t>2025-06-08</a:t>
             </a:fld>
             <a:endParaRPr lang="ko-KR" altLang="en-US"/>
           </a:p>
@@ -8837,7 +6634,7 @@
           <a:p>
             <a:fld id="{C7F43723-C509-4DEA-8428-B50818F79709}" type="datetime1">
               <a:rPr lang="ko-KR" altLang="en-US" smtClean="0"/>
-              <a:t>2025-04-25</a:t>
+              <a:t>2025-06-08</a:t>
             </a:fld>
             <a:endParaRPr lang="ko-KR" altLang="en-US"/>
           </a:p>
@@ -9102,7 +6899,7 @@
           <a:p>
             <a:fld id="{5D2B7482-EE74-4DBD-97F4-D0DAC0C0E4E5}" type="datetime1">
               <a:rPr lang="ko-KR" altLang="en-US" smtClean="0"/>
-              <a:t>2025-04-25</a:t>
+              <a:t>2025-06-08</a:t>
             </a:fld>
             <a:endParaRPr lang="ko-KR" altLang="en-US"/>
           </a:p>
@@ -9515,7 +7312,7 @@
           <a:p>
             <a:fld id="{051A8C49-CED7-4A86-9B4A-621D7F62EE92}" type="datetime1">
               <a:rPr lang="ko-KR" altLang="en-US" smtClean="0"/>
-              <a:t>2025-04-25</a:t>
+              <a:t>2025-06-08</a:t>
             </a:fld>
             <a:endParaRPr lang="ko-KR" altLang="en-US"/>
           </a:p>
@@ -9662,7 +7459,7 @@
           <a:p>
             <a:fld id="{84082D76-7079-412D-848B-E1B9E7A6A286}" type="datetime1">
               <a:rPr lang="ko-KR" altLang="en-US" smtClean="0"/>
-              <a:t>2025-04-25</a:t>
+              <a:t>2025-06-08</a:t>
             </a:fld>
             <a:endParaRPr lang="ko-KR" altLang="en-US"/>
           </a:p>
@@ -9775,7 +7572,7 @@
           <a:p>
             <a:fld id="{10C5FEB5-5F88-4F49-9108-1795E314F09F}" type="datetime1">
               <a:rPr lang="ko-KR" altLang="en-US" smtClean="0"/>
-              <a:t>2025-04-25</a:t>
+              <a:t>2025-06-08</a:t>
             </a:fld>
             <a:endParaRPr lang="ko-KR" altLang="en-US"/>
           </a:p>
@@ -10086,7 +7883,7 @@
           <a:p>
             <a:fld id="{E37ABBEE-D8D4-48AD-9887-4DC578B8A684}" type="datetime1">
               <a:rPr lang="ko-KR" altLang="en-US" smtClean="0"/>
-              <a:t>2025-04-25</a:t>
+              <a:t>2025-06-08</a:t>
             </a:fld>
             <a:endParaRPr lang="ko-KR" altLang="en-US"/>
           </a:p>
@@ -10377,7 +8174,7 @@
           <a:p>
             <a:fld id="{A2D6A55C-F3DD-45DD-9D50-F8680410167D}" type="datetime1">
               <a:rPr lang="ko-KR" altLang="en-US" smtClean="0"/>
-              <a:t>2025-04-25</a:t>
+              <a:t>2025-06-08</a:t>
             </a:fld>
             <a:endParaRPr lang="ko-KR" altLang="en-US"/>
           </a:p>
@@ -10621,7 +8418,7 @@
             <a:fld id="{7F5E23C3-0E3D-4E4E-8486-D7FB4C073DC1}" type="datetime1">
               <a:rPr lang="ko-KR" altLang="en-US" smtClean="0"/>
               <a:pPr/>
-              <a:t>2025-04-25</a:t>
+              <a:t>2025-06-08</a:t>
             </a:fld>
             <a:endParaRPr lang="ko-KR" altLang="en-US" dirty="0"/>
           </a:p>
@@ -11148,7 +8945,7 @@
           <a:p>
             <a:fld id="{2E2BEDFA-D8AA-4914-9440-7DF713C99FA9}" type="datetime1">
               <a:rPr lang="ko-KR" altLang="en-US" smtClean="0"/>
-              <a:t>2025-04-25</a:t>
+              <a:t>2025-06-08</a:t>
             </a:fld>
             <a:endParaRPr lang="ko-KR" altLang="en-US"/>
           </a:p>
@@ -11317,7 +9114,7 @@
           <a:p>
             <a:fld id="{0F78D9C4-20C1-4B15-A116-16DC77AD9A1E}" type="datetime1">
               <a:rPr lang="ko-KR" altLang="en-US" smtClean="0"/>
-              <a:t>2025-04-25</a:t>
+              <a:t>2025-06-08</a:t>
             </a:fld>
             <a:endParaRPr lang="ko-KR" altLang="en-US"/>
           </a:p>
@@ -12373,7 +10170,7 @@
           <a:p>
             <a:fld id="{0F78D9C4-20C1-4B15-A116-16DC77AD9A1E}" type="datetime1">
               <a:rPr lang="ko-KR" altLang="en-US" smtClean="0"/>
-              <a:t>2025-04-25</a:t>
+              <a:t>2025-06-08</a:t>
             </a:fld>
             <a:endParaRPr lang="ko-KR" altLang="en-US"/>
           </a:p>
@@ -12758,7 +10555,7 @@
           <a:p>
             <a:fld id="{2E2BEDFA-D8AA-4914-9440-7DF713C99FA9}" type="datetime1">
               <a:rPr lang="ko-KR" altLang="en-US" smtClean="0"/>
-              <a:t>2025-04-25</a:t>
+              <a:t>2025-06-08</a:t>
             </a:fld>
             <a:endParaRPr lang="ko-KR" altLang="en-US"/>
           </a:p>
@@ -12846,7 +10643,7 @@
           <a:p>
             <a:fld id="{0E19CB95-6D28-40F1-9DA3-1BAC5D4B5B4F}" type="datetime6">
               <a:rPr lang="ko-KR" altLang="en-US" smtClean="0"/>
-              <a:t>2025년 4월</a:t>
+              <a:t>2025년 6월</a:t>
             </a:fld>
             <a:endParaRPr lang="ko-KR" altLang="en-US"/>
           </a:p>
@@ -13009,7 +10806,7 @@
           <a:p>
             <a:fld id="{3C9CE3CE-253F-4F9D-BA15-C226C8D8501E}" type="datetime6">
               <a:rPr lang="ko-KR" altLang="en-US" smtClean="0"/>
-              <a:t>2025년 4월</a:t>
+              <a:t>2025년 6월</a:t>
             </a:fld>
             <a:endParaRPr lang="ko-KR" altLang="en-US"/>
           </a:p>
@@ -13134,7 +10931,7 @@
           <a:p>
             <a:fld id="{3C9CE3CE-253F-4F9D-BA15-C226C8D8501E}" type="datetime6">
               <a:rPr lang="ko-KR" altLang="en-US" smtClean="0"/>
-              <a:t>2025년 4월</a:t>
+              <a:t>2025년 6월</a:t>
             </a:fld>
             <a:endParaRPr lang="ko-KR" altLang="en-US"/>
           </a:p>
@@ -13389,7 +11186,7 @@
           <a:p>
             <a:fld id="{3C9CE3CE-253F-4F9D-BA15-C226C8D8501E}" type="datetime6">
               <a:rPr lang="ko-KR" altLang="en-US" smtClean="0"/>
-              <a:t>2025년 4월</a:t>
+              <a:t>2025년 6월</a:t>
             </a:fld>
             <a:endParaRPr lang="ko-KR" altLang="en-US"/>
           </a:p>
@@ -13707,7 +11504,7 @@
           <a:p>
             <a:fld id="{3C9CE3CE-253F-4F9D-BA15-C226C8D8501E}" type="datetime6">
               <a:rPr lang="ko-KR" altLang="en-US" smtClean="0"/>
-              <a:t>2025년 4월</a:t>
+              <a:t>2025년 6월</a:t>
             </a:fld>
             <a:endParaRPr lang="ko-KR" altLang="en-US"/>
           </a:p>
@@ -13899,7 +11696,7 @@
           <a:p>
             <a:fld id="{3C9CE3CE-253F-4F9D-BA15-C226C8D8501E}" type="datetime6">
               <a:rPr lang="ko-KR" altLang="en-US" smtClean="0"/>
-              <a:t>2025년 4월</a:t>
+              <a:t>2025년 6월</a:t>
             </a:fld>
             <a:endParaRPr lang="ko-KR" altLang="en-US"/>
           </a:p>
@@ -14426,7 +12223,7 @@
           <a:p>
             <a:fld id="{2E2BEDFA-D8AA-4914-9440-7DF713C99FA9}" type="datetime1">
               <a:rPr lang="ko-KR" altLang="en-US" smtClean="0"/>
-              <a:t>2025-04-25</a:t>
+              <a:t>2025-06-08</a:t>
             </a:fld>
             <a:endParaRPr lang="ko-KR" altLang="en-US"/>
           </a:p>
@@ -14583,7 +12380,7 @@
           <a:p>
             <a:fld id="{0F78D9C4-20C1-4B15-A116-16DC77AD9A1E}" type="datetime1">
               <a:rPr lang="ko-KR" altLang="en-US" smtClean="0"/>
-              <a:t>2025-04-25</a:t>
+              <a:t>2025-06-08</a:t>
             </a:fld>
             <a:endParaRPr lang="ko-KR" altLang="en-US"/>
           </a:p>
@@ -14992,7 +12789,7 @@
           <a:p>
             <a:fld id="{3C9CE3CE-253F-4F9D-BA15-C226C8D8501E}" type="datetime6">
               <a:rPr lang="ko-KR" altLang="en-US" smtClean="0"/>
-              <a:t>2025년 4월</a:t>
+              <a:t>2025년 6월</a:t>
             </a:fld>
             <a:endParaRPr lang="ko-KR" altLang="en-US"/>
           </a:p>
@@ -15643,7 +13440,7 @@
           <a:p>
             <a:fld id="{0F78D9C4-20C1-4B15-A116-16DC77AD9A1E}" type="datetime1">
               <a:rPr lang="ko-KR" altLang="en-US" smtClean="0"/>
-              <a:t>2025-04-25</a:t>
+              <a:t>2025-06-08</a:t>
             </a:fld>
             <a:endParaRPr lang="ko-KR" altLang="en-US"/>
           </a:p>
@@ -15799,7 +13596,7 @@
           <a:p>
             <a:fld id="{2E2BEDFA-D8AA-4914-9440-7DF713C99FA9}" type="datetime1">
               <a:rPr lang="ko-KR" altLang="en-US" smtClean="0"/>
-              <a:t>2025-04-25</a:t>
+              <a:t>2025-06-08</a:t>
             </a:fld>
             <a:endParaRPr lang="ko-KR" altLang="en-US"/>
           </a:p>
@@ -16017,7 +13814,7 @@
           <a:p>
             <a:fld id="{0F78D9C4-20C1-4B15-A116-16DC77AD9A1E}" type="datetime1">
               <a:rPr lang="ko-KR" altLang="en-US" smtClean="0"/>
-              <a:t>2025-04-25</a:t>
+              <a:t>2025-06-08</a:t>
             </a:fld>
             <a:endParaRPr lang="ko-KR" altLang="en-US"/>
           </a:p>
@@ -16508,7 +14305,7 @@
           <a:p>
             <a:fld id="{2E2BEDFA-D8AA-4914-9440-7DF713C99FA9}" type="datetime1">
               <a:rPr lang="ko-KR" altLang="en-US" smtClean="0"/>
-              <a:t>2025-04-25</a:t>
+              <a:t>2025-06-08</a:t>
             </a:fld>
             <a:endParaRPr lang="ko-KR" altLang="en-US"/>
           </a:p>
@@ -17127,7 +14924,7 @@
           <a:p>
             <a:fld id="{0F78D9C4-20C1-4B15-A116-16DC77AD9A1E}" type="datetime1">
               <a:rPr lang="ko-KR" altLang="en-US" smtClean="0"/>
-              <a:t>2025-04-25</a:t>
+              <a:t>2025-06-08</a:t>
             </a:fld>
             <a:endParaRPr lang="ko-KR" altLang="en-US"/>
           </a:p>
@@ -17279,7 +15076,7 @@
           <a:p>
             <a:fld id="{0F78D9C4-20C1-4B15-A116-16DC77AD9A1E}" type="datetime1">
               <a:rPr lang="ko-KR" altLang="en-US" smtClean="0"/>
-              <a:t>2025-04-25</a:t>
+              <a:t>2025-06-08</a:t>
             </a:fld>
             <a:endParaRPr lang="ko-KR" altLang="en-US"/>
           </a:p>
@@ -17454,7 +15251,7 @@
           <a:p>
             <a:fld id="{0F78D9C4-20C1-4B15-A116-16DC77AD9A1E}" type="datetime1">
               <a:rPr lang="ko-KR" altLang="en-US" smtClean="0"/>
-              <a:t>2025-04-25</a:t>
+              <a:t>2025-06-08</a:t>
             </a:fld>
             <a:endParaRPr lang="ko-KR" altLang="en-US"/>
           </a:p>
@@ -17715,7 +15512,7 @@
           <a:p>
             <a:fld id="{0F78D9C4-20C1-4B15-A116-16DC77AD9A1E}" type="datetime1">
               <a:rPr lang="ko-KR" altLang="en-US" smtClean="0"/>
-              <a:t>2025-04-25</a:t>
+              <a:t>2025-06-08</a:t>
             </a:fld>
             <a:endParaRPr lang="ko-KR" altLang="en-US"/>
           </a:p>
@@ -17890,7 +15687,7 @@
           <a:p>
             <a:fld id="{0F78D9C4-20C1-4B15-A116-16DC77AD9A1E}" type="datetime1">
               <a:rPr lang="ko-KR" altLang="en-US" smtClean="0"/>
-              <a:t>2025-04-25</a:t>
+              <a:t>2025-06-08</a:t>
             </a:fld>
             <a:endParaRPr lang="ko-KR" altLang="en-US"/>
           </a:p>
@@ -18343,7 +16140,7 @@
           <a:p>
             <a:fld id="{0F78D9C4-20C1-4B15-A116-16DC77AD9A1E}" type="datetime1">
               <a:rPr lang="ko-KR" altLang="en-US" smtClean="0"/>
-              <a:t>2025-04-25</a:t>
+              <a:t>2025-06-08</a:t>
             </a:fld>
             <a:endParaRPr lang="ko-KR" altLang="en-US"/>
           </a:p>
@@ -18819,7 +16616,7 @@
           <a:p>
             <a:fld id="{0F78D9C4-20C1-4B15-A116-16DC77AD9A1E}" type="datetime1">
               <a:rPr lang="ko-KR" altLang="en-US" smtClean="0"/>
-              <a:t>2025-04-25</a:t>
+              <a:t>2025-06-08</a:t>
             </a:fld>
             <a:endParaRPr lang="ko-KR" altLang="en-US"/>
           </a:p>
@@ -19062,7 +16859,7 @@
           <a:p>
             <a:fld id="{0F78D9C4-20C1-4B15-A116-16DC77AD9A1E}" type="datetime1">
               <a:rPr lang="ko-KR" altLang="en-US" smtClean="0"/>
-              <a:t>2025-04-25</a:t>
+              <a:t>2025-06-08</a:t>
             </a:fld>
             <a:endParaRPr lang="ko-KR" altLang="en-US"/>
           </a:p>
@@ -19150,7 +16947,7 @@
           <a:p>
             <a:fld id="{68924C3D-697C-40F2-BC3D-E9F4D36B3635}" type="datetime6">
               <a:rPr lang="ko-KR" altLang="en-US" smtClean="0"/>
-              <a:t>2025년 4월</a:t>
+              <a:t>2025년 6월</a:t>
             </a:fld>
             <a:endParaRPr lang="ko-KR" altLang="en-US" dirty="0"/>
           </a:p>
@@ -19279,7 +17076,7 @@
           <a:p>
             <a:fld id="{0F78D9C4-20C1-4B15-A116-16DC77AD9A1E}" type="datetime1">
               <a:rPr lang="ko-KR" altLang="en-US" smtClean="0"/>
-              <a:t>2025-04-25</a:t>
+              <a:t>2025-06-08</a:t>
             </a:fld>
             <a:endParaRPr lang="ko-KR" altLang="en-US"/>
           </a:p>
@@ -19579,7 +17376,7 @@
           <a:p>
             <a:fld id="{0F78D9C4-20C1-4B15-A116-16DC77AD9A1E}" type="datetime1">
               <a:rPr lang="ko-KR" altLang="en-US" smtClean="0"/>
-              <a:t>2025-04-25</a:t>
+              <a:t>2025-06-08</a:t>
             </a:fld>
             <a:endParaRPr lang="ko-KR" altLang="en-US"/>
           </a:p>
@@ -19895,7 +17692,7 @@
           <a:p>
             <a:fld id="{0F78D9C4-20C1-4B15-A116-16DC77AD9A1E}" type="datetime1">
               <a:rPr lang="ko-KR" altLang="en-US" smtClean="0"/>
-              <a:t>2025-04-25</a:t>
+              <a:t>2025-06-08</a:t>
             </a:fld>
             <a:endParaRPr lang="ko-KR" altLang="en-US"/>
           </a:p>
@@ -20243,7 +18040,7 @@
           <a:p>
             <a:fld id="{0F78D9C4-20C1-4B15-A116-16DC77AD9A1E}" type="datetime1">
               <a:rPr lang="ko-KR" altLang="en-US" smtClean="0"/>
-              <a:t>2025-04-25</a:t>
+              <a:t>2025-06-08</a:t>
             </a:fld>
             <a:endParaRPr lang="ko-KR" altLang="en-US"/>
           </a:p>
@@ -20556,7 +18353,7 @@
           <a:p>
             <a:fld id="{0F78D9C4-20C1-4B15-A116-16DC77AD9A1E}" type="datetime1">
               <a:rPr lang="ko-KR" altLang="en-US" smtClean="0"/>
-              <a:t>2025-04-25</a:t>
+              <a:t>2025-06-08</a:t>
             </a:fld>
             <a:endParaRPr lang="ko-KR" altLang="en-US"/>
           </a:p>
@@ -20603,7 +18400,13 @@
   <p:cSld>
     <p:spTree>
       <p:nvGrpSpPr>
-        <p:cNvPr id="1" name=""/>
+        <p:cNvPr id="1" name="">
+          <a:extLst>
+            <a:ext uri="{FF2B5EF4-FFF2-40B4-BE49-F238E27FC236}">
+              <a16:creationId xmlns:a16="http://schemas.microsoft.com/office/drawing/2014/main" id="{A599A67C-6087-6008-3299-67A6ED6F0079}"/>
+            </a:ext>
+          </a:extLst>
+        </p:cNvPr>
         <p:cNvGrpSpPr/>
         <p:nvPr/>
       </p:nvGrpSpPr>
@@ -20617,10 +18420,361 @@
       </p:grpSpPr>
       <p:sp>
         <p:nvSpPr>
-          <p:cNvPr id="3" name="날짜 개체 틀 2">
-            <a:extLst>
-              <a:ext uri="{FF2B5EF4-FFF2-40B4-BE49-F238E27FC236}">
-                <a16:creationId xmlns:a16="http://schemas.microsoft.com/office/drawing/2014/main" id="{4F96BD1A-D2D1-C9B0-C309-76BC6EE025EF}"/>
+          <p:cNvPr id="2" name="제목 1">
+            <a:extLst>
+              <a:ext uri="{FF2B5EF4-FFF2-40B4-BE49-F238E27FC236}">
+                <a16:creationId xmlns:a16="http://schemas.microsoft.com/office/drawing/2014/main" id="{D2C1A029-BAED-96EF-2D2B-6B157697F0E3}"/>
+              </a:ext>
+            </a:extLst>
+          </p:cNvPr>
+          <p:cNvSpPr>
+            <a:spLocks noGrp="1"/>
+          </p:cNvSpPr>
+          <p:nvPr>
+            <p:ph type="title"/>
+          </p:nvPr>
+        </p:nvSpPr>
+        <p:spPr/>
+        <p:txBody>
+          <a:bodyPr/>
+          <a:lstStyle/>
+          <a:p>
+            <a:r>
+              <a:rPr lang="ko-KR" altLang="en-US" dirty="0"/>
+              <a:t>변수의 선언</a:t>
+            </a:r>
+            <a:r>
+              <a:rPr lang="en-US" altLang="ko-KR" dirty="0"/>
+              <a:t>, </a:t>
+            </a:r>
+            <a:r>
+              <a:rPr lang="ko-KR" altLang="en-US" dirty="0"/>
+              <a:t>사용</a:t>
+            </a:r>
+            <a:r>
+              <a:rPr lang="en-US" altLang="ko-KR" dirty="0"/>
+              <a:t>, </a:t>
+            </a:r>
+            <a:r>
+              <a:rPr lang="ko-KR" altLang="en-US" dirty="0"/>
+              <a:t>초기화</a:t>
+            </a:r>
+          </a:p>
+        </p:txBody>
+      </p:sp>
+      <p:sp>
+        <p:nvSpPr>
+          <p:cNvPr id="3" name="내용 개체 틀 2">
+            <a:extLst>
+              <a:ext uri="{FF2B5EF4-FFF2-40B4-BE49-F238E27FC236}">
+                <a16:creationId xmlns:a16="http://schemas.microsoft.com/office/drawing/2014/main" id="{664B74FC-A9DB-3B0C-DD39-8115D645EA25}"/>
+              </a:ext>
+            </a:extLst>
+          </p:cNvPr>
+          <p:cNvSpPr>
+            <a:spLocks noGrp="1"/>
+          </p:cNvSpPr>
+          <p:nvPr>
+            <p:ph idx="1"/>
+          </p:nvPr>
+        </p:nvSpPr>
+        <p:spPr/>
+        <p:txBody>
+          <a:bodyPr>
+            <a:normAutofit fontScale="92500" lnSpcReduction="10000"/>
+          </a:bodyPr>
+          <a:lstStyle/>
+          <a:p>
+            <a:r>
+              <a:rPr lang="ko-KR" altLang="en-US" dirty="0"/>
+              <a:t>선언</a:t>
+            </a:r>
+            <a:endParaRPr lang="en-US" altLang="ko-KR" dirty="0"/>
+          </a:p>
+          <a:p>
+            <a:pPr lvl="1"/>
+            <a:r>
+              <a:rPr lang="en-US" altLang="ko-KR" dirty="0">
+                <a:solidFill>
+                  <a:srgbClr val="00B050"/>
+                </a:solidFill>
+              </a:rPr>
+              <a:t>"</a:t>
+            </a:r>
+            <a:r>
+              <a:rPr lang="ko-KR" altLang="en-US" dirty="0">
+                <a:solidFill>
+                  <a:srgbClr val="00B050"/>
+                </a:solidFill>
+              </a:rPr>
+              <a:t>자료형</a:t>
+            </a:r>
+            <a:r>
+              <a:rPr lang="en-US" altLang="ko-KR" dirty="0">
+                <a:solidFill>
+                  <a:srgbClr val="00B050"/>
+                </a:solidFill>
+              </a:rPr>
+              <a:t>“^"</a:t>
+            </a:r>
+            <a:r>
+              <a:rPr lang="ko-KR" altLang="en-US" dirty="0">
+                <a:solidFill>
+                  <a:srgbClr val="00B050"/>
+                </a:solidFill>
+              </a:rPr>
+              <a:t>변수이름</a:t>
+            </a:r>
+            <a:r>
+              <a:rPr lang="en-US" altLang="ko-KR" dirty="0">
+                <a:solidFill>
+                  <a:srgbClr val="00B050"/>
+                </a:solidFill>
+              </a:rPr>
+              <a:t>"; </a:t>
+            </a:r>
+            <a:r>
+              <a:rPr lang="ko-KR" altLang="en-US" dirty="0"/>
+              <a:t>형태로 작성</a:t>
+            </a:r>
+            <a:endParaRPr lang="en-US" altLang="ko-KR" dirty="0"/>
+          </a:p>
+          <a:p>
+            <a:pPr lvl="1"/>
+            <a:r>
+              <a:rPr lang="ko-KR" altLang="en-US" dirty="0"/>
+              <a:t>앞으로 해당 변수를 사용하겠다고 컴파일러에게 알려주는 기능</a:t>
+            </a:r>
+            <a:endParaRPr lang="en-US" altLang="ko-KR" dirty="0"/>
+          </a:p>
+          <a:p>
+            <a:pPr lvl="1"/>
+            <a:r>
+              <a:rPr lang="ko-KR" altLang="en-US" dirty="0"/>
+              <a:t>같은 </a:t>
+            </a:r>
+            <a:r>
+              <a:rPr lang="en-US" altLang="ko-KR" dirty="0"/>
+              <a:t>Scope</a:t>
+            </a:r>
+            <a:r>
+              <a:rPr lang="ko-KR" altLang="en-US" dirty="0"/>
+              <a:t> 안에서 같은 이름의 변수를 사용할 수 없음</a:t>
+            </a:r>
+            <a:endParaRPr lang="en-US" altLang="ko-KR" dirty="0"/>
+          </a:p>
+          <a:p>
+            <a:r>
+              <a:rPr lang="ko-KR" altLang="en-US" dirty="0"/>
+              <a:t>사용</a:t>
+            </a:r>
+            <a:r>
+              <a:rPr lang="en-US" altLang="ko-KR" dirty="0"/>
+              <a:t>(</a:t>
+            </a:r>
+            <a:r>
+              <a:rPr lang="ko-KR" altLang="en-US" dirty="0"/>
+              <a:t>할당</a:t>
+            </a:r>
+            <a:r>
+              <a:rPr lang="en-US" altLang="ko-KR" dirty="0"/>
+              <a:t>)</a:t>
+            </a:r>
+          </a:p>
+          <a:p>
+            <a:pPr lvl="1"/>
+            <a:r>
+              <a:rPr lang="en-US" altLang="ko-KR" dirty="0">
+                <a:solidFill>
+                  <a:srgbClr val="00B050"/>
+                </a:solidFill>
+              </a:rPr>
+              <a:t>"</a:t>
+            </a:r>
+            <a:r>
+              <a:rPr lang="ko-KR" altLang="en-US" dirty="0">
+                <a:solidFill>
+                  <a:srgbClr val="00B050"/>
+                </a:solidFill>
+              </a:rPr>
+              <a:t>변수이름</a:t>
+            </a:r>
+            <a:r>
+              <a:rPr lang="en-US" altLang="ko-KR" dirty="0">
+                <a:solidFill>
+                  <a:srgbClr val="00B050"/>
+                </a:solidFill>
+              </a:rPr>
+              <a:t>" = "</a:t>
+            </a:r>
+            <a:r>
+              <a:rPr lang="ko-KR" altLang="en-US" dirty="0">
+                <a:solidFill>
+                  <a:srgbClr val="00B050"/>
+                </a:solidFill>
+              </a:rPr>
+              <a:t>데이터</a:t>
+            </a:r>
+            <a:r>
+              <a:rPr lang="en-US" altLang="ko-KR" dirty="0">
+                <a:solidFill>
+                  <a:srgbClr val="00B050"/>
+                </a:solidFill>
+              </a:rPr>
+              <a:t>"; </a:t>
+            </a:r>
+            <a:r>
+              <a:rPr lang="ko-KR" altLang="en-US" dirty="0"/>
+              <a:t>형태로 작성</a:t>
+            </a:r>
+            <a:endParaRPr lang="en-US" altLang="ko-KR" dirty="0"/>
+          </a:p>
+          <a:p>
+            <a:pPr lvl="1"/>
+            <a:r>
+              <a:rPr lang="ko-KR" altLang="en-US" dirty="0"/>
+              <a:t>변수의 선언을 한 뒤에만 사용이 가능</a:t>
+            </a:r>
+            <a:endParaRPr lang="en-US" altLang="ko-KR" dirty="0"/>
+          </a:p>
+          <a:p>
+            <a:pPr lvl="1"/>
+            <a:r>
+              <a:rPr lang="ko-KR" altLang="en-US" dirty="0"/>
+              <a:t>선언된 변수에 특정 데이터를 복사하는 기능</a:t>
+            </a:r>
+            <a:endParaRPr lang="en-US" altLang="ko-KR" dirty="0"/>
+          </a:p>
+          <a:p>
+            <a:pPr lvl="1"/>
+            <a:r>
+              <a:rPr lang="en-US" altLang="ko-KR" dirty="0"/>
+              <a:t>= </a:t>
+            </a:r>
+            <a:r>
+              <a:rPr lang="ko-KR" altLang="en-US" dirty="0"/>
+              <a:t>기호를 중심으로</a:t>
+            </a:r>
+            <a:r>
+              <a:rPr lang="en-US" altLang="ko-KR" dirty="0"/>
+              <a:t>,</a:t>
+            </a:r>
+            <a:r>
+              <a:rPr lang="ko-KR" altLang="en-US" dirty="0"/>
+              <a:t> 좌 </a:t>
+            </a:r>
+            <a:r>
+              <a:rPr lang="en-US" altLang="ko-KR" dirty="0"/>
+              <a:t>= </a:t>
+            </a:r>
+            <a:r>
+              <a:rPr lang="ko-KR" altLang="en-US" dirty="0" err="1"/>
+              <a:t>변수명</a:t>
+            </a:r>
+            <a:r>
+              <a:rPr lang="en-US" altLang="ko-KR" dirty="0"/>
+              <a:t>, </a:t>
+            </a:r>
+            <a:r>
+              <a:rPr lang="ko-KR" altLang="en-US" dirty="0"/>
+              <a:t>우 </a:t>
+            </a:r>
+            <a:r>
+              <a:rPr lang="en-US" altLang="ko-KR" dirty="0"/>
+              <a:t>= </a:t>
+            </a:r>
+            <a:r>
+              <a:rPr lang="ko-KR" altLang="en-US" dirty="0"/>
+              <a:t>복사할 데이터 🌟</a:t>
+            </a:r>
+            <a:endParaRPr lang="en-US" altLang="ko-KR" dirty="0"/>
+          </a:p>
+          <a:p>
+            <a:r>
+              <a:rPr lang="ko-KR" altLang="en-US" dirty="0"/>
+              <a:t>초기화</a:t>
+            </a:r>
+            <a:endParaRPr lang="en-US" altLang="ko-KR" dirty="0"/>
+          </a:p>
+          <a:p>
+            <a:pPr lvl="1"/>
+            <a:r>
+              <a:rPr lang="en-US" altLang="ko-KR" dirty="0">
+                <a:solidFill>
+                  <a:srgbClr val="00B050"/>
+                </a:solidFill>
+              </a:rPr>
+              <a:t>"</a:t>
+            </a:r>
+            <a:r>
+              <a:rPr lang="ko-KR" altLang="en-US" dirty="0">
+                <a:solidFill>
+                  <a:srgbClr val="00B050"/>
+                </a:solidFill>
+              </a:rPr>
+              <a:t>자료형</a:t>
+            </a:r>
+            <a:r>
+              <a:rPr lang="en-US" altLang="ko-KR" dirty="0">
+                <a:solidFill>
+                  <a:srgbClr val="00B050"/>
+                </a:solidFill>
+              </a:rPr>
+              <a:t>"^"</a:t>
+            </a:r>
+            <a:r>
+              <a:rPr lang="ko-KR" altLang="en-US" dirty="0">
+                <a:solidFill>
+                  <a:srgbClr val="00B050"/>
+                </a:solidFill>
+              </a:rPr>
+              <a:t>변수이름</a:t>
+            </a:r>
+            <a:r>
+              <a:rPr lang="en-US" altLang="ko-KR" dirty="0">
+                <a:solidFill>
+                  <a:srgbClr val="00B050"/>
+                </a:solidFill>
+              </a:rPr>
+              <a:t>" = "</a:t>
+            </a:r>
+            <a:r>
+              <a:rPr lang="ko-KR" altLang="en-US" dirty="0">
+                <a:solidFill>
+                  <a:srgbClr val="00B050"/>
+                </a:solidFill>
+              </a:rPr>
+              <a:t>데이터</a:t>
+            </a:r>
+            <a:r>
+              <a:rPr lang="en-US" altLang="ko-KR" dirty="0">
+                <a:solidFill>
+                  <a:srgbClr val="00B050"/>
+                </a:solidFill>
+              </a:rPr>
+              <a:t>";</a:t>
+            </a:r>
+          </a:p>
+          <a:p>
+            <a:pPr lvl="1"/>
+            <a:r>
+              <a:rPr lang="ko-KR" altLang="en-US" dirty="0"/>
+              <a:t>변수 선언과 동시에 값을 지정</a:t>
+            </a:r>
+            <a:endParaRPr lang="ko-KR" altLang="en-US" dirty="0">
+              <a:solidFill>
+                <a:srgbClr val="00B050"/>
+              </a:solidFill>
+            </a:endParaRPr>
+          </a:p>
+        </p:txBody>
+      </p:sp>
+      <p:sp>
+        <p:nvSpPr>
+          <p:cNvPr id="4" name="날짜 개체 틀 3">
+            <a:extLst>
+              <a:ext uri="{FF2B5EF4-FFF2-40B4-BE49-F238E27FC236}">
+                <a16:creationId xmlns:a16="http://schemas.microsoft.com/office/drawing/2014/main" id="{331C3227-5FF2-E06F-B562-507AA7E8122C}"/>
               </a:ext>
             </a:extLst>
           </p:cNvPr>
@@ -20636,9 +18790,9 @@
           <a:bodyPr/>
           <a:lstStyle/>
           <a:p>
-            <a:fld id="{3C9CE3CE-253F-4F9D-BA15-C226C8D8501E}" type="datetime6">
+            <a:fld id="{0F78D9C4-20C1-4B15-A116-16DC77AD9A1E}" type="datetime1">
               <a:rPr lang="ko-KR" altLang="en-US" smtClean="0"/>
-              <a:t>2025년 4월</a:t>
+              <a:t>2025-06-08</a:t>
             </a:fld>
             <a:endParaRPr lang="ko-KR" altLang="en-US"/>
           </a:p>
@@ -20646,10 +18800,10 @@
       </p:sp>
       <p:sp>
         <p:nvSpPr>
-          <p:cNvPr id="4" name="슬라이드 번호 개체 틀 3">
-            <a:extLst>
-              <a:ext uri="{FF2B5EF4-FFF2-40B4-BE49-F238E27FC236}">
-                <a16:creationId xmlns:a16="http://schemas.microsoft.com/office/drawing/2014/main" id="{2CB49AE4-CF9D-9B58-4C5D-FFE8567EF7EF}"/>
+          <p:cNvPr id="5" name="슬라이드 번호 개체 틀 4">
+            <a:extLst>
+              <a:ext uri="{FF2B5EF4-FFF2-40B4-BE49-F238E27FC236}">
+                <a16:creationId xmlns:a16="http://schemas.microsoft.com/office/drawing/2014/main" id="{551350CB-C59C-B49E-AD8D-DAAF611DCA86}"/>
               </a:ext>
             </a:extLst>
           </p:cNvPr>
@@ -20673,40 +18827,10 @@
           </a:p>
         </p:txBody>
       </p:sp>
-      <p:pic>
-        <p:nvPicPr>
-          <p:cNvPr id="7" name="그림 6">
-            <a:extLst>
-              <a:ext uri="{FF2B5EF4-FFF2-40B4-BE49-F238E27FC236}">
-                <a16:creationId xmlns:a16="http://schemas.microsoft.com/office/drawing/2014/main" id="{0EF48B07-F707-4BCB-43BF-CC26FE628058}"/>
-              </a:ext>
-            </a:extLst>
-          </p:cNvPr>
-          <p:cNvPicPr>
-            <a:picLocks noChangeAspect="1"/>
-          </p:cNvPicPr>
-          <p:nvPr/>
-        </p:nvPicPr>
-        <p:blipFill>
-          <a:blip r:embed="rId3"/>
-          <a:stretch>
-            <a:fillRect/>
-          </a:stretch>
-        </p:blipFill>
-        <p:spPr>
-          <a:xfrm>
-            <a:off x="2743200" y="1"/>
-            <a:ext cx="6268671" cy="6339772"/>
-          </a:xfrm>
-          <a:prstGeom prst="rect">
-            <a:avLst/>
-          </a:prstGeom>
-        </p:spPr>
-      </p:pic>
     </p:spTree>
     <p:extLst>
       <p:ext uri="{BB962C8B-B14F-4D97-AF65-F5344CB8AC3E}">
-        <p14:creationId xmlns:p14="http://schemas.microsoft.com/office/powerpoint/2010/main" val="2866275655"/>
+        <p14:creationId xmlns:p14="http://schemas.microsoft.com/office/powerpoint/2010/main" val="3248845812"/>
       </p:ext>
     </p:extLst>
   </p:cSld>
@@ -20790,7 +18914,7 @@
           </p:nvPr>
         </p:nvPicPr>
         <p:blipFill>
-          <a:blip r:embed="rId2"/>
+          <a:blip r:embed="rId3"/>
           <a:stretch>
             <a:fillRect/>
           </a:stretch>
@@ -20825,7 +18949,7 @@
           <a:p>
             <a:fld id="{0F78D9C4-20C1-4B15-A116-16DC77AD9A1E}" type="datetime1">
               <a:rPr lang="ko-KR" altLang="en-US" smtClean="0"/>
-              <a:t>2025-04-25</a:t>
+              <a:t>2025-06-08</a:t>
             </a:fld>
             <a:endParaRPr lang="ko-KR" altLang="en-US"/>
           </a:p>
@@ -21056,451 +19180,6 @@
         <p:cNvPr id="1" name="">
           <a:extLst>
             <a:ext uri="{FF2B5EF4-FFF2-40B4-BE49-F238E27FC236}">
-              <a16:creationId xmlns:a16="http://schemas.microsoft.com/office/drawing/2014/main" id="{A599A67C-6087-6008-3299-67A6ED6F0079}"/>
-            </a:ext>
-          </a:extLst>
-        </p:cNvPr>
-        <p:cNvGrpSpPr/>
-        <p:nvPr/>
-      </p:nvGrpSpPr>
-      <p:grpSpPr>
-        <a:xfrm>
-          <a:off x="0" y="0"/>
-          <a:ext cx="0" cy="0"/>
-          <a:chOff x="0" y="0"/>
-          <a:chExt cx="0" cy="0"/>
-        </a:xfrm>
-      </p:grpSpPr>
-      <p:sp>
-        <p:nvSpPr>
-          <p:cNvPr id="2" name="제목 1">
-            <a:extLst>
-              <a:ext uri="{FF2B5EF4-FFF2-40B4-BE49-F238E27FC236}">
-                <a16:creationId xmlns:a16="http://schemas.microsoft.com/office/drawing/2014/main" id="{D2C1A029-BAED-96EF-2D2B-6B157697F0E3}"/>
-              </a:ext>
-            </a:extLst>
-          </p:cNvPr>
-          <p:cNvSpPr>
-            <a:spLocks noGrp="1"/>
-          </p:cNvSpPr>
-          <p:nvPr>
-            <p:ph type="title"/>
-          </p:nvPr>
-        </p:nvSpPr>
-        <p:spPr/>
-        <p:txBody>
-          <a:bodyPr/>
-          <a:lstStyle/>
-          <a:p>
-            <a:r>
-              <a:rPr lang="ko-KR" altLang="en-US" dirty="0"/>
-              <a:t>변수의 선언</a:t>
-            </a:r>
-            <a:r>
-              <a:rPr lang="en-US" altLang="ko-KR" dirty="0"/>
-              <a:t>, </a:t>
-            </a:r>
-            <a:r>
-              <a:rPr lang="ko-KR" altLang="en-US" dirty="0"/>
-              <a:t>사용</a:t>
-            </a:r>
-            <a:r>
-              <a:rPr lang="en-US" altLang="ko-KR" dirty="0"/>
-              <a:t>, </a:t>
-            </a:r>
-            <a:r>
-              <a:rPr lang="ko-KR" altLang="en-US" dirty="0"/>
-              <a:t>초기화</a:t>
-            </a:r>
-          </a:p>
-        </p:txBody>
-      </p:sp>
-      <p:sp>
-        <p:nvSpPr>
-          <p:cNvPr id="3" name="내용 개체 틀 2">
-            <a:extLst>
-              <a:ext uri="{FF2B5EF4-FFF2-40B4-BE49-F238E27FC236}">
-                <a16:creationId xmlns:a16="http://schemas.microsoft.com/office/drawing/2014/main" id="{664B74FC-A9DB-3B0C-DD39-8115D645EA25}"/>
-              </a:ext>
-            </a:extLst>
-          </p:cNvPr>
-          <p:cNvSpPr>
-            <a:spLocks noGrp="1"/>
-          </p:cNvSpPr>
-          <p:nvPr>
-            <p:ph idx="1"/>
-          </p:nvPr>
-        </p:nvSpPr>
-        <p:spPr/>
-        <p:txBody>
-          <a:bodyPr>
-            <a:normAutofit fontScale="92500" lnSpcReduction="10000"/>
-          </a:bodyPr>
-          <a:lstStyle/>
-          <a:p>
-            <a:r>
-              <a:rPr lang="ko-KR" altLang="en-US" dirty="0"/>
-              <a:t>선언</a:t>
-            </a:r>
-            <a:endParaRPr lang="en-US" altLang="ko-KR" dirty="0"/>
-          </a:p>
-          <a:p>
-            <a:pPr lvl="1"/>
-            <a:r>
-              <a:rPr lang="en-US" altLang="ko-KR" dirty="0">
-                <a:solidFill>
-                  <a:srgbClr val="00B050"/>
-                </a:solidFill>
-              </a:rPr>
-              <a:t>"</a:t>
-            </a:r>
-            <a:r>
-              <a:rPr lang="ko-KR" altLang="en-US" dirty="0">
-                <a:solidFill>
-                  <a:srgbClr val="00B050"/>
-                </a:solidFill>
-              </a:rPr>
-              <a:t>자료형</a:t>
-            </a:r>
-            <a:r>
-              <a:rPr lang="en-US" altLang="ko-KR" dirty="0">
-                <a:solidFill>
-                  <a:srgbClr val="00B050"/>
-                </a:solidFill>
-              </a:rPr>
-              <a:t>“^"</a:t>
-            </a:r>
-            <a:r>
-              <a:rPr lang="ko-KR" altLang="en-US" dirty="0">
-                <a:solidFill>
-                  <a:srgbClr val="00B050"/>
-                </a:solidFill>
-              </a:rPr>
-              <a:t>변수이름</a:t>
-            </a:r>
-            <a:r>
-              <a:rPr lang="en-US" altLang="ko-KR" dirty="0">
-                <a:solidFill>
-                  <a:srgbClr val="00B050"/>
-                </a:solidFill>
-              </a:rPr>
-              <a:t>"; </a:t>
-            </a:r>
-            <a:r>
-              <a:rPr lang="ko-KR" altLang="en-US" dirty="0"/>
-              <a:t>형태로 작성</a:t>
-            </a:r>
-            <a:endParaRPr lang="en-US" altLang="ko-KR" dirty="0"/>
-          </a:p>
-          <a:p>
-            <a:pPr lvl="1"/>
-            <a:r>
-              <a:rPr lang="ko-KR" altLang="en-US" dirty="0"/>
-              <a:t>앞으로 해당 변수를 사용하겠다고 컴파일러에게 알려주는 기능</a:t>
-            </a:r>
-            <a:endParaRPr lang="en-US" altLang="ko-KR" dirty="0"/>
-          </a:p>
-          <a:p>
-            <a:pPr lvl="1"/>
-            <a:r>
-              <a:rPr lang="ko-KR" altLang="en-US" dirty="0"/>
-              <a:t>같은 </a:t>
-            </a:r>
-            <a:r>
-              <a:rPr lang="en-US" altLang="ko-KR" dirty="0"/>
-              <a:t>Scope</a:t>
-            </a:r>
-            <a:r>
-              <a:rPr lang="ko-KR" altLang="en-US" dirty="0"/>
-              <a:t> 안에서 같은 이름의 변수를 사용할 수 없음</a:t>
-            </a:r>
-            <a:endParaRPr lang="en-US" altLang="ko-KR" dirty="0"/>
-          </a:p>
-          <a:p>
-            <a:r>
-              <a:rPr lang="ko-KR" altLang="en-US" dirty="0"/>
-              <a:t>사용</a:t>
-            </a:r>
-            <a:r>
-              <a:rPr lang="en-US" altLang="ko-KR" dirty="0"/>
-              <a:t>(</a:t>
-            </a:r>
-            <a:r>
-              <a:rPr lang="ko-KR" altLang="en-US" dirty="0"/>
-              <a:t>할당</a:t>
-            </a:r>
-            <a:r>
-              <a:rPr lang="en-US" altLang="ko-KR" dirty="0"/>
-              <a:t>)</a:t>
-            </a:r>
-          </a:p>
-          <a:p>
-            <a:pPr lvl="1"/>
-            <a:r>
-              <a:rPr lang="en-US" altLang="ko-KR" dirty="0">
-                <a:solidFill>
-                  <a:srgbClr val="00B050"/>
-                </a:solidFill>
-              </a:rPr>
-              <a:t>"</a:t>
-            </a:r>
-            <a:r>
-              <a:rPr lang="ko-KR" altLang="en-US" dirty="0">
-                <a:solidFill>
-                  <a:srgbClr val="00B050"/>
-                </a:solidFill>
-              </a:rPr>
-              <a:t>변수이름</a:t>
-            </a:r>
-            <a:r>
-              <a:rPr lang="en-US" altLang="ko-KR" dirty="0">
-                <a:solidFill>
-                  <a:srgbClr val="00B050"/>
-                </a:solidFill>
-              </a:rPr>
-              <a:t>" = "</a:t>
-            </a:r>
-            <a:r>
-              <a:rPr lang="ko-KR" altLang="en-US" dirty="0">
-                <a:solidFill>
-                  <a:srgbClr val="00B050"/>
-                </a:solidFill>
-              </a:rPr>
-              <a:t>데이터</a:t>
-            </a:r>
-            <a:r>
-              <a:rPr lang="en-US" altLang="ko-KR" dirty="0">
-                <a:solidFill>
-                  <a:srgbClr val="00B050"/>
-                </a:solidFill>
-              </a:rPr>
-              <a:t>"; </a:t>
-            </a:r>
-            <a:r>
-              <a:rPr lang="ko-KR" altLang="en-US" dirty="0"/>
-              <a:t>형태로 작성</a:t>
-            </a:r>
-            <a:endParaRPr lang="en-US" altLang="ko-KR" dirty="0"/>
-          </a:p>
-          <a:p>
-            <a:pPr lvl="1"/>
-            <a:r>
-              <a:rPr lang="ko-KR" altLang="en-US" dirty="0"/>
-              <a:t>변수의 선언을 한 뒤에만 사용이 가능</a:t>
-            </a:r>
-            <a:endParaRPr lang="en-US" altLang="ko-KR" dirty="0"/>
-          </a:p>
-          <a:p>
-            <a:pPr lvl="1"/>
-            <a:r>
-              <a:rPr lang="ko-KR" altLang="en-US" dirty="0"/>
-              <a:t>선언된 변수에 특정 데이터를 복사하는 기능</a:t>
-            </a:r>
-            <a:endParaRPr lang="en-US" altLang="ko-KR" dirty="0"/>
-          </a:p>
-          <a:p>
-            <a:pPr lvl="1"/>
-            <a:r>
-              <a:rPr lang="en-US" altLang="ko-KR" dirty="0"/>
-              <a:t>= </a:t>
-            </a:r>
-            <a:r>
-              <a:rPr lang="ko-KR" altLang="en-US" dirty="0"/>
-              <a:t>기호를 중심으로</a:t>
-            </a:r>
-            <a:r>
-              <a:rPr lang="en-US" altLang="ko-KR" dirty="0"/>
-              <a:t>,</a:t>
-            </a:r>
-            <a:r>
-              <a:rPr lang="ko-KR" altLang="en-US" dirty="0"/>
-              <a:t> 좌 </a:t>
-            </a:r>
-            <a:r>
-              <a:rPr lang="en-US" altLang="ko-KR" dirty="0"/>
-              <a:t>= </a:t>
-            </a:r>
-            <a:r>
-              <a:rPr lang="ko-KR" altLang="en-US" dirty="0" err="1"/>
-              <a:t>변수명</a:t>
-            </a:r>
-            <a:r>
-              <a:rPr lang="en-US" altLang="ko-KR" dirty="0"/>
-              <a:t>, </a:t>
-            </a:r>
-            <a:r>
-              <a:rPr lang="ko-KR" altLang="en-US" dirty="0"/>
-              <a:t>우 </a:t>
-            </a:r>
-            <a:r>
-              <a:rPr lang="en-US" altLang="ko-KR" dirty="0"/>
-              <a:t>= </a:t>
-            </a:r>
-            <a:r>
-              <a:rPr lang="ko-KR" altLang="en-US" dirty="0"/>
-              <a:t>복사할 데이터 🌟</a:t>
-            </a:r>
-            <a:endParaRPr lang="en-US" altLang="ko-KR" dirty="0"/>
-          </a:p>
-          <a:p>
-            <a:r>
-              <a:rPr lang="ko-KR" altLang="en-US" dirty="0"/>
-              <a:t>초기화</a:t>
-            </a:r>
-            <a:endParaRPr lang="en-US" altLang="ko-KR" dirty="0"/>
-          </a:p>
-          <a:p>
-            <a:pPr lvl="1"/>
-            <a:r>
-              <a:rPr lang="en-US" altLang="ko-KR" dirty="0">
-                <a:solidFill>
-                  <a:srgbClr val="00B050"/>
-                </a:solidFill>
-              </a:rPr>
-              <a:t>"</a:t>
-            </a:r>
-            <a:r>
-              <a:rPr lang="ko-KR" altLang="en-US" dirty="0">
-                <a:solidFill>
-                  <a:srgbClr val="00B050"/>
-                </a:solidFill>
-              </a:rPr>
-              <a:t>자료형</a:t>
-            </a:r>
-            <a:r>
-              <a:rPr lang="en-US" altLang="ko-KR" dirty="0">
-                <a:solidFill>
-                  <a:srgbClr val="00B050"/>
-                </a:solidFill>
-              </a:rPr>
-              <a:t>"^"</a:t>
-            </a:r>
-            <a:r>
-              <a:rPr lang="ko-KR" altLang="en-US" dirty="0">
-                <a:solidFill>
-                  <a:srgbClr val="00B050"/>
-                </a:solidFill>
-              </a:rPr>
-              <a:t>변수이름</a:t>
-            </a:r>
-            <a:r>
-              <a:rPr lang="en-US" altLang="ko-KR" dirty="0">
-                <a:solidFill>
-                  <a:srgbClr val="00B050"/>
-                </a:solidFill>
-              </a:rPr>
-              <a:t>" = "</a:t>
-            </a:r>
-            <a:r>
-              <a:rPr lang="ko-KR" altLang="en-US" dirty="0">
-                <a:solidFill>
-                  <a:srgbClr val="00B050"/>
-                </a:solidFill>
-              </a:rPr>
-              <a:t>데이터</a:t>
-            </a:r>
-            <a:r>
-              <a:rPr lang="en-US" altLang="ko-KR" dirty="0">
-                <a:solidFill>
-                  <a:srgbClr val="00B050"/>
-                </a:solidFill>
-              </a:rPr>
-              <a:t>";</a:t>
-            </a:r>
-          </a:p>
-          <a:p>
-            <a:pPr lvl="1"/>
-            <a:r>
-              <a:rPr lang="ko-KR" altLang="en-US" dirty="0"/>
-              <a:t>변수 선언과 동시에 값을 지정</a:t>
-            </a:r>
-            <a:endParaRPr lang="ko-KR" altLang="en-US" dirty="0">
-              <a:solidFill>
-                <a:srgbClr val="00B050"/>
-              </a:solidFill>
-            </a:endParaRPr>
-          </a:p>
-        </p:txBody>
-      </p:sp>
-      <p:sp>
-        <p:nvSpPr>
-          <p:cNvPr id="4" name="날짜 개체 틀 3">
-            <a:extLst>
-              <a:ext uri="{FF2B5EF4-FFF2-40B4-BE49-F238E27FC236}">
-                <a16:creationId xmlns:a16="http://schemas.microsoft.com/office/drawing/2014/main" id="{331C3227-5FF2-E06F-B562-507AA7E8122C}"/>
-              </a:ext>
-            </a:extLst>
-          </p:cNvPr>
-          <p:cNvSpPr>
-            <a:spLocks noGrp="1"/>
-          </p:cNvSpPr>
-          <p:nvPr>
-            <p:ph type="dt" sz="half" idx="10"/>
-          </p:nvPr>
-        </p:nvSpPr>
-        <p:spPr/>
-        <p:txBody>
-          <a:bodyPr/>
-          <a:lstStyle/>
-          <a:p>
-            <a:fld id="{0F78D9C4-20C1-4B15-A116-16DC77AD9A1E}" type="datetime1">
-              <a:rPr lang="ko-KR" altLang="en-US" smtClean="0"/>
-              <a:t>2025-04-25</a:t>
-            </a:fld>
-            <a:endParaRPr lang="ko-KR" altLang="en-US"/>
-          </a:p>
-        </p:txBody>
-      </p:sp>
-      <p:sp>
-        <p:nvSpPr>
-          <p:cNvPr id="5" name="슬라이드 번호 개체 틀 4">
-            <a:extLst>
-              <a:ext uri="{FF2B5EF4-FFF2-40B4-BE49-F238E27FC236}">
-                <a16:creationId xmlns:a16="http://schemas.microsoft.com/office/drawing/2014/main" id="{551350CB-C59C-B49E-AD8D-DAAF611DCA86}"/>
-              </a:ext>
-            </a:extLst>
-          </p:cNvPr>
-          <p:cNvSpPr>
-            <a:spLocks noGrp="1"/>
-          </p:cNvSpPr>
-          <p:nvPr>
-            <p:ph type="sldNum" sz="quarter" idx="12"/>
-          </p:nvPr>
-        </p:nvSpPr>
-        <p:spPr/>
-        <p:txBody>
-          <a:bodyPr/>
-          <a:lstStyle/>
-          <a:p>
-            <a:fld id="{083A2CE0-18CD-4102-B738-4ACFF9E68BA4}" type="slidenum">
-              <a:rPr lang="ko-KR" altLang="en-US" smtClean="0"/>
-              <a:t>40</a:t>
-            </a:fld>
-            <a:endParaRPr lang="ko-KR" altLang="en-US"/>
-          </a:p>
-        </p:txBody>
-      </p:sp>
-    </p:spTree>
-    <p:extLst>
-      <p:ext uri="{BB962C8B-B14F-4D97-AF65-F5344CB8AC3E}">
-        <p14:creationId xmlns:p14="http://schemas.microsoft.com/office/powerpoint/2010/main" val="3248845812"/>
-      </p:ext>
-    </p:extLst>
-  </p:cSld>
-  <p:clrMapOvr>
-    <a:masterClrMapping/>
-  </p:clrMapOvr>
-</p:sld>
-</file>
-
-<file path=ppt/slides/slide41.xml><?xml version="1.0" encoding="utf-8"?>
-<p:sld xmlns:a="http://schemas.openxmlformats.org/drawingml/2006/main" xmlns:r="http://schemas.openxmlformats.org/officeDocument/2006/relationships" xmlns:p="http://schemas.openxmlformats.org/presentationml/2006/main">
-  <p:cSld>
-    <p:spTree>
-      <p:nvGrpSpPr>
-        <p:cNvPr id="1" name="">
-          <a:extLst>
-            <a:ext uri="{FF2B5EF4-FFF2-40B4-BE49-F238E27FC236}">
               <a16:creationId xmlns:a16="http://schemas.microsoft.com/office/drawing/2014/main" id="{7AE60342-13AF-655E-8448-5A2EA9A499DE}"/>
             </a:ext>
           </a:extLst>
@@ -21567,7 +19246,7 @@
           <a:p>
             <a:fld id="{0F78D9C4-20C1-4B15-A116-16DC77AD9A1E}" type="datetime1">
               <a:rPr lang="ko-KR" altLang="en-US" smtClean="0"/>
-              <a:t>2025-04-25</a:t>
+              <a:t>2025-06-08</a:t>
             </a:fld>
             <a:endParaRPr lang="ko-KR" altLang="en-US"/>
           </a:p>
@@ -21596,7 +19275,7 @@
           <a:p>
             <a:fld id="{083A2CE0-18CD-4102-B738-4ACFF9E68BA4}" type="slidenum">
               <a:rPr lang="ko-KR" altLang="en-US" smtClean="0"/>
-              <a:t>41</a:t>
+              <a:t>40</a:t>
             </a:fld>
             <a:endParaRPr lang="ko-KR" altLang="en-US"/>
           </a:p>
@@ -21675,7 +19354,7 @@
 </p:sld>
 </file>
 
-<file path=ppt/slides/slide42.xml><?xml version="1.0" encoding="utf-8"?>
+<file path=ppt/slides/slide41.xml><?xml version="1.0" encoding="utf-8"?>
 <p:sld xmlns:a="http://schemas.openxmlformats.org/drawingml/2006/main" xmlns:r="http://schemas.openxmlformats.org/officeDocument/2006/relationships" xmlns:p="http://schemas.openxmlformats.org/presentationml/2006/main">
   <p:cSld>
     <p:spTree>
@@ -21816,7 +19495,7 @@
           <a:p>
             <a:fld id="{0F78D9C4-20C1-4B15-A116-16DC77AD9A1E}" type="datetime1">
               <a:rPr lang="ko-KR" altLang="en-US" smtClean="0"/>
-              <a:t>2025-04-25</a:t>
+              <a:t>2025-06-08</a:t>
             </a:fld>
             <a:endParaRPr lang="ko-KR" altLang="en-US"/>
           </a:p>
@@ -21845,7 +19524,7 @@
           <a:p>
             <a:fld id="{083A2CE0-18CD-4102-B738-4ACFF9E68BA4}" type="slidenum">
               <a:rPr lang="ko-KR" altLang="en-US" smtClean="0"/>
-              <a:t>42</a:t>
+              <a:t>41</a:t>
             </a:fld>
             <a:endParaRPr lang="ko-KR" altLang="en-US"/>
           </a:p>
@@ -21894,7 +19573,7 @@
 </p:sld>
 </file>
 
-<file path=ppt/slides/slide43.xml><?xml version="1.0" encoding="utf-8"?>
+<file path=ppt/slides/slide42.xml><?xml version="1.0" encoding="utf-8"?>
 <p:sld xmlns:a="http://schemas.openxmlformats.org/drawingml/2006/main" xmlns:r="http://schemas.openxmlformats.org/officeDocument/2006/relationships" xmlns:p="http://schemas.openxmlformats.org/presentationml/2006/main">
   <p:cSld>
     <p:spTree>
@@ -22391,7 +20070,7 @@
             <a:fld id="{0F78D9C4-20C1-4B15-A116-16DC77AD9A1E}" type="datetime1">
               <a:rPr lang="ko-KR" altLang="en-US" smtClean="0"/>
               <a:pPr/>
-              <a:t>2025-04-25</a:t>
+              <a:t>2025-06-08</a:t>
             </a:fld>
             <a:endParaRPr lang="ko-KR" altLang="en-US"/>
           </a:p>
@@ -22421,7 +20100,7 @@
             <a:fld id="{083A2CE0-18CD-4102-B738-4ACFF9E68BA4}" type="slidenum">
               <a:rPr lang="ko-KR" altLang="en-US" smtClean="0"/>
               <a:pPr/>
-              <a:t>43</a:t>
+              <a:t>42</a:t>
             </a:fld>
             <a:endParaRPr lang="ko-KR" altLang="en-US"/>
           </a:p>
@@ -22560,7 +20239,7 @@
 </p:sld>
 </file>
 
-<file path=ppt/slides/slide44.xml><?xml version="1.0" encoding="utf-8"?>
+<file path=ppt/slides/slide43.xml><?xml version="1.0" encoding="utf-8"?>
 <p:sld xmlns:a="http://schemas.openxmlformats.org/drawingml/2006/main" xmlns:r="http://schemas.openxmlformats.org/officeDocument/2006/relationships" xmlns:p="http://schemas.openxmlformats.org/presentationml/2006/main">
   <p:cSld>
     <p:spTree>
@@ -23007,7 +20686,7 @@
           <a:p>
             <a:fld id="{0F78D9C4-20C1-4B15-A116-16DC77AD9A1E}" type="datetime1">
               <a:rPr lang="ko-KR" altLang="en-US" smtClean="0"/>
-              <a:t>2025-04-25</a:t>
+              <a:t>2025-06-08</a:t>
             </a:fld>
             <a:endParaRPr lang="ko-KR" altLang="en-US"/>
           </a:p>
@@ -23036,7 +20715,7 @@
           <a:p>
             <a:fld id="{083A2CE0-18CD-4102-B738-4ACFF9E68BA4}" type="slidenum">
               <a:rPr lang="ko-KR" altLang="en-US" smtClean="0"/>
-              <a:t>44</a:t>
+              <a:t>43</a:t>
             </a:fld>
             <a:endParaRPr lang="ko-KR" altLang="en-US"/>
           </a:p>
@@ -23147,7 +20826,7 @@
 </p:sld>
 </file>
 
-<file path=ppt/slides/slide45.xml><?xml version="1.0" encoding="utf-8"?>
+<file path=ppt/slides/slide44.xml><?xml version="1.0" encoding="utf-8"?>
 <p:sld xmlns:a="http://schemas.openxmlformats.org/drawingml/2006/main" xmlns:r="http://schemas.openxmlformats.org/officeDocument/2006/relationships" xmlns:p="http://schemas.openxmlformats.org/presentationml/2006/main">
   <p:cSld>
     <p:spTree>
@@ -23243,7 +20922,7 @@
           <a:p>
             <a:fld id="{0F78D9C4-20C1-4B15-A116-16DC77AD9A1E}" type="datetime1">
               <a:rPr lang="ko-KR" altLang="en-US" smtClean="0"/>
-              <a:t>2025-04-25</a:t>
+              <a:t>2025-06-08</a:t>
             </a:fld>
             <a:endParaRPr lang="ko-KR" altLang="en-US"/>
           </a:p>
@@ -23272,7 +20951,7 @@
           <a:p>
             <a:fld id="{083A2CE0-18CD-4102-B738-4ACFF9E68BA4}" type="slidenum">
               <a:rPr lang="ko-KR" altLang="en-US" smtClean="0"/>
-              <a:t>45</a:t>
+              <a:t>44</a:t>
             </a:fld>
             <a:endParaRPr lang="ko-KR" altLang="en-US" dirty="0"/>
           </a:p>
@@ -23505,7 +21184,7 @@
 </p:sld>
 </file>
 
-<file path=ppt/slides/slide46.xml><?xml version="1.0" encoding="utf-8"?>
+<file path=ppt/slides/slide45.xml><?xml version="1.0" encoding="utf-8"?>
 <p:sld xmlns:a="http://schemas.openxmlformats.org/drawingml/2006/main" xmlns:r="http://schemas.openxmlformats.org/officeDocument/2006/relationships" xmlns:p="http://schemas.openxmlformats.org/presentationml/2006/main">
   <p:cSld>
     <p:spTree>
@@ -23698,6 +21377,10 @@
               <a:rPr lang="ko-KR" altLang="en-US" dirty="0"/>
               <a:t>함수를 이용하여 </a:t>
             </a:r>
+            <a:r>
+              <a:rPr lang="en-US" altLang="ko-KR" dirty="0"/>
+              <a:t/>
+            </a:r>
             <a:br>
               <a:rPr lang="en-US" altLang="ko-KR" dirty="0"/>
             </a:br>
@@ -23790,7 +21473,7 @@
           <a:p>
             <a:fld id="{0F78D9C4-20C1-4B15-A116-16DC77AD9A1E}" type="datetime1">
               <a:rPr lang="ko-KR" altLang="en-US" smtClean="0"/>
-              <a:t>2025-04-25</a:t>
+              <a:t>2025-06-08</a:t>
             </a:fld>
             <a:endParaRPr lang="ko-KR" altLang="en-US"/>
           </a:p>
@@ -23819,7 +21502,7 @@
           <a:p>
             <a:fld id="{083A2CE0-18CD-4102-B738-4ACFF9E68BA4}" type="slidenum">
               <a:rPr lang="ko-KR" altLang="en-US" smtClean="0"/>
-              <a:t>46</a:t>
+              <a:t>45</a:t>
             </a:fld>
             <a:endParaRPr lang="ko-KR" altLang="en-US"/>
           </a:p>
@@ -23868,7 +21551,7 @@
 </p:sld>
 </file>
 
-<file path=ppt/slides/slide47.xml><?xml version="1.0" encoding="utf-8"?>
+<file path=ppt/slides/slide46.xml><?xml version="1.0" encoding="utf-8"?>
 <p:sld xmlns:a="http://schemas.openxmlformats.org/drawingml/2006/main" xmlns:r="http://schemas.openxmlformats.org/officeDocument/2006/relationships" xmlns:p="http://schemas.openxmlformats.org/presentationml/2006/main">
   <p:cSld>
     <p:spTree>
@@ -23954,7 +21637,7 @@
           <a:p>
             <a:fld id="{2E2BEDFA-D8AA-4914-9440-7DF713C99FA9}" type="datetime1">
               <a:rPr lang="ko-KR" altLang="en-US" smtClean="0"/>
-              <a:t>2025-04-25</a:t>
+              <a:t>2025-06-08</a:t>
             </a:fld>
             <a:endParaRPr lang="ko-KR" altLang="en-US"/>
           </a:p>
@@ -23983,7 +21666,7 @@
           <a:p>
             <a:fld id="{083A2CE0-18CD-4102-B738-4ACFF9E68BA4}" type="slidenum">
               <a:rPr lang="ko-KR" altLang="en-US" smtClean="0"/>
-              <a:t>47</a:t>
+              <a:t>46</a:t>
             </a:fld>
             <a:endParaRPr lang="ko-KR" altLang="en-US"/>
           </a:p>
@@ -24002,7 +21685,7 @@
 </p:sld>
 </file>
 
-<file path=ppt/slides/slide48.xml><?xml version="1.0" encoding="utf-8"?>
+<file path=ppt/slides/slide47.xml><?xml version="1.0" encoding="utf-8"?>
 <p:sld xmlns:a="http://schemas.openxmlformats.org/drawingml/2006/main" xmlns:r="http://schemas.openxmlformats.org/officeDocument/2006/relationships" xmlns:p="http://schemas.openxmlformats.org/presentationml/2006/main">
   <p:cSld>
     <p:spTree>
@@ -24243,7 +21926,7 @@
           <a:p>
             <a:fld id="{68924C3D-697C-40F2-BC3D-E9F4D36B3635}" type="datetime6">
               <a:rPr lang="ko-KR" altLang="en-US" smtClean="0"/>
-              <a:t>2025년 4월</a:t>
+              <a:t>2025년 6월</a:t>
             </a:fld>
             <a:endParaRPr lang="ko-KR" altLang="en-US" dirty="0"/>
           </a:p>
@@ -24262,7 +21945,7 @@
 </p:sld>
 </file>
 
-<file path=ppt/slides/slide49.xml><?xml version="1.0" encoding="utf-8"?>
+<file path=ppt/slides/slide48.xml><?xml version="1.0" encoding="utf-8"?>
 <p:sld xmlns:a="http://schemas.openxmlformats.org/drawingml/2006/main" xmlns:r="http://schemas.openxmlformats.org/officeDocument/2006/relationships" xmlns:p="http://schemas.openxmlformats.org/presentationml/2006/main">
   <p:cSld>
     <p:spTree>
@@ -24625,7 +22308,7 @@
           <a:p>
             <a:fld id="{68924C3D-697C-40F2-BC3D-E9F4D36B3635}" type="datetime6">
               <a:rPr lang="ko-KR" altLang="en-US" smtClean="0"/>
-              <a:t>2025년 4월</a:t>
+              <a:t>2025년 6월</a:t>
             </a:fld>
             <a:endParaRPr lang="ko-KR" altLang="en-US" dirty="0"/>
           </a:p>
@@ -24635,6 +22318,771 @@
     <p:extLst>
       <p:ext uri="{BB962C8B-B14F-4D97-AF65-F5344CB8AC3E}">
         <p14:creationId xmlns:p14="http://schemas.microsoft.com/office/powerpoint/2010/main" val="2767990637"/>
+      </p:ext>
+    </p:extLst>
+  </p:cSld>
+  <p:clrMapOvr>
+    <a:masterClrMapping/>
+  </p:clrMapOvr>
+</p:sld>
+</file>
+
+<file path=ppt/slides/slide49.xml><?xml version="1.0" encoding="utf-8"?>
+<p:sld xmlns:a="http://schemas.openxmlformats.org/drawingml/2006/main" xmlns:r="http://schemas.openxmlformats.org/officeDocument/2006/relationships" xmlns:p="http://schemas.openxmlformats.org/presentationml/2006/main">
+  <p:cSld>
+    <p:spTree>
+      <p:nvGrpSpPr>
+        <p:cNvPr id="1" name="">
+          <a:extLst>
+            <a:ext uri="{FF2B5EF4-FFF2-40B4-BE49-F238E27FC236}">
+              <a16:creationId xmlns:a16="http://schemas.microsoft.com/office/drawing/2014/main" id="{4C32EB66-C9E0-6409-DF53-6B2AFA413B1E}"/>
+            </a:ext>
+          </a:extLst>
+        </p:cNvPr>
+        <p:cNvGrpSpPr/>
+        <p:nvPr/>
+      </p:nvGrpSpPr>
+      <p:grpSpPr>
+        <a:xfrm>
+          <a:off x="0" y="0"/>
+          <a:ext cx="0" cy="0"/>
+          <a:chOff x="0" y="0"/>
+          <a:chExt cx="0" cy="0"/>
+        </a:xfrm>
+      </p:grpSpPr>
+      <p:sp>
+        <p:nvSpPr>
+          <p:cNvPr id="2" name="제목 1">
+            <a:extLst>
+              <a:ext uri="{FF2B5EF4-FFF2-40B4-BE49-F238E27FC236}">
+                <a16:creationId xmlns:a16="http://schemas.microsoft.com/office/drawing/2014/main" id="{0D34CA6A-D12E-4FD6-D2A9-8FB90F664670}"/>
+              </a:ext>
+            </a:extLst>
+          </p:cNvPr>
+          <p:cNvSpPr>
+            <a:spLocks noGrp="1"/>
+          </p:cNvSpPr>
+          <p:nvPr>
+            <p:ph type="title"/>
+          </p:nvPr>
+        </p:nvSpPr>
+        <p:spPr>
+          <a:xfrm>
+            <a:off x="620485" y="365125"/>
+            <a:ext cx="8269515" cy="1325563"/>
+          </a:xfrm>
+        </p:spPr>
+        <p:txBody>
+          <a:bodyPr>
+            <a:normAutofit/>
+          </a:bodyPr>
+          <a:lstStyle/>
+          <a:p>
+            <a:r>
+              <a:rPr lang="ko-KR" altLang="en-US" dirty="0">
+                <a:solidFill>
+                  <a:srgbClr val="00B050"/>
+                </a:solidFill>
+                <a:latin typeface="Pretendard Black" panose="02000A03000000020004" pitchFamily="2" charset="-127"/>
+                <a:ea typeface="Pretendard Black" panose="02000A03000000020004" pitchFamily="2" charset="-127"/>
+                <a:cs typeface="Pretendard Black" panose="02000A03000000020004" pitchFamily="2" charset="-127"/>
+              </a:rPr>
+              <a:t>연산자 줄여 쓰기 </a:t>
+            </a:r>
+            <a:r>
+              <a:rPr lang="en-US" altLang="ko-KR" dirty="0">
+                <a:solidFill>
+                  <a:srgbClr val="00B050"/>
+                </a:solidFill>
+                <a:latin typeface="Pretendard Black" panose="02000A03000000020004" pitchFamily="2" charset="-127"/>
+                <a:ea typeface="Pretendard Black" panose="02000A03000000020004" pitchFamily="2" charset="-127"/>
+                <a:cs typeface="Pretendard Black" panose="02000A03000000020004" pitchFamily="2" charset="-127"/>
+              </a:rPr>
+              <a:t>(</a:t>
+            </a:r>
+            <a:r>
+              <a:rPr lang="ko-KR" altLang="en-US" dirty="0">
+                <a:solidFill>
+                  <a:srgbClr val="00B050"/>
+                </a:solidFill>
+                <a:latin typeface="Pretendard Black" panose="02000A03000000020004" pitchFamily="2" charset="-127"/>
+                <a:ea typeface="Pretendard Black" panose="02000A03000000020004" pitchFamily="2" charset="-127"/>
+                <a:cs typeface="Pretendard Black" panose="02000A03000000020004" pitchFamily="2" charset="-127"/>
+              </a:rPr>
+              <a:t>대입 연산자</a:t>
+            </a:r>
+            <a:r>
+              <a:rPr lang="en-US" altLang="ko-KR" dirty="0">
+                <a:solidFill>
+                  <a:srgbClr val="00B050"/>
+                </a:solidFill>
+                <a:latin typeface="Pretendard Black" panose="02000A03000000020004" pitchFamily="2" charset="-127"/>
+                <a:ea typeface="Pretendard Black" panose="02000A03000000020004" pitchFamily="2" charset="-127"/>
+                <a:cs typeface="Pretendard Black" panose="02000A03000000020004" pitchFamily="2" charset="-127"/>
+              </a:rPr>
+              <a:t>)</a:t>
+            </a:r>
+            <a:endParaRPr lang="ko-KR" altLang="en-US" dirty="0">
+              <a:solidFill>
+                <a:srgbClr val="00B050"/>
+              </a:solidFill>
+              <a:latin typeface="Pretendard Black" panose="02000A03000000020004" pitchFamily="2" charset="-127"/>
+              <a:ea typeface="Pretendard Black" panose="02000A03000000020004" pitchFamily="2" charset="-127"/>
+              <a:cs typeface="Pretendard Black" panose="02000A03000000020004" pitchFamily="2" charset="-127"/>
+            </a:endParaRPr>
+          </a:p>
+        </p:txBody>
+      </p:sp>
+      <p:sp>
+        <p:nvSpPr>
+          <p:cNvPr id="6" name="내용 개체 틀 2">
+            <a:extLst>
+              <a:ext uri="{FF2B5EF4-FFF2-40B4-BE49-F238E27FC236}">
+                <a16:creationId xmlns:a16="http://schemas.microsoft.com/office/drawing/2014/main" id="{338F8804-7A3A-BE0B-4B8D-CA03DC27EE1E}"/>
+              </a:ext>
+            </a:extLst>
+          </p:cNvPr>
+          <p:cNvSpPr>
+            <a:spLocks noGrp="1"/>
+          </p:cNvSpPr>
+          <p:nvPr>
+            <p:ph sz="half" idx="1"/>
+          </p:nvPr>
+        </p:nvSpPr>
+        <p:spPr>
+          <a:xfrm>
+            <a:off x="751703" y="1690688"/>
+            <a:ext cx="10812112" cy="4711814"/>
+          </a:xfrm>
+        </p:spPr>
+        <p:txBody>
+          <a:bodyPr vert="horz" lIns="91440" tIns="45720" rIns="91440" bIns="45720" rtlCol="0" anchor="t">
+            <a:normAutofit/>
+          </a:bodyPr>
+          <a:lstStyle/>
+          <a:p>
+            <a:pPr>
+              <a:lnSpc>
+                <a:spcPct val="150000"/>
+              </a:lnSpc>
+            </a:pPr>
+            <a:r>
+              <a:rPr lang="en-US" altLang="ko-KR" dirty="0">
+                <a:solidFill>
+                  <a:srgbClr val="000000"/>
+                </a:solidFill>
+                <a:latin typeface="Pretendard" panose="02000503000000020004" pitchFamily="2" charset="-127"/>
+                <a:ea typeface="Pretendard" panose="02000503000000020004" pitchFamily="2" charset="-127"/>
+                <a:cs typeface="Pretendard" panose="02000503000000020004" pitchFamily="2" charset="-127"/>
+              </a:rPr>
+              <a:t>num</a:t>
+            </a:r>
+            <a:r>
+              <a:rPr lang="ko-KR" altLang="en-US" dirty="0">
+                <a:latin typeface="Pretendard" panose="02000503000000020004" pitchFamily="2" charset="-127"/>
+                <a:ea typeface="Pretendard" panose="02000503000000020004" pitchFamily="2" charset="-127"/>
+                <a:cs typeface="Pretendard" panose="02000503000000020004" pitchFamily="2" charset="-127"/>
+              </a:rPr>
+              <a:t> </a:t>
+            </a:r>
+            <a:r>
+              <a:rPr lang="ko-KR" dirty="0">
+                <a:latin typeface="Pretendard" panose="02000503000000020004" pitchFamily="2" charset="-127"/>
+                <a:ea typeface="Pretendard" panose="02000503000000020004" pitchFamily="2" charset="-127"/>
+                <a:cs typeface="Pretendard" panose="02000503000000020004" pitchFamily="2" charset="-127"/>
+              </a:rPr>
+              <a:t>= </a:t>
+            </a:r>
+            <a:r>
+              <a:rPr lang="ko-KR" dirty="0" err="1">
+                <a:latin typeface="Pretendard" panose="02000503000000020004" pitchFamily="2" charset="-127"/>
+                <a:ea typeface="Pretendard" panose="02000503000000020004" pitchFamily="2" charset="-127"/>
+                <a:cs typeface="Pretendard" panose="02000503000000020004" pitchFamily="2" charset="-127"/>
+              </a:rPr>
+              <a:t>num</a:t>
+            </a:r>
+            <a:r>
+              <a:rPr lang="ko-KR" dirty="0">
+                <a:latin typeface="Pretendard" panose="02000503000000020004" pitchFamily="2" charset="-127"/>
+                <a:ea typeface="Pretendard" panose="02000503000000020004" pitchFamily="2" charset="-127"/>
+                <a:cs typeface="Pretendard" panose="02000503000000020004" pitchFamily="2" charset="-127"/>
+              </a:rPr>
+              <a:t> + 5 </a:t>
+            </a:r>
+            <a:r>
+              <a:rPr lang="ko-KR" dirty="0">
+                <a:solidFill>
+                  <a:srgbClr val="00B050"/>
+                </a:solidFill>
+                <a:latin typeface="Pretendard" panose="02000503000000020004" pitchFamily="2" charset="-127"/>
+                <a:ea typeface="Pretendard" panose="02000503000000020004" pitchFamily="2" charset="-127"/>
+                <a:cs typeface="Pretendard" panose="02000503000000020004" pitchFamily="2" charset="-127"/>
+              </a:rPr>
+              <a:t>→</a:t>
+            </a:r>
+            <a:r>
+              <a:rPr lang="ko-KR" altLang="en-US" dirty="0">
+                <a:latin typeface="Pretendard" panose="02000503000000020004" pitchFamily="2" charset="-127"/>
+                <a:ea typeface="Pretendard" panose="02000503000000020004" pitchFamily="2" charset="-127"/>
+                <a:cs typeface="Pretendard" panose="02000503000000020004" pitchFamily="2" charset="-127"/>
+              </a:rPr>
+              <a:t> </a:t>
+            </a:r>
+            <a:r>
+              <a:rPr lang="en-US" altLang="ko-KR" dirty="0">
+                <a:latin typeface="Pretendard" panose="02000503000000020004" pitchFamily="2" charset="-127"/>
+                <a:ea typeface="Pretendard" panose="02000503000000020004" pitchFamily="2" charset="-127"/>
+                <a:cs typeface="Pretendard" panose="02000503000000020004" pitchFamily="2" charset="-127"/>
+              </a:rPr>
+              <a:t>num</a:t>
+            </a:r>
+            <a:r>
+              <a:rPr lang="ko-KR" altLang="en-US" dirty="0">
+                <a:latin typeface="Pretendard" panose="02000503000000020004" pitchFamily="2" charset="-127"/>
+                <a:ea typeface="Pretendard" panose="02000503000000020004" pitchFamily="2" charset="-127"/>
+                <a:cs typeface="Pretendard" panose="02000503000000020004" pitchFamily="2" charset="-127"/>
+              </a:rPr>
+              <a:t> </a:t>
+            </a:r>
+            <a:r>
+              <a:rPr lang="en-US" altLang="ko-KR" dirty="0">
+                <a:latin typeface="Pretendard" panose="02000503000000020004" pitchFamily="2" charset="-127"/>
+                <a:ea typeface="Pretendard" panose="02000503000000020004" pitchFamily="2" charset="-127"/>
+                <a:cs typeface="Pretendard" panose="02000503000000020004" pitchFamily="2" charset="-127"/>
+              </a:rPr>
+              <a:t>+=</a:t>
+            </a:r>
+            <a:r>
+              <a:rPr lang="ko-KR" altLang="en-US" dirty="0">
+                <a:latin typeface="Pretendard" panose="02000503000000020004" pitchFamily="2" charset="-127"/>
+                <a:ea typeface="Pretendard" panose="02000503000000020004" pitchFamily="2" charset="-127"/>
+                <a:cs typeface="Pretendard" panose="02000503000000020004" pitchFamily="2" charset="-127"/>
+              </a:rPr>
+              <a:t> </a:t>
+            </a:r>
+            <a:r>
+              <a:rPr lang="en-US" altLang="ko-KR" dirty="0">
+                <a:latin typeface="Pretendard" panose="02000503000000020004" pitchFamily="2" charset="-127"/>
+                <a:ea typeface="Pretendard" panose="02000503000000020004" pitchFamily="2" charset="-127"/>
+                <a:cs typeface="Pretendard" panose="02000503000000020004" pitchFamily="2" charset="-127"/>
+              </a:rPr>
+              <a:t>5</a:t>
+            </a:r>
+            <a:endParaRPr lang="ko-KR" altLang="en-US" dirty="0">
+              <a:latin typeface="Pretendard" panose="02000503000000020004" pitchFamily="2" charset="-127"/>
+              <a:ea typeface="Pretendard" panose="02000503000000020004" pitchFamily="2" charset="-127"/>
+              <a:cs typeface="Pretendard" panose="02000503000000020004" pitchFamily="2" charset="-127"/>
+            </a:endParaRPr>
+          </a:p>
+          <a:p>
+            <a:pPr>
+              <a:lnSpc>
+                <a:spcPct val="150000"/>
+              </a:lnSpc>
+            </a:pPr>
+            <a:r>
+              <a:rPr lang="en-US" altLang="ko-KR" dirty="0">
+                <a:latin typeface="Pretendard" panose="02000503000000020004" pitchFamily="2" charset="-127"/>
+                <a:ea typeface="Pretendard" panose="02000503000000020004" pitchFamily="2" charset="-127"/>
+                <a:cs typeface="Pretendard" panose="02000503000000020004" pitchFamily="2" charset="-127"/>
+              </a:rPr>
+              <a:t>num</a:t>
+            </a:r>
+            <a:r>
+              <a:rPr lang="ko-KR" altLang="en-US" dirty="0">
+                <a:latin typeface="Pretendard" panose="02000503000000020004" pitchFamily="2" charset="-127"/>
+                <a:ea typeface="Pretendard" panose="02000503000000020004" pitchFamily="2" charset="-127"/>
+                <a:cs typeface="Pretendard" panose="02000503000000020004" pitchFamily="2" charset="-127"/>
+              </a:rPr>
+              <a:t> </a:t>
+            </a:r>
+            <a:r>
+              <a:rPr lang="en-US" altLang="ko-KR" dirty="0">
+                <a:latin typeface="Pretendard" panose="02000503000000020004" pitchFamily="2" charset="-127"/>
+                <a:ea typeface="Pretendard" panose="02000503000000020004" pitchFamily="2" charset="-127"/>
+                <a:cs typeface="Pretendard" panose="02000503000000020004" pitchFamily="2" charset="-127"/>
+              </a:rPr>
+              <a:t>=</a:t>
+            </a:r>
+            <a:r>
+              <a:rPr lang="ko-KR" dirty="0">
+                <a:latin typeface="Pretendard" panose="02000503000000020004" pitchFamily="2" charset="-127"/>
+                <a:ea typeface="Pretendard" panose="02000503000000020004" pitchFamily="2" charset="-127"/>
+                <a:cs typeface="Pretendard" panose="02000503000000020004" pitchFamily="2" charset="-127"/>
+              </a:rPr>
+              <a:t> </a:t>
+            </a:r>
+            <a:r>
+              <a:rPr lang="en-US" altLang="ko-KR" dirty="0">
+                <a:latin typeface="Pretendard" panose="02000503000000020004" pitchFamily="2" charset="-127"/>
+                <a:ea typeface="Pretendard" panose="02000503000000020004" pitchFamily="2" charset="-127"/>
+                <a:cs typeface="Pretendard" panose="02000503000000020004" pitchFamily="2" charset="-127"/>
+              </a:rPr>
+              <a:t>num</a:t>
+            </a:r>
+            <a:r>
+              <a:rPr lang="ko-KR" altLang="en-US" dirty="0">
+                <a:latin typeface="Pretendard" panose="02000503000000020004" pitchFamily="2" charset="-127"/>
+                <a:ea typeface="Pretendard" panose="02000503000000020004" pitchFamily="2" charset="-127"/>
+                <a:cs typeface="Pretendard" panose="02000503000000020004" pitchFamily="2" charset="-127"/>
+              </a:rPr>
+              <a:t> </a:t>
+            </a:r>
+            <a:r>
+              <a:rPr lang="en-US" altLang="ko-KR" dirty="0">
+                <a:latin typeface="Pretendard" panose="02000503000000020004" pitchFamily="2" charset="-127"/>
+                <a:ea typeface="Pretendard" panose="02000503000000020004" pitchFamily="2" charset="-127"/>
+                <a:cs typeface="Pretendard" panose="02000503000000020004" pitchFamily="2" charset="-127"/>
+              </a:rPr>
+              <a:t>-</a:t>
+            </a:r>
+            <a:r>
+              <a:rPr lang="ko-KR" dirty="0">
+                <a:latin typeface="Pretendard" panose="02000503000000020004" pitchFamily="2" charset="-127"/>
+                <a:ea typeface="Pretendard" panose="02000503000000020004" pitchFamily="2" charset="-127"/>
+                <a:cs typeface="Pretendard" panose="02000503000000020004" pitchFamily="2" charset="-127"/>
+              </a:rPr>
+              <a:t> 5 </a:t>
+            </a:r>
+            <a:r>
+              <a:rPr lang="ko-KR" altLang="en-US" dirty="0">
+                <a:solidFill>
+                  <a:srgbClr val="00B050"/>
+                </a:solidFill>
+                <a:latin typeface="Pretendard" panose="02000503000000020004" pitchFamily="2" charset="-127"/>
+                <a:ea typeface="Pretendard" panose="02000503000000020004" pitchFamily="2" charset="-127"/>
+                <a:cs typeface="Pretendard" panose="02000503000000020004" pitchFamily="2" charset="-127"/>
+              </a:rPr>
+              <a:t>→</a:t>
+            </a:r>
+            <a:r>
+              <a:rPr lang="ko-KR" dirty="0">
+                <a:latin typeface="Pretendard" panose="02000503000000020004" pitchFamily="2" charset="-127"/>
+                <a:ea typeface="Pretendard" panose="02000503000000020004" pitchFamily="2" charset="-127"/>
+                <a:cs typeface="Pretendard" panose="02000503000000020004" pitchFamily="2" charset="-127"/>
+              </a:rPr>
+              <a:t> </a:t>
+            </a:r>
+            <a:r>
+              <a:rPr lang="en-US" altLang="ko-KR" dirty="0">
+                <a:latin typeface="Pretendard" panose="02000503000000020004" pitchFamily="2" charset="-127"/>
+                <a:ea typeface="Pretendard" panose="02000503000000020004" pitchFamily="2" charset="-127"/>
+                <a:cs typeface="Pretendard" panose="02000503000000020004" pitchFamily="2" charset="-127"/>
+              </a:rPr>
+              <a:t>num</a:t>
+            </a:r>
+            <a:r>
+              <a:rPr lang="ko-KR" altLang="en-US" dirty="0">
+                <a:latin typeface="Pretendard" panose="02000503000000020004" pitchFamily="2" charset="-127"/>
+                <a:ea typeface="Pretendard" panose="02000503000000020004" pitchFamily="2" charset="-127"/>
+                <a:cs typeface="Pretendard" panose="02000503000000020004" pitchFamily="2" charset="-127"/>
+              </a:rPr>
+              <a:t> </a:t>
+            </a:r>
+            <a:r>
+              <a:rPr lang="en-US" altLang="ko-KR" dirty="0">
+                <a:latin typeface="Pretendard" panose="02000503000000020004" pitchFamily="2" charset="-127"/>
+                <a:ea typeface="Pretendard" panose="02000503000000020004" pitchFamily="2" charset="-127"/>
+                <a:cs typeface="Pretendard" panose="02000503000000020004" pitchFamily="2" charset="-127"/>
+              </a:rPr>
+              <a:t>-=</a:t>
+            </a:r>
+            <a:r>
+              <a:rPr lang="ko-KR" altLang="en-US" dirty="0">
+                <a:latin typeface="Pretendard" panose="02000503000000020004" pitchFamily="2" charset="-127"/>
+                <a:ea typeface="Pretendard" panose="02000503000000020004" pitchFamily="2" charset="-127"/>
+                <a:cs typeface="Pretendard" panose="02000503000000020004" pitchFamily="2" charset="-127"/>
+              </a:rPr>
+              <a:t> </a:t>
+            </a:r>
+            <a:r>
+              <a:rPr lang="en-US" altLang="ko-KR" dirty="0">
+                <a:latin typeface="Pretendard" panose="02000503000000020004" pitchFamily="2" charset="-127"/>
+                <a:ea typeface="Pretendard" panose="02000503000000020004" pitchFamily="2" charset="-127"/>
+                <a:cs typeface="Pretendard" panose="02000503000000020004" pitchFamily="2" charset="-127"/>
+              </a:rPr>
+              <a:t>5</a:t>
+            </a:r>
+            <a:endParaRPr lang="ko-KR" altLang="en-US" dirty="0">
+              <a:latin typeface="Pretendard" panose="02000503000000020004" pitchFamily="2" charset="-127"/>
+              <a:ea typeface="Pretendard" panose="02000503000000020004" pitchFamily="2" charset="-127"/>
+              <a:cs typeface="Pretendard" panose="02000503000000020004" pitchFamily="2" charset="-127"/>
+            </a:endParaRPr>
+          </a:p>
+          <a:p>
+            <a:pPr>
+              <a:lnSpc>
+                <a:spcPct val="150000"/>
+              </a:lnSpc>
+            </a:pPr>
+            <a:r>
+              <a:rPr lang="en-US" altLang="ko-KR" dirty="0">
+                <a:latin typeface="Pretendard" panose="02000503000000020004" pitchFamily="2" charset="-127"/>
+                <a:ea typeface="Pretendard" panose="02000503000000020004" pitchFamily="2" charset="-127"/>
+                <a:cs typeface="Pretendard" panose="02000503000000020004" pitchFamily="2" charset="-127"/>
+              </a:rPr>
+              <a:t>num</a:t>
+            </a:r>
+            <a:r>
+              <a:rPr lang="ko-KR" altLang="en-US" dirty="0">
+                <a:latin typeface="Pretendard" panose="02000503000000020004" pitchFamily="2" charset="-127"/>
+                <a:ea typeface="Pretendard" panose="02000503000000020004" pitchFamily="2" charset="-127"/>
+                <a:cs typeface="Pretendard" panose="02000503000000020004" pitchFamily="2" charset="-127"/>
+              </a:rPr>
+              <a:t> </a:t>
+            </a:r>
+            <a:r>
+              <a:rPr lang="en-US" altLang="ko-KR" dirty="0">
+                <a:latin typeface="Pretendard" panose="02000503000000020004" pitchFamily="2" charset="-127"/>
+                <a:ea typeface="Pretendard" panose="02000503000000020004" pitchFamily="2" charset="-127"/>
+                <a:cs typeface="Pretendard" panose="02000503000000020004" pitchFamily="2" charset="-127"/>
+              </a:rPr>
+              <a:t>=</a:t>
+            </a:r>
+            <a:r>
+              <a:rPr lang="ko-KR" altLang="en-US" dirty="0">
+                <a:latin typeface="Pretendard" panose="02000503000000020004" pitchFamily="2" charset="-127"/>
+                <a:ea typeface="Pretendard" panose="02000503000000020004" pitchFamily="2" charset="-127"/>
+                <a:cs typeface="Pretendard" panose="02000503000000020004" pitchFamily="2" charset="-127"/>
+              </a:rPr>
+              <a:t> </a:t>
+            </a:r>
+            <a:r>
+              <a:rPr lang="ko-KR" dirty="0" err="1">
+                <a:latin typeface="Pretendard" panose="02000503000000020004" pitchFamily="2" charset="-127"/>
+                <a:ea typeface="Pretendard" panose="02000503000000020004" pitchFamily="2" charset="-127"/>
+                <a:cs typeface="Pretendard" panose="02000503000000020004" pitchFamily="2" charset="-127"/>
+              </a:rPr>
+              <a:t>num</a:t>
+            </a:r>
+            <a:r>
+              <a:rPr lang="ko-KR" altLang="en-US" dirty="0">
+                <a:latin typeface="Pretendard" panose="02000503000000020004" pitchFamily="2" charset="-127"/>
+                <a:ea typeface="Pretendard" panose="02000503000000020004" pitchFamily="2" charset="-127"/>
+                <a:cs typeface="Pretendard" panose="02000503000000020004" pitchFamily="2" charset="-127"/>
+              </a:rPr>
+              <a:t> * </a:t>
+            </a:r>
+            <a:r>
+              <a:rPr lang="en-US" altLang="ko-KR" dirty="0">
+                <a:latin typeface="Pretendard" panose="02000503000000020004" pitchFamily="2" charset="-127"/>
+                <a:ea typeface="Pretendard" panose="02000503000000020004" pitchFamily="2" charset="-127"/>
+                <a:cs typeface="Pretendard" panose="02000503000000020004" pitchFamily="2" charset="-127"/>
+              </a:rPr>
+              <a:t>5</a:t>
+            </a:r>
+            <a:r>
+              <a:rPr lang="ko-KR" altLang="en-US" dirty="0">
+                <a:solidFill>
+                  <a:srgbClr val="000000"/>
+                </a:solidFill>
+                <a:latin typeface="Pretendard" panose="02000503000000020004" pitchFamily="2" charset="-127"/>
+                <a:ea typeface="Pretendard" panose="02000503000000020004" pitchFamily="2" charset="-127"/>
+                <a:cs typeface="Pretendard" panose="02000503000000020004" pitchFamily="2" charset="-127"/>
+              </a:rPr>
+              <a:t> </a:t>
+            </a:r>
+            <a:r>
+              <a:rPr lang="ko-KR" dirty="0">
+                <a:solidFill>
+                  <a:srgbClr val="00B050"/>
+                </a:solidFill>
+                <a:latin typeface="Pretendard" panose="02000503000000020004" pitchFamily="2" charset="-127"/>
+                <a:ea typeface="Pretendard" panose="02000503000000020004" pitchFamily="2" charset="-127"/>
+                <a:cs typeface="Pretendard" panose="02000503000000020004" pitchFamily="2" charset="-127"/>
+              </a:rPr>
+              <a:t>→</a:t>
+            </a:r>
+            <a:r>
+              <a:rPr lang="ko-KR" altLang="en-US" dirty="0">
+                <a:latin typeface="Pretendard" panose="02000503000000020004" pitchFamily="2" charset="-127"/>
+                <a:ea typeface="Pretendard" panose="02000503000000020004" pitchFamily="2" charset="-127"/>
+                <a:cs typeface="Pretendard" panose="02000503000000020004" pitchFamily="2" charset="-127"/>
+              </a:rPr>
+              <a:t> </a:t>
+            </a:r>
+            <a:r>
+              <a:rPr lang="ko-KR" dirty="0" err="1">
+                <a:latin typeface="Pretendard" panose="02000503000000020004" pitchFamily="2" charset="-127"/>
+                <a:ea typeface="Pretendard" panose="02000503000000020004" pitchFamily="2" charset="-127"/>
+                <a:cs typeface="Pretendard" panose="02000503000000020004" pitchFamily="2" charset="-127"/>
+              </a:rPr>
+              <a:t>num</a:t>
+            </a:r>
+            <a:r>
+              <a:rPr lang="ko-KR" dirty="0">
+                <a:latin typeface="Pretendard" panose="02000503000000020004" pitchFamily="2" charset="-127"/>
+                <a:ea typeface="Pretendard" panose="02000503000000020004" pitchFamily="2" charset="-127"/>
+                <a:cs typeface="Pretendard" panose="02000503000000020004" pitchFamily="2" charset="-127"/>
+              </a:rPr>
+              <a:t> *=</a:t>
+            </a:r>
+            <a:r>
+              <a:rPr lang="ko-KR" altLang="en-US" dirty="0">
+                <a:solidFill>
+                  <a:srgbClr val="000000"/>
+                </a:solidFill>
+                <a:latin typeface="Pretendard" panose="02000503000000020004" pitchFamily="2" charset="-127"/>
+                <a:ea typeface="Pretendard" panose="02000503000000020004" pitchFamily="2" charset="-127"/>
+                <a:cs typeface="Pretendard" panose="02000503000000020004" pitchFamily="2" charset="-127"/>
+              </a:rPr>
+              <a:t> </a:t>
+            </a:r>
+            <a:r>
+              <a:rPr lang="en-US" altLang="ko-KR" dirty="0">
+                <a:solidFill>
+                  <a:srgbClr val="000000"/>
+                </a:solidFill>
+                <a:latin typeface="Pretendard" panose="02000503000000020004" pitchFamily="2" charset="-127"/>
+                <a:ea typeface="Pretendard" panose="02000503000000020004" pitchFamily="2" charset="-127"/>
+                <a:cs typeface="Pretendard" panose="02000503000000020004" pitchFamily="2" charset="-127"/>
+              </a:rPr>
+              <a:t>5</a:t>
+            </a:r>
+            <a:endParaRPr lang="ko-KR" altLang="en-US" dirty="0">
+              <a:latin typeface="Pretendard" panose="02000503000000020004" pitchFamily="2" charset="-127"/>
+              <a:ea typeface="Pretendard" panose="02000503000000020004" pitchFamily="2" charset="-127"/>
+              <a:cs typeface="Pretendard" panose="02000503000000020004" pitchFamily="2" charset="-127"/>
+            </a:endParaRPr>
+          </a:p>
+          <a:p>
+            <a:pPr>
+              <a:lnSpc>
+                <a:spcPct val="150000"/>
+              </a:lnSpc>
+            </a:pPr>
+            <a:r>
+              <a:rPr lang="ko-KR" dirty="0" err="1">
+                <a:latin typeface="Pretendard" panose="02000503000000020004" pitchFamily="2" charset="-127"/>
+                <a:ea typeface="Pretendard" panose="02000503000000020004" pitchFamily="2" charset="-127"/>
+                <a:cs typeface="Pretendard" panose="02000503000000020004" pitchFamily="2" charset="-127"/>
+              </a:rPr>
+              <a:t>num</a:t>
+            </a:r>
+            <a:r>
+              <a:rPr lang="ko-KR" dirty="0">
+                <a:latin typeface="Pretendard" panose="02000503000000020004" pitchFamily="2" charset="-127"/>
+                <a:ea typeface="Pretendard" panose="02000503000000020004" pitchFamily="2" charset="-127"/>
+                <a:cs typeface="Pretendard" panose="02000503000000020004" pitchFamily="2" charset="-127"/>
+              </a:rPr>
+              <a:t> =</a:t>
+            </a:r>
+            <a:r>
+              <a:rPr lang="ko-KR" altLang="en-US" dirty="0">
+                <a:latin typeface="Pretendard" panose="02000503000000020004" pitchFamily="2" charset="-127"/>
+                <a:ea typeface="Pretendard" panose="02000503000000020004" pitchFamily="2" charset="-127"/>
+                <a:cs typeface="Pretendard" panose="02000503000000020004" pitchFamily="2" charset="-127"/>
+              </a:rPr>
+              <a:t> </a:t>
+            </a:r>
+            <a:r>
+              <a:rPr lang="en-US" altLang="ko-KR" dirty="0">
+                <a:latin typeface="Pretendard" panose="02000503000000020004" pitchFamily="2" charset="-127"/>
+                <a:ea typeface="Pretendard" panose="02000503000000020004" pitchFamily="2" charset="-127"/>
+                <a:cs typeface="Pretendard" panose="02000503000000020004" pitchFamily="2" charset="-127"/>
+              </a:rPr>
+              <a:t>num</a:t>
+            </a:r>
+            <a:r>
+              <a:rPr lang="ko-KR" altLang="en-US" dirty="0">
+                <a:latin typeface="Pretendard" panose="02000503000000020004" pitchFamily="2" charset="-127"/>
+                <a:ea typeface="Pretendard" panose="02000503000000020004" pitchFamily="2" charset="-127"/>
+                <a:cs typeface="Pretendard" panose="02000503000000020004" pitchFamily="2" charset="-127"/>
+              </a:rPr>
+              <a:t> </a:t>
+            </a:r>
+            <a:r>
+              <a:rPr lang="en-US" altLang="ko-KR" dirty="0">
+                <a:latin typeface="Pretendard" panose="02000503000000020004" pitchFamily="2" charset="-127"/>
+                <a:ea typeface="Pretendard" panose="02000503000000020004" pitchFamily="2" charset="-127"/>
+                <a:cs typeface="Pretendard" panose="02000503000000020004" pitchFamily="2" charset="-127"/>
+              </a:rPr>
+              <a:t>/</a:t>
+            </a:r>
+            <a:r>
+              <a:rPr lang="ko-KR" altLang="en-US" dirty="0">
+                <a:latin typeface="Pretendard" panose="02000503000000020004" pitchFamily="2" charset="-127"/>
+                <a:ea typeface="Pretendard" panose="02000503000000020004" pitchFamily="2" charset="-127"/>
+                <a:cs typeface="Pretendard" panose="02000503000000020004" pitchFamily="2" charset="-127"/>
+              </a:rPr>
+              <a:t> </a:t>
+            </a:r>
+            <a:r>
+              <a:rPr lang="en-US" altLang="ko-KR" dirty="0">
+                <a:latin typeface="Pretendard" panose="02000503000000020004" pitchFamily="2" charset="-127"/>
+                <a:ea typeface="Pretendard" panose="02000503000000020004" pitchFamily="2" charset="-127"/>
+                <a:cs typeface="Pretendard" panose="02000503000000020004" pitchFamily="2" charset="-127"/>
+              </a:rPr>
+              <a:t>5</a:t>
+            </a:r>
+            <a:r>
+              <a:rPr lang="ko-KR" altLang="en-US" dirty="0">
+                <a:latin typeface="Pretendard" panose="02000503000000020004" pitchFamily="2" charset="-127"/>
+                <a:ea typeface="Pretendard" panose="02000503000000020004" pitchFamily="2" charset="-127"/>
+                <a:cs typeface="Pretendard" panose="02000503000000020004" pitchFamily="2" charset="-127"/>
+              </a:rPr>
+              <a:t> </a:t>
+            </a:r>
+            <a:r>
+              <a:rPr lang="ko-KR" dirty="0">
+                <a:solidFill>
+                  <a:srgbClr val="00B050"/>
+                </a:solidFill>
+                <a:latin typeface="Pretendard" panose="02000503000000020004" pitchFamily="2" charset="-127"/>
+                <a:ea typeface="Pretendard" panose="02000503000000020004" pitchFamily="2" charset="-127"/>
+                <a:cs typeface="Pretendard" panose="02000503000000020004" pitchFamily="2" charset="-127"/>
+              </a:rPr>
+              <a:t>→</a:t>
+            </a:r>
+            <a:r>
+              <a:rPr lang="ko-KR" altLang="en-US" dirty="0">
+                <a:latin typeface="Pretendard" panose="02000503000000020004" pitchFamily="2" charset="-127"/>
+                <a:ea typeface="Pretendard" panose="02000503000000020004" pitchFamily="2" charset="-127"/>
+                <a:cs typeface="Pretendard" panose="02000503000000020004" pitchFamily="2" charset="-127"/>
+              </a:rPr>
+              <a:t> </a:t>
+            </a:r>
+            <a:r>
+              <a:rPr lang="en-US" altLang="ko-KR" dirty="0">
+                <a:latin typeface="Pretendard" panose="02000503000000020004" pitchFamily="2" charset="-127"/>
+                <a:ea typeface="Pretendard" panose="02000503000000020004" pitchFamily="2" charset="-127"/>
+                <a:cs typeface="Pretendard" panose="02000503000000020004" pitchFamily="2" charset="-127"/>
+              </a:rPr>
+              <a:t>num</a:t>
+            </a:r>
+            <a:r>
+              <a:rPr lang="ko-KR" altLang="en-US" dirty="0">
+                <a:latin typeface="Pretendard" panose="02000503000000020004" pitchFamily="2" charset="-127"/>
+                <a:ea typeface="Pretendard" panose="02000503000000020004" pitchFamily="2" charset="-127"/>
+                <a:cs typeface="Pretendard" panose="02000503000000020004" pitchFamily="2" charset="-127"/>
+              </a:rPr>
+              <a:t> </a:t>
+            </a:r>
+            <a:r>
+              <a:rPr lang="en-US" altLang="ko-KR" dirty="0">
+                <a:latin typeface="Pretendard" panose="02000503000000020004" pitchFamily="2" charset="-127"/>
+                <a:ea typeface="Pretendard" panose="02000503000000020004" pitchFamily="2" charset="-127"/>
+                <a:cs typeface="Pretendard" panose="02000503000000020004" pitchFamily="2" charset="-127"/>
+              </a:rPr>
+              <a:t>/=</a:t>
+            </a:r>
+            <a:r>
+              <a:rPr lang="ko-KR" altLang="en-US" dirty="0">
+                <a:latin typeface="Pretendard" panose="02000503000000020004" pitchFamily="2" charset="-127"/>
+                <a:ea typeface="Pretendard" panose="02000503000000020004" pitchFamily="2" charset="-127"/>
+                <a:cs typeface="Pretendard" panose="02000503000000020004" pitchFamily="2" charset="-127"/>
+              </a:rPr>
+              <a:t> </a:t>
+            </a:r>
+            <a:r>
+              <a:rPr lang="en-US" altLang="ko-KR" dirty="0">
+                <a:latin typeface="Pretendard" panose="02000503000000020004" pitchFamily="2" charset="-127"/>
+                <a:ea typeface="Pretendard" panose="02000503000000020004" pitchFamily="2" charset="-127"/>
+                <a:cs typeface="Pretendard" panose="02000503000000020004" pitchFamily="2" charset="-127"/>
+              </a:rPr>
+              <a:t>5</a:t>
+            </a:r>
+            <a:endParaRPr lang="ko-KR" altLang="en-US" dirty="0">
+              <a:latin typeface="Pretendard" panose="02000503000000020004" pitchFamily="2" charset="-127"/>
+              <a:ea typeface="Pretendard" panose="02000503000000020004" pitchFamily="2" charset="-127"/>
+              <a:cs typeface="Pretendard" panose="02000503000000020004" pitchFamily="2" charset="-127"/>
+            </a:endParaRPr>
+          </a:p>
+          <a:p>
+            <a:pPr>
+              <a:lnSpc>
+                <a:spcPct val="150000"/>
+              </a:lnSpc>
+            </a:pPr>
+            <a:endParaRPr lang="ko-KR" altLang="en-US" dirty="0">
+              <a:latin typeface="Pretendard" panose="02000503000000020004" pitchFamily="2" charset="-127"/>
+              <a:ea typeface="Pretendard" panose="02000503000000020004" pitchFamily="2" charset="-127"/>
+              <a:cs typeface="Pretendard" panose="02000503000000020004" pitchFamily="2" charset="-127"/>
+            </a:endParaRPr>
+          </a:p>
+          <a:p>
+            <a:pPr>
+              <a:lnSpc>
+                <a:spcPct val="150000"/>
+              </a:lnSpc>
+            </a:pPr>
+            <a:endParaRPr lang="ko-KR" altLang="en-US" dirty="0">
+              <a:latin typeface="Pretendard" panose="02000503000000020004" pitchFamily="2" charset="-127"/>
+              <a:ea typeface="Pretendard" panose="02000503000000020004" pitchFamily="2" charset="-127"/>
+              <a:cs typeface="Pretendard" panose="02000503000000020004" pitchFamily="2" charset="-127"/>
+            </a:endParaRPr>
+          </a:p>
+          <a:p>
+            <a:pPr>
+              <a:lnSpc>
+                <a:spcPct val="150000"/>
+              </a:lnSpc>
+            </a:pPr>
+            <a:endParaRPr lang="ko-KR" altLang="en-US" dirty="0">
+              <a:latin typeface="Pretendard" panose="02000503000000020004" pitchFamily="2" charset="-127"/>
+              <a:ea typeface="Pretendard" panose="02000503000000020004" pitchFamily="2" charset="-127"/>
+              <a:cs typeface="Pretendard" panose="02000503000000020004" pitchFamily="2" charset="-127"/>
+            </a:endParaRPr>
+          </a:p>
+          <a:p>
+            <a:pPr>
+              <a:lnSpc>
+                <a:spcPct val="150000"/>
+              </a:lnSpc>
+            </a:pPr>
+            <a:endParaRPr lang="ko-KR" altLang="en-US" dirty="0">
+              <a:latin typeface="Pretendard" panose="02000503000000020004" pitchFamily="2" charset="-127"/>
+              <a:ea typeface="Pretendard" panose="02000503000000020004" pitchFamily="2" charset="-127"/>
+              <a:cs typeface="Pretendard" panose="02000503000000020004" pitchFamily="2" charset="-127"/>
+            </a:endParaRPr>
+          </a:p>
+          <a:p>
+            <a:pPr>
+              <a:lnSpc>
+                <a:spcPct val="150000"/>
+              </a:lnSpc>
+            </a:pPr>
+            <a:endParaRPr lang="ko-KR" dirty="0">
+              <a:latin typeface="Pretendard" panose="02000503000000020004" pitchFamily="2" charset="-127"/>
+              <a:ea typeface="Pretendard" panose="02000503000000020004" pitchFamily="2" charset="-127"/>
+              <a:cs typeface="Pretendard" panose="02000503000000020004" pitchFamily="2" charset="-127"/>
+            </a:endParaRPr>
+          </a:p>
+        </p:txBody>
+      </p:sp>
+      <p:sp>
+        <p:nvSpPr>
+          <p:cNvPr id="3" name="날짜 개체 틀 2">
+            <a:extLst>
+              <a:ext uri="{FF2B5EF4-FFF2-40B4-BE49-F238E27FC236}">
+                <a16:creationId xmlns:a16="http://schemas.microsoft.com/office/drawing/2014/main" id="{62D4AEF2-2FCA-947F-0CBF-F93EB80AC573}"/>
+              </a:ext>
+            </a:extLst>
+          </p:cNvPr>
+          <p:cNvSpPr>
+            <a:spLocks noGrp="1"/>
+          </p:cNvSpPr>
+          <p:nvPr>
+            <p:ph type="dt" sz="half" idx="10"/>
+          </p:nvPr>
+        </p:nvSpPr>
+        <p:spPr/>
+        <p:txBody>
+          <a:bodyPr/>
+          <a:lstStyle/>
+          <a:p>
+            <a:fld id="{68924C3D-697C-40F2-BC3D-E9F4D36B3635}" type="datetime6">
+              <a:rPr lang="ko-KR" altLang="en-US" smtClean="0"/>
+              <a:t>2025년 6월</a:t>
+            </a:fld>
+            <a:endParaRPr lang="ko-KR" altLang="en-US" dirty="0"/>
+          </a:p>
+        </p:txBody>
+      </p:sp>
+    </p:spTree>
+    <p:extLst>
+      <p:ext uri="{BB962C8B-B14F-4D97-AF65-F5344CB8AC3E}">
+        <p14:creationId xmlns:p14="http://schemas.microsoft.com/office/powerpoint/2010/main" val="3099835286"/>
       </p:ext>
     </p:extLst>
   </p:cSld>
@@ -24745,7 +23193,7 @@
           <a:p>
             <a:fld id="{0F78D9C4-20C1-4B15-A116-16DC77AD9A1E}" type="datetime1">
               <a:rPr lang="ko-KR" altLang="en-US" smtClean="0"/>
-              <a:t>2025-04-25</a:t>
+              <a:t>2025-06-08</a:t>
             </a:fld>
             <a:endParaRPr lang="ko-KR" altLang="en-US"/>
           </a:p>
@@ -25799,49 +24247,8 @@
                 <a:ea typeface="Pretendard Black" panose="02000A03000000020004" pitchFamily="2" charset="-127"/>
                 <a:cs typeface="Pretendard Black" panose="02000A03000000020004" pitchFamily="2" charset="-127"/>
               </a:rPr>
-              <a:t>연산자 줄여 쓰기 </a:t>
-            </a:r>
-            <a:r>
-              <a:rPr lang="en-US" altLang="ko-KR" dirty="0">
-                <a:solidFill>
-                  <a:srgbClr val="00B050"/>
-                </a:solidFill>
-                <a:latin typeface="Pretendard Black" panose="02000A03000000020004" pitchFamily="2" charset="-127"/>
-                <a:ea typeface="Pretendard Black" panose="02000A03000000020004" pitchFamily="2" charset="-127"/>
-                <a:cs typeface="Pretendard Black" panose="02000A03000000020004" pitchFamily="2" charset="-127"/>
-              </a:rPr>
-              <a:t>(</a:t>
-            </a:r>
-            <a:r>
-              <a:rPr lang="ko-KR" altLang="en-US" dirty="0">
-                <a:solidFill>
-                  <a:srgbClr val="00B050"/>
-                </a:solidFill>
-                <a:latin typeface="Pretendard Black" panose="02000A03000000020004" pitchFamily="2" charset="-127"/>
-                <a:ea typeface="Pretendard Black" panose="02000A03000000020004" pitchFamily="2" charset="-127"/>
-                <a:cs typeface="Pretendard Black" panose="02000A03000000020004" pitchFamily="2" charset="-127"/>
-              </a:rPr>
-              <a:t>대입 연산자</a:t>
-            </a:r>
-            <a:r>
-              <a:rPr lang="en-US" altLang="ko-KR" dirty="0">
-                <a:solidFill>
-                  <a:srgbClr val="00B050"/>
-                </a:solidFill>
-                <a:latin typeface="Pretendard Black" panose="02000A03000000020004" pitchFamily="2" charset="-127"/>
-                <a:ea typeface="Pretendard Black" panose="02000A03000000020004" pitchFamily="2" charset="-127"/>
-                <a:cs typeface="Pretendard Black" panose="02000A03000000020004" pitchFamily="2" charset="-127"/>
-              </a:rPr>
-              <a:t>)</a:t>
-            </a:r>
-            <a:endParaRPr lang="ko-KR" altLang="en-US" dirty="0">
-              <a:solidFill>
-                <a:srgbClr val="00B050"/>
-              </a:solidFill>
-              <a:latin typeface="Pretendard Black" panose="02000A03000000020004" pitchFamily="2" charset="-127"/>
-              <a:ea typeface="Pretendard Black" panose="02000A03000000020004" pitchFamily="2" charset="-127"/>
-              <a:cs typeface="Pretendard Black" panose="02000A03000000020004" pitchFamily="2" charset="-127"/>
-            </a:endParaRPr>
+              <a:t>증감 연산자</a:t>
+            </a:r>
           </a:p>
         </p:txBody>
       </p:sp>
@@ -25879,7 +24286,7 @@
               </a:lnSpc>
             </a:pPr>
             <a:r>
-              <a:rPr lang="en-US" altLang="ko-KR" dirty="0">
+              <a:rPr lang="en-US" altLang="ko-KR" dirty="0" err="1">
                 <a:solidFill>
                   <a:srgbClr val="000000"/>
                 </a:solidFill>
@@ -25887,301 +24294,7 @@
                 <a:ea typeface="Pretendard" panose="02000503000000020004" pitchFamily="2" charset="-127"/>
                 <a:cs typeface="Pretendard" panose="02000503000000020004" pitchFamily="2" charset="-127"/>
               </a:rPr>
-              <a:t>num</a:t>
-            </a:r>
-            <a:r>
-              <a:rPr lang="ko-KR" altLang="en-US" dirty="0">
-                <a:latin typeface="Pretendard" panose="02000503000000020004" pitchFamily="2" charset="-127"/>
-                <a:ea typeface="Pretendard" panose="02000503000000020004" pitchFamily="2" charset="-127"/>
-                <a:cs typeface="Pretendard" panose="02000503000000020004" pitchFamily="2" charset="-127"/>
-              </a:rPr>
-              <a:t> </a:t>
-            </a:r>
-            <a:r>
-              <a:rPr lang="ko-KR" dirty="0">
-                <a:latin typeface="Pretendard" panose="02000503000000020004" pitchFamily="2" charset="-127"/>
-                <a:ea typeface="Pretendard" panose="02000503000000020004" pitchFamily="2" charset="-127"/>
-                <a:cs typeface="Pretendard" panose="02000503000000020004" pitchFamily="2" charset="-127"/>
-              </a:rPr>
-              <a:t>= </a:t>
-            </a:r>
-            <a:r>
-              <a:rPr lang="ko-KR" dirty="0" err="1">
-                <a:latin typeface="Pretendard" panose="02000503000000020004" pitchFamily="2" charset="-127"/>
-                <a:ea typeface="Pretendard" panose="02000503000000020004" pitchFamily="2" charset="-127"/>
-                <a:cs typeface="Pretendard" panose="02000503000000020004" pitchFamily="2" charset="-127"/>
-              </a:rPr>
-              <a:t>num</a:t>
-            </a:r>
-            <a:r>
-              <a:rPr lang="ko-KR" dirty="0">
-                <a:latin typeface="Pretendard" panose="02000503000000020004" pitchFamily="2" charset="-127"/>
-                <a:ea typeface="Pretendard" panose="02000503000000020004" pitchFamily="2" charset="-127"/>
-                <a:cs typeface="Pretendard" panose="02000503000000020004" pitchFamily="2" charset="-127"/>
-              </a:rPr>
-              <a:t> + 5 </a:t>
-            </a:r>
-            <a:r>
-              <a:rPr lang="ko-KR" dirty="0">
-                <a:solidFill>
-                  <a:srgbClr val="00B050"/>
-                </a:solidFill>
-                <a:latin typeface="Pretendard" panose="02000503000000020004" pitchFamily="2" charset="-127"/>
-                <a:ea typeface="Pretendard" panose="02000503000000020004" pitchFamily="2" charset="-127"/>
-                <a:cs typeface="Pretendard" panose="02000503000000020004" pitchFamily="2" charset="-127"/>
-              </a:rPr>
-              <a:t>→</a:t>
-            </a:r>
-            <a:r>
-              <a:rPr lang="ko-KR" altLang="en-US" dirty="0">
-                <a:latin typeface="Pretendard" panose="02000503000000020004" pitchFamily="2" charset="-127"/>
-                <a:ea typeface="Pretendard" panose="02000503000000020004" pitchFamily="2" charset="-127"/>
-                <a:cs typeface="Pretendard" panose="02000503000000020004" pitchFamily="2" charset="-127"/>
-              </a:rPr>
-              <a:t> </a:t>
-            </a:r>
-            <a:r>
-              <a:rPr lang="en-US" altLang="ko-KR" dirty="0">
-                <a:latin typeface="Pretendard" panose="02000503000000020004" pitchFamily="2" charset="-127"/>
-                <a:ea typeface="Pretendard" panose="02000503000000020004" pitchFamily="2" charset="-127"/>
-                <a:cs typeface="Pretendard" panose="02000503000000020004" pitchFamily="2" charset="-127"/>
-              </a:rPr>
-              <a:t>num</a:t>
-            </a:r>
-            <a:r>
-              <a:rPr lang="ko-KR" altLang="en-US" dirty="0">
-                <a:latin typeface="Pretendard" panose="02000503000000020004" pitchFamily="2" charset="-127"/>
-                <a:ea typeface="Pretendard" panose="02000503000000020004" pitchFamily="2" charset="-127"/>
-                <a:cs typeface="Pretendard" panose="02000503000000020004" pitchFamily="2" charset="-127"/>
-              </a:rPr>
-              <a:t> </a:t>
-            </a:r>
-            <a:r>
-              <a:rPr lang="en-US" altLang="ko-KR" dirty="0">
-                <a:latin typeface="Pretendard" panose="02000503000000020004" pitchFamily="2" charset="-127"/>
-                <a:ea typeface="Pretendard" panose="02000503000000020004" pitchFamily="2" charset="-127"/>
-                <a:cs typeface="Pretendard" panose="02000503000000020004" pitchFamily="2" charset="-127"/>
-              </a:rPr>
-              <a:t>+=</a:t>
-            </a:r>
-            <a:r>
-              <a:rPr lang="ko-KR" altLang="en-US" dirty="0">
-                <a:latin typeface="Pretendard" panose="02000503000000020004" pitchFamily="2" charset="-127"/>
-                <a:ea typeface="Pretendard" panose="02000503000000020004" pitchFamily="2" charset="-127"/>
-                <a:cs typeface="Pretendard" panose="02000503000000020004" pitchFamily="2" charset="-127"/>
-              </a:rPr>
-              <a:t> </a:t>
-            </a:r>
-            <a:r>
-              <a:rPr lang="en-US" altLang="ko-KR" dirty="0">
-                <a:latin typeface="Pretendard" panose="02000503000000020004" pitchFamily="2" charset="-127"/>
-                <a:ea typeface="Pretendard" panose="02000503000000020004" pitchFamily="2" charset="-127"/>
-                <a:cs typeface="Pretendard" panose="02000503000000020004" pitchFamily="2" charset="-127"/>
-              </a:rPr>
-              <a:t>5</a:t>
-            </a:r>
-            <a:endParaRPr lang="ko-KR" altLang="en-US" dirty="0">
-              <a:latin typeface="Pretendard" panose="02000503000000020004" pitchFamily="2" charset="-127"/>
-              <a:ea typeface="Pretendard" panose="02000503000000020004" pitchFamily="2" charset="-127"/>
-              <a:cs typeface="Pretendard" panose="02000503000000020004" pitchFamily="2" charset="-127"/>
-            </a:endParaRPr>
-          </a:p>
-          <a:p>
-            <a:pPr>
-              <a:lnSpc>
-                <a:spcPct val="150000"/>
-              </a:lnSpc>
-            </a:pPr>
-            <a:r>
-              <a:rPr lang="en-US" altLang="ko-KR" dirty="0">
-                <a:latin typeface="Pretendard" panose="02000503000000020004" pitchFamily="2" charset="-127"/>
-                <a:ea typeface="Pretendard" panose="02000503000000020004" pitchFamily="2" charset="-127"/>
-                <a:cs typeface="Pretendard" panose="02000503000000020004" pitchFamily="2" charset="-127"/>
-              </a:rPr>
-              <a:t>num</a:t>
-            </a:r>
-            <a:r>
-              <a:rPr lang="ko-KR" altLang="en-US" dirty="0">
-                <a:latin typeface="Pretendard" panose="02000503000000020004" pitchFamily="2" charset="-127"/>
-                <a:ea typeface="Pretendard" panose="02000503000000020004" pitchFamily="2" charset="-127"/>
-                <a:cs typeface="Pretendard" panose="02000503000000020004" pitchFamily="2" charset="-127"/>
-              </a:rPr>
-              <a:t> </a:t>
-            </a:r>
-            <a:r>
-              <a:rPr lang="en-US" altLang="ko-KR" dirty="0">
-                <a:latin typeface="Pretendard" panose="02000503000000020004" pitchFamily="2" charset="-127"/>
-                <a:ea typeface="Pretendard" panose="02000503000000020004" pitchFamily="2" charset="-127"/>
-                <a:cs typeface="Pretendard" panose="02000503000000020004" pitchFamily="2" charset="-127"/>
-              </a:rPr>
-              <a:t>=</a:t>
-            </a:r>
-            <a:r>
-              <a:rPr lang="ko-KR" dirty="0">
-                <a:latin typeface="Pretendard" panose="02000503000000020004" pitchFamily="2" charset="-127"/>
-                <a:ea typeface="Pretendard" panose="02000503000000020004" pitchFamily="2" charset="-127"/>
-                <a:cs typeface="Pretendard" panose="02000503000000020004" pitchFamily="2" charset="-127"/>
-              </a:rPr>
-              <a:t> </a:t>
-            </a:r>
-            <a:r>
-              <a:rPr lang="en-US" altLang="ko-KR" dirty="0">
-                <a:latin typeface="Pretendard" panose="02000503000000020004" pitchFamily="2" charset="-127"/>
-                <a:ea typeface="Pretendard" panose="02000503000000020004" pitchFamily="2" charset="-127"/>
-                <a:cs typeface="Pretendard" panose="02000503000000020004" pitchFamily="2" charset="-127"/>
-              </a:rPr>
-              <a:t>num</a:t>
-            </a:r>
-            <a:r>
-              <a:rPr lang="ko-KR" altLang="en-US" dirty="0">
-                <a:latin typeface="Pretendard" panose="02000503000000020004" pitchFamily="2" charset="-127"/>
-                <a:ea typeface="Pretendard" panose="02000503000000020004" pitchFamily="2" charset="-127"/>
-                <a:cs typeface="Pretendard" panose="02000503000000020004" pitchFamily="2" charset="-127"/>
-              </a:rPr>
-              <a:t> </a:t>
-            </a:r>
-            <a:r>
-              <a:rPr lang="en-US" altLang="ko-KR" dirty="0">
-                <a:latin typeface="Pretendard" panose="02000503000000020004" pitchFamily="2" charset="-127"/>
-                <a:ea typeface="Pretendard" panose="02000503000000020004" pitchFamily="2" charset="-127"/>
-                <a:cs typeface="Pretendard" panose="02000503000000020004" pitchFamily="2" charset="-127"/>
-              </a:rPr>
-              <a:t>-</a:t>
-            </a:r>
-            <a:r>
-              <a:rPr lang="ko-KR" dirty="0">
-                <a:latin typeface="Pretendard" panose="02000503000000020004" pitchFamily="2" charset="-127"/>
-                <a:ea typeface="Pretendard" panose="02000503000000020004" pitchFamily="2" charset="-127"/>
-                <a:cs typeface="Pretendard" panose="02000503000000020004" pitchFamily="2" charset="-127"/>
-              </a:rPr>
-              <a:t> 5 </a:t>
-            </a:r>
-            <a:r>
-              <a:rPr lang="ko-KR" altLang="en-US" dirty="0">
-                <a:solidFill>
-                  <a:srgbClr val="00B050"/>
-                </a:solidFill>
-                <a:latin typeface="Pretendard" panose="02000503000000020004" pitchFamily="2" charset="-127"/>
-                <a:ea typeface="Pretendard" panose="02000503000000020004" pitchFamily="2" charset="-127"/>
-                <a:cs typeface="Pretendard" panose="02000503000000020004" pitchFamily="2" charset="-127"/>
-              </a:rPr>
-              <a:t>→</a:t>
-            </a:r>
-            <a:r>
-              <a:rPr lang="ko-KR" dirty="0">
-                <a:latin typeface="Pretendard" panose="02000503000000020004" pitchFamily="2" charset="-127"/>
-                <a:ea typeface="Pretendard" panose="02000503000000020004" pitchFamily="2" charset="-127"/>
-                <a:cs typeface="Pretendard" panose="02000503000000020004" pitchFamily="2" charset="-127"/>
-              </a:rPr>
-              <a:t> </a:t>
-            </a:r>
-            <a:r>
-              <a:rPr lang="en-US" altLang="ko-KR" dirty="0">
-                <a:latin typeface="Pretendard" panose="02000503000000020004" pitchFamily="2" charset="-127"/>
-                <a:ea typeface="Pretendard" panose="02000503000000020004" pitchFamily="2" charset="-127"/>
-                <a:cs typeface="Pretendard" panose="02000503000000020004" pitchFamily="2" charset="-127"/>
-              </a:rPr>
-              <a:t>num</a:t>
-            </a:r>
-            <a:r>
-              <a:rPr lang="ko-KR" altLang="en-US" dirty="0">
-                <a:latin typeface="Pretendard" panose="02000503000000020004" pitchFamily="2" charset="-127"/>
-                <a:ea typeface="Pretendard" panose="02000503000000020004" pitchFamily="2" charset="-127"/>
-                <a:cs typeface="Pretendard" panose="02000503000000020004" pitchFamily="2" charset="-127"/>
-              </a:rPr>
-              <a:t> </a:t>
-            </a:r>
-            <a:r>
-              <a:rPr lang="en-US" altLang="ko-KR" dirty="0">
-                <a:latin typeface="Pretendard" panose="02000503000000020004" pitchFamily="2" charset="-127"/>
-                <a:ea typeface="Pretendard" panose="02000503000000020004" pitchFamily="2" charset="-127"/>
-                <a:cs typeface="Pretendard" panose="02000503000000020004" pitchFamily="2" charset="-127"/>
-              </a:rPr>
-              <a:t>-=</a:t>
-            </a:r>
-            <a:r>
-              <a:rPr lang="ko-KR" altLang="en-US" dirty="0">
-                <a:latin typeface="Pretendard" panose="02000503000000020004" pitchFamily="2" charset="-127"/>
-                <a:ea typeface="Pretendard" panose="02000503000000020004" pitchFamily="2" charset="-127"/>
-                <a:cs typeface="Pretendard" panose="02000503000000020004" pitchFamily="2" charset="-127"/>
-              </a:rPr>
-              <a:t> </a:t>
-            </a:r>
-            <a:r>
-              <a:rPr lang="en-US" altLang="ko-KR" dirty="0">
-                <a:latin typeface="Pretendard" panose="02000503000000020004" pitchFamily="2" charset="-127"/>
-                <a:ea typeface="Pretendard" panose="02000503000000020004" pitchFamily="2" charset="-127"/>
-                <a:cs typeface="Pretendard" panose="02000503000000020004" pitchFamily="2" charset="-127"/>
-              </a:rPr>
-              <a:t>5</a:t>
-            </a:r>
-            <a:endParaRPr lang="ko-KR" altLang="en-US" dirty="0">
-              <a:latin typeface="Pretendard" panose="02000503000000020004" pitchFamily="2" charset="-127"/>
-              <a:ea typeface="Pretendard" panose="02000503000000020004" pitchFamily="2" charset="-127"/>
-              <a:cs typeface="Pretendard" panose="02000503000000020004" pitchFamily="2" charset="-127"/>
-            </a:endParaRPr>
-          </a:p>
-          <a:p>
-            <a:pPr>
-              <a:lnSpc>
-                <a:spcPct val="150000"/>
-              </a:lnSpc>
-            </a:pPr>
-            <a:r>
-              <a:rPr lang="en-US" altLang="ko-KR" dirty="0">
-                <a:latin typeface="Pretendard" panose="02000503000000020004" pitchFamily="2" charset="-127"/>
-                <a:ea typeface="Pretendard" panose="02000503000000020004" pitchFamily="2" charset="-127"/>
-                <a:cs typeface="Pretendard" panose="02000503000000020004" pitchFamily="2" charset="-127"/>
-              </a:rPr>
-              <a:t>num</a:t>
-            </a:r>
-            <a:r>
-              <a:rPr lang="ko-KR" altLang="en-US" dirty="0">
-                <a:latin typeface="Pretendard" panose="02000503000000020004" pitchFamily="2" charset="-127"/>
-                <a:ea typeface="Pretendard" panose="02000503000000020004" pitchFamily="2" charset="-127"/>
-                <a:cs typeface="Pretendard" panose="02000503000000020004" pitchFamily="2" charset="-127"/>
-              </a:rPr>
-              <a:t> </a:t>
-            </a:r>
-            <a:r>
-              <a:rPr lang="en-US" altLang="ko-KR" dirty="0">
-                <a:latin typeface="Pretendard" panose="02000503000000020004" pitchFamily="2" charset="-127"/>
-                <a:ea typeface="Pretendard" panose="02000503000000020004" pitchFamily="2" charset="-127"/>
-                <a:cs typeface="Pretendard" panose="02000503000000020004" pitchFamily="2" charset="-127"/>
-              </a:rPr>
-              <a:t>=</a:t>
-            </a:r>
-            <a:r>
-              <a:rPr lang="ko-KR" altLang="en-US" dirty="0">
-                <a:latin typeface="Pretendard" panose="02000503000000020004" pitchFamily="2" charset="-127"/>
-                <a:ea typeface="Pretendard" panose="02000503000000020004" pitchFamily="2" charset="-127"/>
-                <a:cs typeface="Pretendard" panose="02000503000000020004" pitchFamily="2" charset="-127"/>
-              </a:rPr>
-              <a:t> </a:t>
-            </a:r>
-            <a:r>
-              <a:rPr lang="ko-KR" dirty="0" err="1">
-                <a:latin typeface="Pretendard" panose="02000503000000020004" pitchFamily="2" charset="-127"/>
-                <a:ea typeface="Pretendard" panose="02000503000000020004" pitchFamily="2" charset="-127"/>
-                <a:cs typeface="Pretendard" panose="02000503000000020004" pitchFamily="2" charset="-127"/>
-              </a:rPr>
-              <a:t>num</a:t>
-            </a:r>
-            <a:r>
-              <a:rPr lang="ko-KR" altLang="en-US" dirty="0">
-                <a:latin typeface="Pretendard" panose="02000503000000020004" pitchFamily="2" charset="-127"/>
-                <a:ea typeface="Pretendard" panose="02000503000000020004" pitchFamily="2" charset="-127"/>
-                <a:cs typeface="Pretendard" panose="02000503000000020004" pitchFamily="2" charset="-127"/>
-              </a:rPr>
-              <a:t> * </a:t>
-            </a:r>
-            <a:r>
-              <a:rPr lang="en-US" altLang="ko-KR" dirty="0">
-                <a:latin typeface="Pretendard" panose="02000503000000020004" pitchFamily="2" charset="-127"/>
-                <a:ea typeface="Pretendard" panose="02000503000000020004" pitchFamily="2" charset="-127"/>
-                <a:cs typeface="Pretendard" panose="02000503000000020004" pitchFamily="2" charset="-127"/>
-              </a:rPr>
-              <a:t>5</a:t>
+              <a:t>int</a:t>
             </a:r>
             <a:r>
               <a:rPr lang="ko-KR" altLang="en-US" dirty="0">
@@ -26192,10 +24305,68 @@
                 <a:ea typeface="Pretendard" panose="02000503000000020004" pitchFamily="2" charset="-127"/>
                 <a:cs typeface="Pretendard" panose="02000503000000020004" pitchFamily="2" charset="-127"/>
               </a:rPr>
+              <a:t> </a:t>
+            </a:r>
+            <a:r>
+              <a:rPr lang="en-US" altLang="ko-KR" dirty="0" err="1">
+                <a:solidFill>
+                  <a:srgbClr val="000000"/>
+                </a:solidFill>
+                <a:latin typeface="Pretendard" panose="02000503000000020004" pitchFamily="2" charset="-127"/>
+                <a:ea typeface="Pretendard" panose="02000503000000020004" pitchFamily="2" charset="-127"/>
+                <a:cs typeface="Pretendard" panose="02000503000000020004" pitchFamily="2" charset="-127"/>
+              </a:rPr>
+              <a:t>num</a:t>
+            </a:r>
+            <a:r>
+              <a:rPr lang="ko-KR" altLang="en-US" dirty="0">
+                <a:latin typeface="Pretendard" panose="02000503000000020004" pitchFamily="2" charset="-127"/>
+                <a:ea typeface="Pretendard" panose="02000503000000020004" pitchFamily="2" charset="-127"/>
+                <a:cs typeface="Pretendard" panose="02000503000000020004" pitchFamily="2" charset="-127"/>
+              </a:rPr>
               <a:t> </a:t>
             </a:r>
             <a:r>
               <a:rPr lang="ko-KR" dirty="0">
+                <a:latin typeface="Pretendard" panose="02000503000000020004" pitchFamily="2" charset="-127"/>
+                <a:ea typeface="Pretendard" panose="02000503000000020004" pitchFamily="2" charset="-127"/>
+                <a:cs typeface="Pretendard" panose="02000503000000020004" pitchFamily="2" charset="-127"/>
+              </a:rPr>
+              <a:t>= </a:t>
+            </a:r>
+            <a:r>
+              <a:rPr lang="en-US" altLang="ko-KR" dirty="0">
+                <a:latin typeface="Pretendard" panose="02000503000000020004" pitchFamily="2" charset="-127"/>
+                <a:ea typeface="Pretendard" panose="02000503000000020004" pitchFamily="2" charset="-127"/>
+                <a:cs typeface="Pretendard" panose="02000503000000020004" pitchFamily="2" charset="-127"/>
+              </a:rPr>
+              <a:t>0;</a:t>
+            </a:r>
+          </a:p>
+          <a:p>
+            <a:pPr>
+              <a:lnSpc>
+                <a:spcPct val="150000"/>
+              </a:lnSpc>
+            </a:pPr>
+            <a:r>
+              <a:rPr lang="en-US" altLang="ko-KR" dirty="0" err="1">
+                <a:latin typeface="Pretendard" panose="02000503000000020004" pitchFamily="2" charset="-127"/>
+                <a:ea typeface="Pretendard" panose="02000503000000020004" pitchFamily="2" charset="-127"/>
+                <a:cs typeface="Pretendard" panose="02000503000000020004" pitchFamily="2" charset="-127"/>
+              </a:rPr>
+              <a:t>i</a:t>
+            </a:r>
+            <a:r>
+              <a:rPr lang="en-US" altLang="ko-KR" dirty="0">
+                <a:latin typeface="Pretendard" panose="02000503000000020004" pitchFamily="2" charset="-127"/>
+                <a:ea typeface="Pretendard" panose="02000503000000020004" pitchFamily="2" charset="-127"/>
+                <a:cs typeface="Pretendard" panose="02000503000000020004" pitchFamily="2" charset="-127"/>
+              </a:rPr>
+              <a:t>++ </a:t>
+            </a:r>
+            <a:r>
+              <a:rPr lang="ko-KR" altLang="ko-KR" dirty="0">
                 <a:solidFill>
                   <a:srgbClr val="00B050"/>
                 </a:solidFill>
@@ -26206,56 +24377,45 @@
               <a:t>→</a:t>
             </a:r>
             <a:r>
-              <a:rPr lang="ko-KR" altLang="en-US" dirty="0">
+              <a:rPr lang="en-US" altLang="ko-KR" dirty="0">
                 <a:latin typeface="Pretendard" panose="02000503000000020004" pitchFamily="2" charset="-127"/>
                 <a:ea typeface="Pretendard" panose="02000503000000020004" pitchFamily="2" charset="-127"/>
                 <a:cs typeface="Pretendard" panose="02000503000000020004" pitchFamily="2" charset="-127"/>
               </a:rPr>
-              <a:t> </a:t>
-            </a:r>
-            <a:r>
-              <a:rPr lang="ko-KR" dirty="0" err="1">
+              <a:t> </a:t>
+            </a:r>
+            <a:r>
+              <a:rPr lang="en-US" altLang="ko-KR" dirty="0" err="1">
                 <a:latin typeface="Pretendard" panose="02000503000000020004" pitchFamily="2" charset="-127"/>
                 <a:ea typeface="Pretendard" panose="02000503000000020004" pitchFamily="2" charset="-127"/>
                 <a:cs typeface="Pretendard" panose="02000503000000020004" pitchFamily="2" charset="-127"/>
               </a:rPr>
-              <a:t>num</a:t>
-            </a:r>
-            <a:r>
-              <a:rPr lang="ko-KR" dirty="0">
+              <a:t>i</a:t>
+            </a:r>
+            <a:r>
+              <a:rPr lang="en-US" altLang="ko-KR" dirty="0">
                 <a:latin typeface="Pretendard" panose="02000503000000020004" pitchFamily="2" charset="-127"/>
                 <a:ea typeface="Pretendard" panose="02000503000000020004" pitchFamily="2" charset="-127"/>
                 <a:cs typeface="Pretendard" panose="02000503000000020004" pitchFamily="2" charset="-127"/>
               </a:rPr>
-              <a:t> *=</a:t>
-            </a:r>
-            <a:r>
-              <a:rPr lang="ko-KR" altLang="en-US" dirty="0">
-                <a:solidFill>
-                  <a:srgbClr val="000000"/>
-                </a:solidFill>
+              <a:t> = </a:t>
+            </a:r>
+            <a:r>
+              <a:rPr lang="en-US" altLang="ko-KR" dirty="0" err="1">
                 <a:latin typeface="Pretendard" panose="02000503000000020004" pitchFamily="2" charset="-127"/>
                 <a:ea typeface="Pretendard" panose="02000503000000020004" pitchFamily="2" charset="-127"/>
                 <a:cs typeface="Pretendard" panose="02000503000000020004" pitchFamily="2" charset="-127"/>
               </a:rPr>
-              <a:t> </a:t>
+              <a:t>i</a:t>
             </a:r>
             <a:r>
               <a:rPr lang="en-US" altLang="ko-KR" dirty="0">
-                <a:solidFill>
-                  <a:srgbClr val="000000"/>
-                </a:solidFill>
                 <a:latin typeface="Pretendard" panose="02000503000000020004" pitchFamily="2" charset="-127"/>
                 <a:ea typeface="Pretendard" panose="02000503000000020004" pitchFamily="2" charset="-127"/>
                 <a:cs typeface="Pretendard" panose="02000503000000020004" pitchFamily="2" charset="-127"/>
               </a:rPr>
-              <a:t>5</a:t>
-            </a:r>
-            <a:endParaRPr lang="ko-KR" altLang="en-US" dirty="0">
-              <a:latin typeface="Pretendard" panose="02000503000000020004" pitchFamily="2" charset="-127"/>
-              <a:ea typeface="Pretendard" panose="02000503000000020004" pitchFamily="2" charset="-127"/>
-              <a:cs typeface="Pretendard" panose="02000503000000020004" pitchFamily="2" charset="-127"/>
-            </a:endParaRPr>
+              <a:t> + 1</a:t>
+            </a:r>
           </a:p>
           <a:p>
             <a:pPr>
@@ -26264,28 +24424,12 @@
               </a:lnSpc>
             </a:pPr>
             <a:r>
-              <a:rPr lang="ko-KR" dirty="0" err="1">
+              <a:rPr lang="en-US" altLang="ko-KR" dirty="0" err="1">
                 <a:latin typeface="Pretendard" panose="02000503000000020004" pitchFamily="2" charset="-127"/>
                 <a:ea typeface="Pretendard" panose="02000503000000020004" pitchFamily="2" charset="-127"/>
                 <a:cs typeface="Pretendard" panose="02000503000000020004" pitchFamily="2" charset="-127"/>
               </a:rPr>
-              <a:t>num</a:t>
-            </a:r>
-            <a:r>
-              <a:rPr lang="ko-KR" dirty="0">
-                <a:latin typeface="Pretendard" panose="02000503000000020004" pitchFamily="2" charset="-127"/>
-                <a:ea typeface="Pretendard" panose="02000503000000020004" pitchFamily="2" charset="-127"/>
-                <a:cs typeface="Pretendard" panose="02000503000000020004" pitchFamily="2" charset="-127"/>
-              </a:rPr>
-              <a:t> =</a:t>
-            </a:r>
-            <a:r>
-              <a:rPr lang="ko-KR" altLang="en-US" dirty="0">
-                <a:latin typeface="Pretendard" panose="02000503000000020004" pitchFamily="2" charset="-127"/>
-                <a:ea typeface="Pretendard" panose="02000503000000020004" pitchFamily="2" charset="-127"/>
-                <a:cs typeface="Pretendard" panose="02000503000000020004" pitchFamily="2" charset="-127"/>
-              </a:rPr>
-              <a:t> </a:t>
+              <a:t>i</a:t>
             </a:r>
             <a:r>
               <a:rPr lang="en-US" altLang="ko-KR" dirty="0">
@@ -26293,50 +24437,10 @@
                 <a:ea typeface="Pretendard" panose="02000503000000020004" pitchFamily="2" charset="-127"/>
                 <a:cs typeface="Pretendard" panose="02000503000000020004" pitchFamily="2" charset="-127"/>
               </a:rPr>
-              <a:t>num</a:t>
-            </a:r>
-            <a:r>
-              <a:rPr lang="ko-KR" altLang="en-US" dirty="0">
-                <a:latin typeface="Pretendard" panose="02000503000000020004" pitchFamily="2" charset="-127"/>
-                <a:ea typeface="Pretendard" panose="02000503000000020004" pitchFamily="2" charset="-127"/>
-                <a:cs typeface="Pretendard" panose="02000503000000020004" pitchFamily="2" charset="-127"/>
-              </a:rPr>
-              <a:t> </a:t>
-            </a:r>
-            <a:r>
-              <a:rPr lang="en-US" altLang="ko-KR" dirty="0">
-                <a:latin typeface="Pretendard" panose="02000503000000020004" pitchFamily="2" charset="-127"/>
-                <a:ea typeface="Pretendard" panose="02000503000000020004" pitchFamily="2" charset="-127"/>
-                <a:cs typeface="Pretendard" panose="02000503000000020004" pitchFamily="2" charset="-127"/>
-              </a:rPr>
-              <a:t>/</a:t>
-            </a:r>
-            <a:r>
-              <a:rPr lang="ko-KR" altLang="en-US" dirty="0">
-                <a:latin typeface="Pretendard" panose="02000503000000020004" pitchFamily="2" charset="-127"/>
-                <a:ea typeface="Pretendard" panose="02000503000000020004" pitchFamily="2" charset="-127"/>
-                <a:cs typeface="Pretendard" panose="02000503000000020004" pitchFamily="2" charset="-127"/>
-              </a:rPr>
-              <a:t> </a:t>
-            </a:r>
-            <a:r>
-              <a:rPr lang="en-US" altLang="ko-KR" dirty="0">
-                <a:latin typeface="Pretendard" panose="02000503000000020004" pitchFamily="2" charset="-127"/>
-                <a:ea typeface="Pretendard" panose="02000503000000020004" pitchFamily="2" charset="-127"/>
-                <a:cs typeface="Pretendard" panose="02000503000000020004" pitchFamily="2" charset="-127"/>
-              </a:rPr>
-              <a:t>5</a:t>
-            </a:r>
-            <a:r>
-              <a:rPr lang="ko-KR" altLang="en-US" dirty="0">
-                <a:latin typeface="Pretendard" panose="02000503000000020004" pitchFamily="2" charset="-127"/>
-                <a:ea typeface="Pretendard" panose="02000503000000020004" pitchFamily="2" charset="-127"/>
-                <a:cs typeface="Pretendard" panose="02000503000000020004" pitchFamily="2" charset="-127"/>
-              </a:rPr>
-              <a:t> </a:t>
-            </a:r>
-            <a:r>
-              <a:rPr lang="ko-KR" dirty="0">
+              <a:t>-- </a:t>
+            </a:r>
+            <a:r>
+              <a:rPr lang="ko-KR" altLang="ko-KR" dirty="0">
                 <a:solidFill>
                   <a:srgbClr val="00B050"/>
                 </a:solidFill>
@@ -26347,12 +24451,23 @@
               <a:t>→</a:t>
             </a:r>
             <a:r>
-              <a:rPr lang="ko-KR" altLang="en-US" dirty="0">
+              <a:rPr lang="en-US" altLang="ko-KR" dirty="0">
+                <a:solidFill>
+                  <a:srgbClr val="00B050"/>
+                </a:solidFill>
                 <a:latin typeface="Pretendard" panose="02000503000000020004" pitchFamily="2" charset="-127"/>
                 <a:ea typeface="Pretendard" panose="02000503000000020004" pitchFamily="2" charset="-127"/>
                 <a:cs typeface="Pretendard" panose="02000503000000020004" pitchFamily="2" charset="-127"/>
               </a:rPr>
-              <a:t> </a:t>
+              <a:t> </a:t>
+            </a:r>
+            <a:r>
+              <a:rPr lang="en-US" altLang="ko-KR" dirty="0" err="1">
+                <a:latin typeface="Pretendard" panose="02000503000000020004" pitchFamily="2" charset="-127"/>
+                <a:ea typeface="Pretendard" panose="02000503000000020004" pitchFamily="2" charset="-127"/>
+                <a:cs typeface="Pretendard" panose="02000503000000020004" pitchFamily="2" charset="-127"/>
+              </a:rPr>
+              <a:t>i</a:t>
             </a:r>
             <a:r>
               <a:rPr lang="en-US" altLang="ko-KR" dirty="0">
@@ -26360,15 +24475,15 @@
                 <a:ea typeface="Pretendard" panose="02000503000000020004" pitchFamily="2" charset="-127"/>
                 <a:cs typeface="Pretendard" panose="02000503000000020004" pitchFamily="2" charset="-127"/>
               </a:rPr>
-              <a:t>num</a:t>
-            </a:r>
-            <a:r>
-              <a:rPr lang="ko-KR" altLang="en-US" dirty="0">
+              <a:t> = </a:t>
+            </a:r>
+            <a:r>
+              <a:rPr lang="en-US" altLang="ko-KR" dirty="0" err="1">
                 <a:latin typeface="Pretendard" panose="02000503000000020004" pitchFamily="2" charset="-127"/>
                 <a:ea typeface="Pretendard" panose="02000503000000020004" pitchFamily="2" charset="-127"/>
                 <a:cs typeface="Pretendard" panose="02000503000000020004" pitchFamily="2" charset="-127"/>
               </a:rPr>
-              <a:t> </a:t>
+              <a:t>i</a:t>
             </a:r>
             <a:r>
               <a:rPr lang="en-US" altLang="ko-KR" dirty="0">
@@ -26376,29 +24491,8 @@
                 <a:ea typeface="Pretendard" panose="02000503000000020004" pitchFamily="2" charset="-127"/>
                 <a:cs typeface="Pretendard" panose="02000503000000020004" pitchFamily="2" charset="-127"/>
               </a:rPr>
-              <a:t>/=</a:t>
-            </a:r>
-            <a:r>
-              <a:rPr lang="ko-KR" altLang="en-US" dirty="0">
-                <a:latin typeface="Pretendard" panose="02000503000000020004" pitchFamily="2" charset="-127"/>
-                <a:ea typeface="Pretendard" panose="02000503000000020004" pitchFamily="2" charset="-127"/>
-                <a:cs typeface="Pretendard" panose="02000503000000020004" pitchFamily="2" charset="-127"/>
-              </a:rPr>
-              <a:t> </a:t>
-            </a:r>
-            <a:r>
-              <a:rPr lang="en-US" altLang="ko-KR" dirty="0">
-                <a:latin typeface="Pretendard" panose="02000503000000020004" pitchFamily="2" charset="-127"/>
-                <a:ea typeface="Pretendard" panose="02000503000000020004" pitchFamily="2" charset="-127"/>
-                <a:cs typeface="Pretendard" panose="02000503000000020004" pitchFamily="2" charset="-127"/>
-              </a:rPr>
-              <a:t>5</a:t>
-            </a:r>
-            <a:endParaRPr lang="ko-KR" altLang="en-US" dirty="0">
-              <a:latin typeface="Pretendard" panose="02000503000000020004" pitchFamily="2" charset="-127"/>
-              <a:ea typeface="Pretendard" panose="02000503000000020004" pitchFamily="2" charset="-127"/>
-              <a:cs typeface="Pretendard" panose="02000503000000020004" pitchFamily="2" charset="-127"/>
-            </a:endParaRPr>
+              <a:t> - 1</a:t>
+            </a:r>
           </a:p>
           <a:p>
             <a:pPr>
@@ -26442,18 +24536,6 @@
                 <a:spcPct val="150000"/>
               </a:lnSpc>
             </a:pPr>
-            <a:endParaRPr lang="ko-KR" altLang="en-US" dirty="0">
-              <a:latin typeface="Pretendard" panose="02000503000000020004" pitchFamily="2" charset="-127"/>
-              <a:ea typeface="Pretendard" panose="02000503000000020004" pitchFamily="2" charset="-127"/>
-              <a:cs typeface="Pretendard" panose="02000503000000020004" pitchFamily="2" charset="-127"/>
-            </a:endParaRPr>
-          </a:p>
-          <a:p>
-            <a:pPr>
-              <a:lnSpc>
-                <a:spcPct val="150000"/>
-              </a:lnSpc>
-            </a:pPr>
             <a:endParaRPr lang="ko-KR" dirty="0">
               <a:latin typeface="Pretendard" panose="02000503000000020004" pitchFamily="2" charset="-127"/>
               <a:ea typeface="Pretendard" panose="02000503000000020004" pitchFamily="2" charset="-127"/>
@@ -26485,406 +24567,7 @@
           <a:p>
             <a:fld id="{68924C3D-697C-40F2-BC3D-E9F4D36B3635}" type="datetime6">
               <a:rPr lang="ko-KR" altLang="en-US" smtClean="0"/>
-              <a:t>2025년 4월</a:t>
-            </a:fld>
-            <a:endParaRPr lang="ko-KR" altLang="en-US" dirty="0"/>
-          </a:p>
-        </p:txBody>
-      </p:sp>
-    </p:spTree>
-    <p:extLst>
-      <p:ext uri="{BB962C8B-B14F-4D97-AF65-F5344CB8AC3E}">
-        <p14:creationId xmlns:p14="http://schemas.microsoft.com/office/powerpoint/2010/main" val="3099835286"/>
-      </p:ext>
-    </p:extLst>
-  </p:cSld>
-  <p:clrMapOvr>
-    <a:masterClrMapping/>
-  </p:clrMapOvr>
-</p:sld>
-</file>
-
-<file path=ppt/slides/slide51.xml><?xml version="1.0" encoding="utf-8"?>
-<p:sld xmlns:a="http://schemas.openxmlformats.org/drawingml/2006/main" xmlns:r="http://schemas.openxmlformats.org/officeDocument/2006/relationships" xmlns:p="http://schemas.openxmlformats.org/presentationml/2006/main">
-  <p:cSld>
-    <p:spTree>
-      <p:nvGrpSpPr>
-        <p:cNvPr id="1" name="">
-          <a:extLst>
-            <a:ext uri="{FF2B5EF4-FFF2-40B4-BE49-F238E27FC236}">
-              <a16:creationId xmlns:a16="http://schemas.microsoft.com/office/drawing/2014/main" id="{4C32EB66-C9E0-6409-DF53-6B2AFA413B1E}"/>
-            </a:ext>
-          </a:extLst>
-        </p:cNvPr>
-        <p:cNvGrpSpPr/>
-        <p:nvPr/>
-      </p:nvGrpSpPr>
-      <p:grpSpPr>
-        <a:xfrm>
-          <a:off x="0" y="0"/>
-          <a:ext cx="0" cy="0"/>
-          <a:chOff x="0" y="0"/>
-          <a:chExt cx="0" cy="0"/>
-        </a:xfrm>
-      </p:grpSpPr>
-      <p:sp>
-        <p:nvSpPr>
-          <p:cNvPr id="2" name="제목 1">
-            <a:extLst>
-              <a:ext uri="{FF2B5EF4-FFF2-40B4-BE49-F238E27FC236}">
-                <a16:creationId xmlns:a16="http://schemas.microsoft.com/office/drawing/2014/main" id="{0D34CA6A-D12E-4FD6-D2A9-8FB90F664670}"/>
-              </a:ext>
-            </a:extLst>
-          </p:cNvPr>
-          <p:cNvSpPr>
-            <a:spLocks noGrp="1"/>
-          </p:cNvSpPr>
-          <p:nvPr>
-            <p:ph type="title"/>
-          </p:nvPr>
-        </p:nvSpPr>
-        <p:spPr>
-          <a:xfrm>
-            <a:off x="620485" y="365125"/>
-            <a:ext cx="8269515" cy="1325563"/>
-          </a:xfrm>
-        </p:spPr>
-        <p:txBody>
-          <a:bodyPr>
-            <a:normAutofit/>
-          </a:bodyPr>
-          <a:lstStyle/>
-          <a:p>
-            <a:r>
-              <a:rPr lang="ko-KR" altLang="en-US" dirty="0">
-                <a:solidFill>
-                  <a:srgbClr val="00B050"/>
-                </a:solidFill>
-                <a:latin typeface="Pretendard Black" panose="02000A03000000020004" pitchFamily="2" charset="-127"/>
-                <a:ea typeface="Pretendard Black" panose="02000A03000000020004" pitchFamily="2" charset="-127"/>
-                <a:cs typeface="Pretendard Black" panose="02000A03000000020004" pitchFamily="2" charset="-127"/>
-              </a:rPr>
-              <a:t>증감 연산자</a:t>
-            </a:r>
-          </a:p>
-        </p:txBody>
-      </p:sp>
-      <p:sp>
-        <p:nvSpPr>
-          <p:cNvPr id="6" name="내용 개체 틀 2">
-            <a:extLst>
-              <a:ext uri="{FF2B5EF4-FFF2-40B4-BE49-F238E27FC236}">
-                <a16:creationId xmlns:a16="http://schemas.microsoft.com/office/drawing/2014/main" id="{338F8804-7A3A-BE0B-4B8D-CA03DC27EE1E}"/>
-              </a:ext>
-            </a:extLst>
-          </p:cNvPr>
-          <p:cNvSpPr>
-            <a:spLocks noGrp="1"/>
-          </p:cNvSpPr>
-          <p:nvPr>
-            <p:ph sz="half" idx="1"/>
-          </p:nvPr>
-        </p:nvSpPr>
-        <p:spPr>
-          <a:xfrm>
-            <a:off x="751703" y="1690688"/>
-            <a:ext cx="10812112" cy="4711814"/>
-          </a:xfrm>
-        </p:spPr>
-        <p:txBody>
-          <a:bodyPr vert="horz" lIns="91440" tIns="45720" rIns="91440" bIns="45720" rtlCol="0" anchor="t">
-            <a:normAutofit/>
-          </a:bodyPr>
-          <a:lstStyle/>
-          <a:p>
-            <a:pPr>
-              <a:lnSpc>
-                <a:spcPct val="150000"/>
-              </a:lnSpc>
-            </a:pPr>
-            <a:r>
-              <a:rPr lang="en-US" altLang="ko-KR" dirty="0" err="1">
-                <a:solidFill>
-                  <a:srgbClr val="000000"/>
-                </a:solidFill>
-                <a:latin typeface="Pretendard" panose="02000503000000020004" pitchFamily="2" charset="-127"/>
-                <a:ea typeface="Pretendard" panose="02000503000000020004" pitchFamily="2" charset="-127"/>
-                <a:cs typeface="Pretendard" panose="02000503000000020004" pitchFamily="2" charset="-127"/>
-              </a:rPr>
-              <a:t>int</a:t>
-            </a:r>
-            <a:r>
-              <a:rPr lang="ko-KR" altLang="en-US" dirty="0">
-                <a:solidFill>
-                  <a:srgbClr val="000000"/>
-                </a:solidFill>
-                <a:latin typeface="Pretendard" panose="02000503000000020004" pitchFamily="2" charset="-127"/>
-                <a:ea typeface="Pretendard" panose="02000503000000020004" pitchFamily="2" charset="-127"/>
-                <a:cs typeface="Pretendard" panose="02000503000000020004" pitchFamily="2" charset="-127"/>
-              </a:rPr>
-              <a:t> </a:t>
-            </a:r>
-            <a:r>
-              <a:rPr lang="en-US" altLang="ko-KR" dirty="0" err="1">
-                <a:solidFill>
-                  <a:srgbClr val="000000"/>
-                </a:solidFill>
-                <a:latin typeface="Pretendard" panose="02000503000000020004" pitchFamily="2" charset="-127"/>
-                <a:ea typeface="Pretendard" panose="02000503000000020004" pitchFamily="2" charset="-127"/>
-                <a:cs typeface="Pretendard" panose="02000503000000020004" pitchFamily="2" charset="-127"/>
-              </a:rPr>
-              <a:t>num</a:t>
-            </a:r>
-            <a:r>
-              <a:rPr lang="ko-KR" altLang="en-US" dirty="0">
-                <a:latin typeface="Pretendard" panose="02000503000000020004" pitchFamily="2" charset="-127"/>
-                <a:ea typeface="Pretendard" panose="02000503000000020004" pitchFamily="2" charset="-127"/>
-                <a:cs typeface="Pretendard" panose="02000503000000020004" pitchFamily="2" charset="-127"/>
-              </a:rPr>
-              <a:t> </a:t>
-            </a:r>
-            <a:r>
-              <a:rPr lang="ko-KR" dirty="0">
-                <a:latin typeface="Pretendard" panose="02000503000000020004" pitchFamily="2" charset="-127"/>
-                <a:ea typeface="Pretendard" panose="02000503000000020004" pitchFamily="2" charset="-127"/>
-                <a:cs typeface="Pretendard" panose="02000503000000020004" pitchFamily="2" charset="-127"/>
-              </a:rPr>
-              <a:t>= </a:t>
-            </a:r>
-            <a:r>
-              <a:rPr lang="en-US" altLang="ko-KR" dirty="0">
-                <a:latin typeface="Pretendard" panose="02000503000000020004" pitchFamily="2" charset="-127"/>
-                <a:ea typeface="Pretendard" panose="02000503000000020004" pitchFamily="2" charset="-127"/>
-                <a:cs typeface="Pretendard" panose="02000503000000020004" pitchFamily="2" charset="-127"/>
-              </a:rPr>
-              <a:t>0;</a:t>
-            </a:r>
-          </a:p>
-          <a:p>
-            <a:pPr>
-              <a:lnSpc>
-                <a:spcPct val="150000"/>
-              </a:lnSpc>
-            </a:pPr>
-            <a:r>
-              <a:rPr lang="en-US" altLang="ko-KR" dirty="0" err="1">
-                <a:latin typeface="Pretendard" panose="02000503000000020004" pitchFamily="2" charset="-127"/>
-                <a:ea typeface="Pretendard" panose="02000503000000020004" pitchFamily="2" charset="-127"/>
-                <a:cs typeface="Pretendard" panose="02000503000000020004" pitchFamily="2" charset="-127"/>
-              </a:rPr>
-              <a:t>i</a:t>
-            </a:r>
-            <a:r>
-              <a:rPr lang="en-US" altLang="ko-KR" dirty="0">
-                <a:latin typeface="Pretendard" panose="02000503000000020004" pitchFamily="2" charset="-127"/>
-                <a:ea typeface="Pretendard" panose="02000503000000020004" pitchFamily="2" charset="-127"/>
-                <a:cs typeface="Pretendard" panose="02000503000000020004" pitchFamily="2" charset="-127"/>
-              </a:rPr>
-              <a:t>++ </a:t>
-            </a:r>
-            <a:r>
-              <a:rPr lang="ko-KR" altLang="ko-KR" dirty="0">
-                <a:solidFill>
-                  <a:srgbClr val="00B050"/>
-                </a:solidFill>
-                <a:latin typeface="Pretendard" panose="02000503000000020004" pitchFamily="2" charset="-127"/>
-                <a:ea typeface="Pretendard" panose="02000503000000020004" pitchFamily="2" charset="-127"/>
-                <a:cs typeface="Pretendard" panose="02000503000000020004" pitchFamily="2" charset="-127"/>
-              </a:rPr>
-              <a:t>→</a:t>
-            </a:r>
-            <a:r>
-              <a:rPr lang="en-US" altLang="ko-KR" dirty="0">
-                <a:latin typeface="Pretendard" panose="02000503000000020004" pitchFamily="2" charset="-127"/>
-                <a:ea typeface="Pretendard" panose="02000503000000020004" pitchFamily="2" charset="-127"/>
-                <a:cs typeface="Pretendard" panose="02000503000000020004" pitchFamily="2" charset="-127"/>
-              </a:rPr>
-              <a:t> </a:t>
-            </a:r>
-            <a:r>
-              <a:rPr lang="en-US" altLang="ko-KR" dirty="0" err="1">
-                <a:latin typeface="Pretendard" panose="02000503000000020004" pitchFamily="2" charset="-127"/>
-                <a:ea typeface="Pretendard" panose="02000503000000020004" pitchFamily="2" charset="-127"/>
-                <a:cs typeface="Pretendard" panose="02000503000000020004" pitchFamily="2" charset="-127"/>
-              </a:rPr>
-              <a:t>i</a:t>
-            </a:r>
-            <a:r>
-              <a:rPr lang="en-US" altLang="ko-KR" dirty="0">
-                <a:latin typeface="Pretendard" panose="02000503000000020004" pitchFamily="2" charset="-127"/>
-                <a:ea typeface="Pretendard" panose="02000503000000020004" pitchFamily="2" charset="-127"/>
-                <a:cs typeface="Pretendard" panose="02000503000000020004" pitchFamily="2" charset="-127"/>
-              </a:rPr>
-              <a:t> = </a:t>
-            </a:r>
-            <a:r>
-              <a:rPr lang="en-US" altLang="ko-KR" dirty="0" err="1">
-                <a:latin typeface="Pretendard" panose="02000503000000020004" pitchFamily="2" charset="-127"/>
-                <a:ea typeface="Pretendard" panose="02000503000000020004" pitchFamily="2" charset="-127"/>
-                <a:cs typeface="Pretendard" panose="02000503000000020004" pitchFamily="2" charset="-127"/>
-              </a:rPr>
-              <a:t>i</a:t>
-            </a:r>
-            <a:r>
-              <a:rPr lang="en-US" altLang="ko-KR" dirty="0">
-                <a:latin typeface="Pretendard" panose="02000503000000020004" pitchFamily="2" charset="-127"/>
-                <a:ea typeface="Pretendard" panose="02000503000000020004" pitchFamily="2" charset="-127"/>
-                <a:cs typeface="Pretendard" panose="02000503000000020004" pitchFamily="2" charset="-127"/>
-              </a:rPr>
-              <a:t> + 1</a:t>
-            </a:r>
-          </a:p>
-          <a:p>
-            <a:pPr>
-              <a:lnSpc>
-                <a:spcPct val="150000"/>
-              </a:lnSpc>
-            </a:pPr>
-            <a:r>
-              <a:rPr lang="en-US" altLang="ko-KR" dirty="0" err="1">
-                <a:latin typeface="Pretendard" panose="02000503000000020004" pitchFamily="2" charset="-127"/>
-                <a:ea typeface="Pretendard" panose="02000503000000020004" pitchFamily="2" charset="-127"/>
-                <a:cs typeface="Pretendard" panose="02000503000000020004" pitchFamily="2" charset="-127"/>
-              </a:rPr>
-              <a:t>i</a:t>
-            </a:r>
-            <a:r>
-              <a:rPr lang="en-US" altLang="ko-KR" dirty="0">
-                <a:latin typeface="Pretendard" panose="02000503000000020004" pitchFamily="2" charset="-127"/>
-                <a:ea typeface="Pretendard" panose="02000503000000020004" pitchFamily="2" charset="-127"/>
-                <a:cs typeface="Pretendard" panose="02000503000000020004" pitchFamily="2" charset="-127"/>
-              </a:rPr>
-              <a:t>-- </a:t>
-            </a:r>
-            <a:r>
-              <a:rPr lang="ko-KR" altLang="ko-KR" dirty="0">
-                <a:solidFill>
-                  <a:srgbClr val="00B050"/>
-                </a:solidFill>
-                <a:latin typeface="Pretendard" panose="02000503000000020004" pitchFamily="2" charset="-127"/>
-                <a:ea typeface="Pretendard" panose="02000503000000020004" pitchFamily="2" charset="-127"/>
-                <a:cs typeface="Pretendard" panose="02000503000000020004" pitchFamily="2" charset="-127"/>
-              </a:rPr>
-              <a:t>→</a:t>
-            </a:r>
-            <a:r>
-              <a:rPr lang="en-US" altLang="ko-KR" dirty="0">
-                <a:solidFill>
-                  <a:srgbClr val="00B050"/>
-                </a:solidFill>
-                <a:latin typeface="Pretendard" panose="02000503000000020004" pitchFamily="2" charset="-127"/>
-                <a:ea typeface="Pretendard" panose="02000503000000020004" pitchFamily="2" charset="-127"/>
-                <a:cs typeface="Pretendard" panose="02000503000000020004" pitchFamily="2" charset="-127"/>
-              </a:rPr>
-              <a:t> </a:t>
-            </a:r>
-            <a:r>
-              <a:rPr lang="en-US" altLang="ko-KR" dirty="0" err="1">
-                <a:latin typeface="Pretendard" panose="02000503000000020004" pitchFamily="2" charset="-127"/>
-                <a:ea typeface="Pretendard" panose="02000503000000020004" pitchFamily="2" charset="-127"/>
-                <a:cs typeface="Pretendard" panose="02000503000000020004" pitchFamily="2" charset="-127"/>
-              </a:rPr>
-              <a:t>i</a:t>
-            </a:r>
-            <a:r>
-              <a:rPr lang="en-US" altLang="ko-KR" dirty="0">
-                <a:latin typeface="Pretendard" panose="02000503000000020004" pitchFamily="2" charset="-127"/>
-                <a:ea typeface="Pretendard" panose="02000503000000020004" pitchFamily="2" charset="-127"/>
-                <a:cs typeface="Pretendard" panose="02000503000000020004" pitchFamily="2" charset="-127"/>
-              </a:rPr>
-              <a:t> = </a:t>
-            </a:r>
-            <a:r>
-              <a:rPr lang="en-US" altLang="ko-KR" dirty="0" err="1">
-                <a:latin typeface="Pretendard" panose="02000503000000020004" pitchFamily="2" charset="-127"/>
-                <a:ea typeface="Pretendard" panose="02000503000000020004" pitchFamily="2" charset="-127"/>
-                <a:cs typeface="Pretendard" panose="02000503000000020004" pitchFamily="2" charset="-127"/>
-              </a:rPr>
-              <a:t>i</a:t>
-            </a:r>
-            <a:r>
-              <a:rPr lang="en-US" altLang="ko-KR" dirty="0">
-                <a:latin typeface="Pretendard" panose="02000503000000020004" pitchFamily="2" charset="-127"/>
-                <a:ea typeface="Pretendard" panose="02000503000000020004" pitchFamily="2" charset="-127"/>
-                <a:cs typeface="Pretendard" panose="02000503000000020004" pitchFamily="2" charset="-127"/>
-              </a:rPr>
-              <a:t> - 1</a:t>
-            </a:r>
-          </a:p>
-          <a:p>
-            <a:pPr>
-              <a:lnSpc>
-                <a:spcPct val="150000"/>
-              </a:lnSpc>
-            </a:pPr>
-            <a:endParaRPr lang="ko-KR" altLang="en-US" dirty="0">
-              <a:latin typeface="Pretendard" panose="02000503000000020004" pitchFamily="2" charset="-127"/>
-              <a:ea typeface="Pretendard" panose="02000503000000020004" pitchFamily="2" charset="-127"/>
-              <a:cs typeface="Pretendard" panose="02000503000000020004" pitchFamily="2" charset="-127"/>
-            </a:endParaRPr>
-          </a:p>
-          <a:p>
-            <a:pPr>
-              <a:lnSpc>
-                <a:spcPct val="150000"/>
-              </a:lnSpc>
-            </a:pPr>
-            <a:endParaRPr lang="ko-KR" altLang="en-US" dirty="0">
-              <a:latin typeface="Pretendard" panose="02000503000000020004" pitchFamily="2" charset="-127"/>
-              <a:ea typeface="Pretendard" panose="02000503000000020004" pitchFamily="2" charset="-127"/>
-              <a:cs typeface="Pretendard" panose="02000503000000020004" pitchFamily="2" charset="-127"/>
-            </a:endParaRPr>
-          </a:p>
-          <a:p>
-            <a:pPr>
-              <a:lnSpc>
-                <a:spcPct val="150000"/>
-              </a:lnSpc>
-            </a:pPr>
-            <a:endParaRPr lang="ko-KR" altLang="en-US" dirty="0">
-              <a:latin typeface="Pretendard" panose="02000503000000020004" pitchFamily="2" charset="-127"/>
-              <a:ea typeface="Pretendard" panose="02000503000000020004" pitchFamily="2" charset="-127"/>
-              <a:cs typeface="Pretendard" panose="02000503000000020004" pitchFamily="2" charset="-127"/>
-            </a:endParaRPr>
-          </a:p>
-          <a:p>
-            <a:pPr>
-              <a:lnSpc>
-                <a:spcPct val="150000"/>
-              </a:lnSpc>
-            </a:pPr>
-            <a:endParaRPr lang="ko-KR" dirty="0">
-              <a:latin typeface="Pretendard" panose="02000503000000020004" pitchFamily="2" charset="-127"/>
-              <a:ea typeface="Pretendard" panose="02000503000000020004" pitchFamily="2" charset="-127"/>
-              <a:cs typeface="Pretendard" panose="02000503000000020004" pitchFamily="2" charset="-127"/>
-            </a:endParaRPr>
-          </a:p>
-        </p:txBody>
-      </p:sp>
-      <p:sp>
-        <p:nvSpPr>
-          <p:cNvPr id="3" name="날짜 개체 틀 2">
-            <a:extLst>
-              <a:ext uri="{FF2B5EF4-FFF2-40B4-BE49-F238E27FC236}">
-                <a16:creationId xmlns:a16="http://schemas.microsoft.com/office/drawing/2014/main" id="{62D4AEF2-2FCA-947F-0CBF-F93EB80AC573}"/>
-              </a:ext>
-            </a:extLst>
-          </p:cNvPr>
-          <p:cNvSpPr>
-            <a:spLocks noGrp="1"/>
-          </p:cNvSpPr>
-          <p:nvPr>
-            <p:ph type="dt" sz="half" idx="10"/>
-          </p:nvPr>
-        </p:nvSpPr>
-        <p:spPr/>
-        <p:txBody>
-          <a:bodyPr/>
-          <a:lstStyle/>
-          <a:p>
-            <a:fld id="{68924C3D-697C-40F2-BC3D-E9F4D36B3635}" type="datetime6">
-              <a:rPr lang="ko-KR" altLang="en-US" smtClean="0"/>
-              <a:t>2025년 4월</a:t>
+              <a:t>2025년 6월</a:t>
             </a:fld>
             <a:endParaRPr lang="ko-KR" altLang="en-US" dirty="0"/>
           </a:p>
@@ -26903,7 +24586,7 @@
 </p:sld>
 </file>
 
-<file path=ppt/slides/slide52.xml><?xml version="1.0" encoding="utf-8"?>
+<file path=ppt/slides/slide51.xml><?xml version="1.0" encoding="utf-8"?>
 <p:sld xmlns:a="http://schemas.openxmlformats.org/drawingml/2006/main" xmlns:r="http://schemas.openxmlformats.org/officeDocument/2006/relationships" xmlns:p="http://schemas.openxmlformats.org/presentationml/2006/main">
   <p:cSld>
     <p:spTree>
@@ -27239,7 +24922,7 @@
           <a:p>
             <a:fld id="{68924C3D-697C-40F2-BC3D-E9F4D36B3635}" type="datetime6">
               <a:rPr lang="ko-KR" altLang="en-US" smtClean="0"/>
-              <a:t>2025년 4월</a:t>
+              <a:t>2025년 6월</a:t>
             </a:fld>
             <a:endParaRPr lang="ko-KR" altLang="en-US" dirty="0"/>
           </a:p>
@@ -27249,6 +24932,219 @@
     <p:extLst>
       <p:ext uri="{BB962C8B-B14F-4D97-AF65-F5344CB8AC3E}">
         <p14:creationId xmlns:p14="http://schemas.microsoft.com/office/powerpoint/2010/main" val="1809599445"/>
+      </p:ext>
+    </p:extLst>
+  </p:cSld>
+  <p:clrMapOvr>
+    <a:masterClrMapping/>
+  </p:clrMapOvr>
+</p:sld>
+</file>
+
+<file path=ppt/slides/slide52.xml><?xml version="1.0" encoding="utf-8"?>
+<p:sld xmlns:a="http://schemas.openxmlformats.org/drawingml/2006/main" xmlns:r="http://schemas.openxmlformats.org/officeDocument/2006/relationships" xmlns:p="http://schemas.openxmlformats.org/presentationml/2006/main">
+  <p:cSld>
+    <p:spTree>
+      <p:nvGrpSpPr>
+        <p:cNvPr id="1" name="">
+          <a:extLst>
+            <a:ext uri="{FF2B5EF4-FFF2-40B4-BE49-F238E27FC236}">
+              <a16:creationId xmlns:a16="http://schemas.microsoft.com/office/drawing/2014/main" id="{0C3EB8CB-0A8B-BF3D-791C-CCD4C1A3FDD1}"/>
+            </a:ext>
+          </a:extLst>
+        </p:cNvPr>
+        <p:cNvGrpSpPr/>
+        <p:nvPr/>
+      </p:nvGrpSpPr>
+      <p:grpSpPr>
+        <a:xfrm>
+          <a:off x="0" y="0"/>
+          <a:ext cx="0" cy="0"/>
+          <a:chOff x="0" y="0"/>
+          <a:chExt cx="0" cy="0"/>
+        </a:xfrm>
+      </p:grpSpPr>
+      <p:sp>
+        <p:nvSpPr>
+          <p:cNvPr id="2" name="제목 1">
+            <a:extLst>
+              <a:ext uri="{FF2B5EF4-FFF2-40B4-BE49-F238E27FC236}">
+                <a16:creationId xmlns:a16="http://schemas.microsoft.com/office/drawing/2014/main" id="{34BB6C0F-ABD2-117F-3862-1B297D85D8A0}"/>
+              </a:ext>
+            </a:extLst>
+          </p:cNvPr>
+          <p:cNvSpPr>
+            <a:spLocks noGrp="1"/>
+          </p:cNvSpPr>
+          <p:nvPr>
+            <p:ph type="title"/>
+          </p:nvPr>
+        </p:nvSpPr>
+        <p:spPr>
+          <a:xfrm>
+            <a:off x="620485" y="365125"/>
+            <a:ext cx="8269515" cy="1325563"/>
+          </a:xfrm>
+        </p:spPr>
+        <p:txBody>
+          <a:bodyPr>
+            <a:normAutofit/>
+          </a:bodyPr>
+          <a:lstStyle/>
+          <a:p>
+            <a:r>
+              <a:rPr lang="ko-KR" altLang="en-US" dirty="0">
+                <a:solidFill>
+                  <a:srgbClr val="00B050"/>
+                </a:solidFill>
+                <a:latin typeface="Pretendard Black" panose="02000A03000000020004" pitchFamily="2" charset="-127"/>
+                <a:ea typeface="Pretendard Black" panose="02000A03000000020004" pitchFamily="2" charset="-127"/>
+                <a:cs typeface="Pretendard Black" panose="02000A03000000020004" pitchFamily="2" charset="-127"/>
+              </a:rPr>
+              <a:t>논리 연산자</a:t>
+            </a:r>
+          </a:p>
+        </p:txBody>
+      </p:sp>
+      <p:sp>
+        <p:nvSpPr>
+          <p:cNvPr id="6" name="내용 개체 틀 2">
+            <a:extLst>
+              <a:ext uri="{FF2B5EF4-FFF2-40B4-BE49-F238E27FC236}">
+                <a16:creationId xmlns:a16="http://schemas.microsoft.com/office/drawing/2014/main" id="{E6395994-25CA-EC71-44A0-C2F1EAE23A7A}"/>
+              </a:ext>
+            </a:extLst>
+          </p:cNvPr>
+          <p:cNvSpPr>
+            <a:spLocks noGrp="1"/>
+          </p:cNvSpPr>
+          <p:nvPr>
+            <p:ph sz="half" idx="1"/>
+          </p:nvPr>
+        </p:nvSpPr>
+        <p:spPr>
+          <a:xfrm>
+            <a:off x="751703" y="1690688"/>
+            <a:ext cx="10812112" cy="4711814"/>
+          </a:xfrm>
+        </p:spPr>
+        <p:txBody>
+          <a:bodyPr vert="horz" lIns="91440" tIns="45720" rIns="91440" bIns="45720" rtlCol="0" anchor="t">
+            <a:normAutofit/>
+          </a:bodyPr>
+          <a:lstStyle/>
+          <a:p>
+            <a:pPr>
+              <a:lnSpc>
+                <a:spcPct val="150000"/>
+              </a:lnSpc>
+            </a:pPr>
+            <a:r>
+              <a:rPr lang="en-US" altLang="ko-KR" dirty="0">
+                <a:latin typeface="Pretendard" panose="02000503000000020004" pitchFamily="2" charset="-127"/>
+                <a:ea typeface="Pretendard" panose="02000503000000020004" pitchFamily="2" charset="-127"/>
+                <a:cs typeface="Pretendard" panose="02000503000000020004" pitchFamily="2" charset="-127"/>
+              </a:rPr>
+              <a:t>|| (or) : </a:t>
+            </a:r>
+            <a:r>
+              <a:rPr lang="ko-KR" altLang="en-US" dirty="0">
+                <a:latin typeface="Pretendard" panose="02000503000000020004" pitchFamily="2" charset="-127"/>
+                <a:ea typeface="Pretendard" panose="02000503000000020004" pitchFamily="2" charset="-127"/>
+                <a:cs typeface="Pretendard" panose="02000503000000020004" pitchFamily="2" charset="-127"/>
+              </a:rPr>
+              <a:t>여러 개 중 하나라도 </a:t>
+            </a:r>
+            <a:r>
+              <a:rPr lang="en-US" altLang="ko-KR" dirty="0">
+                <a:latin typeface="Pretendard" panose="02000503000000020004" pitchFamily="2" charset="-127"/>
+                <a:ea typeface="Pretendard" panose="02000503000000020004" pitchFamily="2" charset="-127"/>
+                <a:cs typeface="Pretendard" panose="02000503000000020004" pitchFamily="2" charset="-127"/>
+              </a:rPr>
+              <a:t>true ➡ true</a:t>
+            </a:r>
+          </a:p>
+          <a:p>
+            <a:pPr>
+              <a:lnSpc>
+                <a:spcPct val="150000"/>
+              </a:lnSpc>
+            </a:pPr>
+            <a:r>
+              <a:rPr lang="en-US" altLang="ko-KR" dirty="0">
+                <a:latin typeface="Pretendard" panose="02000503000000020004" pitchFamily="2" charset="-127"/>
+                <a:ea typeface="Pretendard" panose="02000503000000020004" pitchFamily="2" charset="-127"/>
+                <a:cs typeface="Pretendard" panose="02000503000000020004" pitchFamily="2" charset="-127"/>
+              </a:rPr>
+              <a:t>&amp;&amp; (and) : </a:t>
+            </a:r>
+            <a:r>
+              <a:rPr lang="ko-KR" altLang="en-US" dirty="0">
+                <a:latin typeface="Pretendard" panose="02000503000000020004" pitchFamily="2" charset="-127"/>
+                <a:ea typeface="Pretendard" panose="02000503000000020004" pitchFamily="2" charset="-127"/>
+                <a:cs typeface="Pretendard" panose="02000503000000020004" pitchFamily="2" charset="-127"/>
+              </a:rPr>
+              <a:t>모든 값이 </a:t>
+            </a:r>
+            <a:r>
+              <a:rPr lang="en-US" altLang="ko-KR" dirty="0">
+                <a:latin typeface="Pretendard" panose="02000503000000020004" pitchFamily="2" charset="-127"/>
+                <a:ea typeface="Pretendard" panose="02000503000000020004" pitchFamily="2" charset="-127"/>
+                <a:cs typeface="Pretendard" panose="02000503000000020004" pitchFamily="2" charset="-127"/>
+              </a:rPr>
+              <a:t>true ➡ true</a:t>
+            </a:r>
+          </a:p>
+          <a:p>
+            <a:pPr>
+              <a:lnSpc>
+                <a:spcPct val="150000"/>
+              </a:lnSpc>
+            </a:pPr>
+            <a:r>
+              <a:rPr lang="en-US" altLang="ko-KR" dirty="0">
+                <a:latin typeface="Pretendard" panose="02000503000000020004" pitchFamily="2" charset="-127"/>
+                <a:ea typeface="Pretendard" panose="02000503000000020004" pitchFamily="2" charset="-127"/>
+                <a:cs typeface="Pretendard" panose="02000503000000020004" pitchFamily="2" charset="-127"/>
+              </a:rPr>
+              <a:t>! (not) : true ➡ false, false ➡ true</a:t>
+            </a:r>
+          </a:p>
+        </p:txBody>
+      </p:sp>
+      <p:sp>
+        <p:nvSpPr>
+          <p:cNvPr id="3" name="날짜 개체 틀 2">
+            <a:extLst>
+              <a:ext uri="{FF2B5EF4-FFF2-40B4-BE49-F238E27FC236}">
+                <a16:creationId xmlns:a16="http://schemas.microsoft.com/office/drawing/2014/main" id="{2E7AD9B2-60FE-F56D-6D7D-BA8D75FF22FE}"/>
+              </a:ext>
+            </a:extLst>
+          </p:cNvPr>
+          <p:cNvSpPr>
+            <a:spLocks noGrp="1"/>
+          </p:cNvSpPr>
+          <p:nvPr>
+            <p:ph type="dt" sz="half" idx="10"/>
+          </p:nvPr>
+        </p:nvSpPr>
+        <p:spPr/>
+        <p:txBody>
+          <a:bodyPr/>
+          <a:lstStyle/>
+          <a:p>
+            <a:fld id="{68924C3D-697C-40F2-BC3D-E9F4D36B3635}" type="datetime6">
+              <a:rPr lang="ko-KR" altLang="en-US" smtClean="0"/>
+              <a:t>2025년 6월</a:t>
+            </a:fld>
+            <a:endParaRPr lang="ko-KR" altLang="en-US" dirty="0"/>
+          </a:p>
+        </p:txBody>
+      </p:sp>
+    </p:spTree>
+    <p:extLst>
+      <p:ext uri="{BB962C8B-B14F-4D97-AF65-F5344CB8AC3E}">
+        <p14:creationId xmlns:p14="http://schemas.microsoft.com/office/powerpoint/2010/main" val="1997970300"/>
       </p:ext>
     </p:extLst>
   </p:cSld>
@@ -27310,6 +25206,17 @@
           <a:lstStyle/>
           <a:p>
             <a:r>
+              <a:rPr lang="ko-KR" altLang="en-US">
+                <a:solidFill>
+                  <a:srgbClr val="00B050"/>
+                </a:solidFill>
+                <a:latin typeface="Pretendard Black" panose="02000A03000000020004" pitchFamily="2" charset="-127"/>
+                <a:ea typeface="Pretendard Black" panose="02000A03000000020004" pitchFamily="2" charset="-127"/>
+                <a:cs typeface="Pretendard Black" panose="02000A03000000020004" pitchFamily="2" charset="-127"/>
+              </a:rPr>
+              <a:t>삼항</a:t>
+            </a:r>
+            <a:r>
               <a:rPr lang="ko-KR" altLang="en-US" dirty="0">
                 <a:solidFill>
                   <a:srgbClr val="00B050"/>
@@ -27318,7 +25225,7 @@
                 <a:ea typeface="Pretendard Black" panose="02000A03000000020004" pitchFamily="2" charset="-127"/>
                 <a:cs typeface="Pretendard Black" panose="02000A03000000020004" pitchFamily="2" charset="-127"/>
               </a:rPr>
-              <a:t>논리 연산자</a:t>
+              <a:t> 연산자</a:t>
             </a:r>
           </a:p>
         </p:txBody>
@@ -27357,230 +25264,6 @@
               </a:lnSpc>
             </a:pPr>
             <a:r>
-              <a:rPr lang="en-US" altLang="ko-KR" dirty="0">
-                <a:latin typeface="Pretendard" panose="02000503000000020004" pitchFamily="2" charset="-127"/>
-                <a:ea typeface="Pretendard" panose="02000503000000020004" pitchFamily="2" charset="-127"/>
-                <a:cs typeface="Pretendard" panose="02000503000000020004" pitchFamily="2" charset="-127"/>
-              </a:rPr>
-              <a:t>|| (or) : </a:t>
-            </a:r>
-            <a:r>
-              <a:rPr lang="ko-KR" altLang="en-US" dirty="0">
-                <a:latin typeface="Pretendard" panose="02000503000000020004" pitchFamily="2" charset="-127"/>
-                <a:ea typeface="Pretendard" panose="02000503000000020004" pitchFamily="2" charset="-127"/>
-                <a:cs typeface="Pretendard" panose="02000503000000020004" pitchFamily="2" charset="-127"/>
-              </a:rPr>
-              <a:t>여러 개 중 하나라도 </a:t>
-            </a:r>
-            <a:r>
-              <a:rPr lang="en-US" altLang="ko-KR" dirty="0">
-                <a:latin typeface="Pretendard" panose="02000503000000020004" pitchFamily="2" charset="-127"/>
-                <a:ea typeface="Pretendard" panose="02000503000000020004" pitchFamily="2" charset="-127"/>
-                <a:cs typeface="Pretendard" panose="02000503000000020004" pitchFamily="2" charset="-127"/>
-              </a:rPr>
-              <a:t>true ➡ true</a:t>
-            </a:r>
-          </a:p>
-          <a:p>
-            <a:pPr>
-              <a:lnSpc>
-                <a:spcPct val="150000"/>
-              </a:lnSpc>
-            </a:pPr>
-            <a:r>
-              <a:rPr lang="en-US" altLang="ko-KR" dirty="0">
-                <a:latin typeface="Pretendard" panose="02000503000000020004" pitchFamily="2" charset="-127"/>
-                <a:ea typeface="Pretendard" panose="02000503000000020004" pitchFamily="2" charset="-127"/>
-                <a:cs typeface="Pretendard" panose="02000503000000020004" pitchFamily="2" charset="-127"/>
-              </a:rPr>
-              <a:t>&amp;&amp; (and) : </a:t>
-            </a:r>
-            <a:r>
-              <a:rPr lang="ko-KR" altLang="en-US" dirty="0">
-                <a:latin typeface="Pretendard" panose="02000503000000020004" pitchFamily="2" charset="-127"/>
-                <a:ea typeface="Pretendard" panose="02000503000000020004" pitchFamily="2" charset="-127"/>
-                <a:cs typeface="Pretendard" panose="02000503000000020004" pitchFamily="2" charset="-127"/>
-              </a:rPr>
-              <a:t>모든 값이 </a:t>
-            </a:r>
-            <a:r>
-              <a:rPr lang="en-US" altLang="ko-KR" dirty="0">
-                <a:latin typeface="Pretendard" panose="02000503000000020004" pitchFamily="2" charset="-127"/>
-                <a:ea typeface="Pretendard" panose="02000503000000020004" pitchFamily="2" charset="-127"/>
-                <a:cs typeface="Pretendard" panose="02000503000000020004" pitchFamily="2" charset="-127"/>
-              </a:rPr>
-              <a:t>true ➡ true</a:t>
-            </a:r>
-          </a:p>
-          <a:p>
-            <a:pPr>
-              <a:lnSpc>
-                <a:spcPct val="150000"/>
-              </a:lnSpc>
-            </a:pPr>
-            <a:r>
-              <a:rPr lang="en-US" altLang="ko-KR" dirty="0">
-                <a:latin typeface="Pretendard" panose="02000503000000020004" pitchFamily="2" charset="-127"/>
-                <a:ea typeface="Pretendard" panose="02000503000000020004" pitchFamily="2" charset="-127"/>
-                <a:cs typeface="Pretendard" panose="02000503000000020004" pitchFamily="2" charset="-127"/>
-              </a:rPr>
-              <a:t>! (not) : true ➡ false, false ➡ true</a:t>
-            </a:r>
-          </a:p>
-        </p:txBody>
-      </p:sp>
-      <p:sp>
-        <p:nvSpPr>
-          <p:cNvPr id="3" name="날짜 개체 틀 2">
-            <a:extLst>
-              <a:ext uri="{FF2B5EF4-FFF2-40B4-BE49-F238E27FC236}">
-                <a16:creationId xmlns:a16="http://schemas.microsoft.com/office/drawing/2014/main" id="{2E7AD9B2-60FE-F56D-6D7D-BA8D75FF22FE}"/>
-              </a:ext>
-            </a:extLst>
-          </p:cNvPr>
-          <p:cNvSpPr>
-            <a:spLocks noGrp="1"/>
-          </p:cNvSpPr>
-          <p:nvPr>
-            <p:ph type="dt" sz="half" idx="10"/>
-          </p:nvPr>
-        </p:nvSpPr>
-        <p:spPr/>
-        <p:txBody>
-          <a:bodyPr/>
-          <a:lstStyle/>
-          <a:p>
-            <a:fld id="{68924C3D-697C-40F2-BC3D-E9F4D36B3635}" type="datetime6">
-              <a:rPr lang="ko-KR" altLang="en-US" smtClean="0"/>
-              <a:t>2025년 4월</a:t>
-            </a:fld>
-            <a:endParaRPr lang="ko-KR" altLang="en-US" dirty="0"/>
-          </a:p>
-        </p:txBody>
-      </p:sp>
-    </p:spTree>
-    <p:extLst>
-      <p:ext uri="{BB962C8B-B14F-4D97-AF65-F5344CB8AC3E}">
-        <p14:creationId xmlns:p14="http://schemas.microsoft.com/office/powerpoint/2010/main" val="1997970300"/>
-      </p:ext>
-    </p:extLst>
-  </p:cSld>
-  <p:clrMapOvr>
-    <a:masterClrMapping/>
-  </p:clrMapOvr>
-</p:sld>
-</file>
-
-<file path=ppt/slides/slide54.xml><?xml version="1.0" encoding="utf-8"?>
-<p:sld xmlns:a="http://schemas.openxmlformats.org/drawingml/2006/main" xmlns:r="http://schemas.openxmlformats.org/officeDocument/2006/relationships" xmlns:p="http://schemas.openxmlformats.org/presentationml/2006/main">
-  <p:cSld>
-    <p:spTree>
-      <p:nvGrpSpPr>
-        <p:cNvPr id="1" name="">
-          <a:extLst>
-            <a:ext uri="{FF2B5EF4-FFF2-40B4-BE49-F238E27FC236}">
-              <a16:creationId xmlns:a16="http://schemas.microsoft.com/office/drawing/2014/main" id="{0C3EB8CB-0A8B-BF3D-791C-CCD4C1A3FDD1}"/>
-            </a:ext>
-          </a:extLst>
-        </p:cNvPr>
-        <p:cNvGrpSpPr/>
-        <p:nvPr/>
-      </p:nvGrpSpPr>
-      <p:grpSpPr>
-        <a:xfrm>
-          <a:off x="0" y="0"/>
-          <a:ext cx="0" cy="0"/>
-          <a:chOff x="0" y="0"/>
-          <a:chExt cx="0" cy="0"/>
-        </a:xfrm>
-      </p:grpSpPr>
-      <p:sp>
-        <p:nvSpPr>
-          <p:cNvPr id="2" name="제목 1">
-            <a:extLst>
-              <a:ext uri="{FF2B5EF4-FFF2-40B4-BE49-F238E27FC236}">
-                <a16:creationId xmlns:a16="http://schemas.microsoft.com/office/drawing/2014/main" id="{34BB6C0F-ABD2-117F-3862-1B297D85D8A0}"/>
-              </a:ext>
-            </a:extLst>
-          </p:cNvPr>
-          <p:cNvSpPr>
-            <a:spLocks noGrp="1"/>
-          </p:cNvSpPr>
-          <p:nvPr>
-            <p:ph type="title"/>
-          </p:nvPr>
-        </p:nvSpPr>
-        <p:spPr>
-          <a:xfrm>
-            <a:off x="620485" y="365125"/>
-            <a:ext cx="8269515" cy="1325563"/>
-          </a:xfrm>
-        </p:spPr>
-        <p:txBody>
-          <a:bodyPr>
-            <a:normAutofit/>
-          </a:bodyPr>
-          <a:lstStyle/>
-          <a:p>
-            <a:r>
-              <a:rPr lang="ko-KR" altLang="en-US">
-                <a:solidFill>
-                  <a:srgbClr val="00B050"/>
-                </a:solidFill>
-                <a:latin typeface="Pretendard Black" panose="02000A03000000020004" pitchFamily="2" charset="-127"/>
-                <a:ea typeface="Pretendard Black" panose="02000A03000000020004" pitchFamily="2" charset="-127"/>
-                <a:cs typeface="Pretendard Black" panose="02000A03000000020004" pitchFamily="2" charset="-127"/>
-              </a:rPr>
-              <a:t>삼항</a:t>
-            </a:r>
-            <a:r>
-              <a:rPr lang="ko-KR" altLang="en-US" dirty="0">
-                <a:solidFill>
-                  <a:srgbClr val="00B050"/>
-                </a:solidFill>
-                <a:latin typeface="Pretendard Black" panose="02000A03000000020004" pitchFamily="2" charset="-127"/>
-                <a:ea typeface="Pretendard Black" panose="02000A03000000020004" pitchFamily="2" charset="-127"/>
-                <a:cs typeface="Pretendard Black" panose="02000A03000000020004" pitchFamily="2" charset="-127"/>
-              </a:rPr>
-              <a:t> 연산자</a:t>
-            </a:r>
-          </a:p>
-        </p:txBody>
-      </p:sp>
-      <p:sp>
-        <p:nvSpPr>
-          <p:cNvPr id="6" name="내용 개체 틀 2">
-            <a:extLst>
-              <a:ext uri="{FF2B5EF4-FFF2-40B4-BE49-F238E27FC236}">
-                <a16:creationId xmlns:a16="http://schemas.microsoft.com/office/drawing/2014/main" id="{E6395994-25CA-EC71-44A0-C2F1EAE23A7A}"/>
-              </a:ext>
-            </a:extLst>
-          </p:cNvPr>
-          <p:cNvSpPr>
-            <a:spLocks noGrp="1"/>
-          </p:cNvSpPr>
-          <p:nvPr>
-            <p:ph sz="half" idx="1"/>
-          </p:nvPr>
-        </p:nvSpPr>
-        <p:spPr>
-          <a:xfrm>
-            <a:off x="751703" y="1690688"/>
-            <a:ext cx="10812112" cy="4711814"/>
-          </a:xfrm>
-        </p:spPr>
-        <p:txBody>
-          <a:bodyPr vert="horz" lIns="91440" tIns="45720" rIns="91440" bIns="45720" rtlCol="0" anchor="t">
-            <a:normAutofit/>
-          </a:bodyPr>
-          <a:lstStyle/>
-          <a:p>
-            <a:pPr>
-              <a:lnSpc>
-                <a:spcPct val="150000"/>
-              </a:lnSpc>
-            </a:pPr>
-            <a:r>
               <a:rPr lang="ko-KR" altLang="en-US" sz="3600" dirty="0">
                 <a:latin typeface="Kim jung chul Gothic Regular" panose="020B0503000000000000" pitchFamily="34" charset="-127"/>
                 <a:cs typeface="Arial"/>
@@ -27683,7 +25366,7 @@
           <a:p>
             <a:fld id="{68924C3D-697C-40F2-BC3D-E9F4D36B3635}" type="datetime6">
               <a:rPr lang="ko-KR" altLang="en-US" smtClean="0"/>
-              <a:t>2025년 4월</a:t>
+              <a:t>2025년 6월</a:t>
             </a:fld>
             <a:endParaRPr lang="ko-KR" altLang="en-US" dirty="0"/>
           </a:p>
@@ -27831,7 +25514,7 @@
           <a:p>
             <a:fld id="{0F78D9C4-20C1-4B15-A116-16DC77AD9A1E}" type="datetime1">
               <a:rPr lang="ko-KR" altLang="en-US" smtClean="0"/>
-              <a:t>2025-04-25</a:t>
+              <a:t>2025-06-08</a:t>
             </a:fld>
             <a:endParaRPr lang="ko-KR" altLang="en-US"/>
           </a:p>
@@ -28310,7 +25993,7 @@
           <a:p>
             <a:fld id="{0F78D9C4-20C1-4B15-A116-16DC77AD9A1E}" type="datetime1">
               <a:rPr lang="ko-KR" altLang="en-US" smtClean="0"/>
-              <a:t>2025-04-25</a:t>
+              <a:t>2025-06-08</a:t>
             </a:fld>
             <a:endParaRPr lang="ko-KR" altLang="en-US"/>
           </a:p>
@@ -28716,7 +26399,7 @@
           <a:p>
             <a:fld id="{0F78D9C4-20C1-4B15-A116-16DC77AD9A1E}" type="datetime1">
               <a:rPr lang="ko-KR" altLang="en-US" smtClean="0"/>
-              <a:t>2025-04-25</a:t>
+              <a:t>2025-06-08</a:t>
             </a:fld>
             <a:endParaRPr lang="ko-KR" altLang="en-US"/>
           </a:p>
@@ -29349,7 +27032,7 @@
           <a:p>
             <a:fld id="{0F78D9C4-20C1-4B15-A116-16DC77AD9A1E}" type="datetime1">
               <a:rPr lang="ko-KR" altLang="en-US" smtClean="0"/>
-              <a:t>2025-04-25</a:t>
+              <a:t>2025-06-08</a:t>
             </a:fld>
             <a:endParaRPr lang="ko-KR" altLang="en-US"/>
           </a:p>
